--- a/logic/logic_lecture_3.pptx
+++ b/logic/logic_lecture_3.pptx
@@ -5,22 +5,26 @@
     <p:sldMasterId id="2147483658" r:id="rId1"/>
   </p:sldMasterIdLst>
   <p:notesMasterIdLst>
-    <p:notesMasterId r:id="rId15"/>
+    <p:notesMasterId r:id="rId19"/>
   </p:notesMasterIdLst>
   <p:sldIdLst>
     <p:sldId id="256" r:id="rId2"/>
     <p:sldId id="310" r:id="rId3"/>
-    <p:sldId id="311" r:id="rId4"/>
-    <p:sldId id="349" r:id="rId5"/>
-    <p:sldId id="348" r:id="rId6"/>
-    <p:sldId id="350" r:id="rId7"/>
-    <p:sldId id="313" r:id="rId8"/>
-    <p:sldId id="312" r:id="rId9"/>
-    <p:sldId id="353" r:id="rId10"/>
-    <p:sldId id="351" r:id="rId11"/>
-    <p:sldId id="352" r:id="rId12"/>
-    <p:sldId id="354" r:id="rId13"/>
-    <p:sldId id="355" r:id="rId14"/>
+    <p:sldId id="360" r:id="rId4"/>
+    <p:sldId id="311" r:id="rId5"/>
+    <p:sldId id="349" r:id="rId6"/>
+    <p:sldId id="348" r:id="rId7"/>
+    <p:sldId id="350" r:id="rId8"/>
+    <p:sldId id="313" r:id="rId9"/>
+    <p:sldId id="312" r:id="rId10"/>
+    <p:sldId id="353" r:id="rId11"/>
+    <p:sldId id="351" r:id="rId12"/>
+    <p:sldId id="352" r:id="rId13"/>
+    <p:sldId id="357" r:id="rId14"/>
+    <p:sldId id="354" r:id="rId15"/>
+    <p:sldId id="358" r:id="rId16"/>
+    <p:sldId id="359" r:id="rId17"/>
+    <p:sldId id="355" r:id="rId18"/>
   </p:sldIdLst>
   <p:sldSz cx="12192000" cy="6858000"/>
   <p:notesSz cx="6858000" cy="9144000"/>
@@ -220,7 +224,7 @@
           <a:p>
             <a:fld id="{0DFD3E08-CD1E-6345-BF3D-6B539ADC1145}" type="datetimeFigureOut">
               <a:rPr lang="en-US" smtClean="0"/>
-              <a:t>9/10/25</a:t>
+              <a:t>9/12/25</a:t>
             </a:fld>
             <a:endParaRPr lang="en-US"/>
           </a:p>
@@ -579,6 +583,114 @@
         <p:cNvPr id="1" name="">
           <a:extLst>
             <a:ext uri="{FF2B5EF4-FFF2-40B4-BE49-F238E27FC236}">
+              <a16:creationId xmlns:a16="http://schemas.microsoft.com/office/drawing/2014/main" id="{51380967-20B6-2483-E69D-AF8B794E4F90}"/>
+            </a:ext>
+          </a:extLst>
+        </p:cNvPr>
+        <p:cNvGrpSpPr/>
+        <p:nvPr/>
+      </p:nvGrpSpPr>
+      <p:grpSpPr>
+        <a:xfrm>
+          <a:off x="0" y="0"/>
+          <a:ext cx="0" cy="0"/>
+          <a:chOff x="0" y="0"/>
+          <a:chExt cx="0" cy="0"/>
+        </a:xfrm>
+      </p:grpSpPr>
+      <p:sp>
+        <p:nvSpPr>
+          <p:cNvPr id="2" name="Slide Image Placeholder 1">
+            <a:extLst>
+              <a:ext uri="{FF2B5EF4-FFF2-40B4-BE49-F238E27FC236}">
+                <a16:creationId xmlns:a16="http://schemas.microsoft.com/office/drawing/2014/main" id="{261AB55E-F98F-8584-4B5D-544D1D4EA9D0}"/>
+              </a:ext>
+            </a:extLst>
+          </p:cNvPr>
+          <p:cNvSpPr>
+            <a:spLocks noGrp="1" noRot="1" noChangeAspect="1"/>
+          </p:cNvSpPr>
+          <p:nvPr>
+            <p:ph type="sldImg"/>
+          </p:nvPr>
+        </p:nvSpPr>
+        <p:spPr/>
+      </p:sp>
+      <p:sp>
+        <p:nvSpPr>
+          <p:cNvPr id="3" name="Notes Placeholder 2">
+            <a:extLst>
+              <a:ext uri="{FF2B5EF4-FFF2-40B4-BE49-F238E27FC236}">
+                <a16:creationId xmlns:a16="http://schemas.microsoft.com/office/drawing/2014/main" id="{E98D4969-A0B3-8306-4DC0-1550B116B2EC}"/>
+              </a:ext>
+            </a:extLst>
+          </p:cNvPr>
+          <p:cNvSpPr>
+            <a:spLocks noGrp="1"/>
+          </p:cNvSpPr>
+          <p:nvPr>
+            <p:ph type="body" idx="1"/>
+          </p:nvPr>
+        </p:nvSpPr>
+        <p:spPr/>
+        <p:txBody>
+          <a:bodyPr/>
+          <a:lstStyle/>
+          <a:p>
+            <a:endParaRPr lang="en-US" dirty="0"/>
+          </a:p>
+        </p:txBody>
+      </p:sp>
+      <p:sp>
+        <p:nvSpPr>
+          <p:cNvPr id="4" name="Slide Number Placeholder 3">
+            <a:extLst>
+              <a:ext uri="{FF2B5EF4-FFF2-40B4-BE49-F238E27FC236}">
+                <a16:creationId xmlns:a16="http://schemas.microsoft.com/office/drawing/2014/main" id="{78343ED2-3F7B-C9DA-7B9C-E82DE827E19F}"/>
+              </a:ext>
+            </a:extLst>
+          </p:cNvPr>
+          <p:cNvSpPr>
+            <a:spLocks noGrp="1"/>
+          </p:cNvSpPr>
+          <p:nvPr>
+            <p:ph type="sldNum" sz="quarter" idx="5"/>
+          </p:nvPr>
+        </p:nvSpPr>
+        <p:spPr/>
+        <p:txBody>
+          <a:bodyPr/>
+          <a:lstStyle/>
+          <a:p>
+            <a:fld id="{B0C32C59-1409-2640-866F-4A1083575A35}" type="slidenum">
+              <a:rPr lang="en-US" smtClean="0"/>
+              <a:t>11</a:t>
+            </a:fld>
+            <a:endParaRPr lang="en-US"/>
+          </a:p>
+        </p:txBody>
+      </p:sp>
+    </p:spTree>
+    <p:extLst>
+      <p:ext uri="{BB962C8B-B14F-4D97-AF65-F5344CB8AC3E}">
+        <p14:creationId xmlns:p14="http://schemas.microsoft.com/office/powerpoint/2010/main" val="3593005965"/>
+      </p:ext>
+    </p:extLst>
+  </p:cSld>
+  <p:clrMapOvr>
+    <a:masterClrMapping/>
+  </p:clrMapOvr>
+</p:notes>
+</file>
+
+<file path=ppt/notesSlides/notesSlide11.xml><?xml version="1.0" encoding="utf-8"?>
+<p:notes xmlns:a="http://schemas.openxmlformats.org/drawingml/2006/main" xmlns:r="http://schemas.openxmlformats.org/officeDocument/2006/relationships" xmlns:p="http://schemas.openxmlformats.org/presentationml/2006/main">
+  <p:cSld>
+    <p:spTree>
+      <p:nvGrpSpPr>
+        <p:cNvPr id="1" name="">
+          <a:extLst>
+            <a:ext uri="{FF2B5EF4-FFF2-40B4-BE49-F238E27FC236}">
               <a16:creationId xmlns:a16="http://schemas.microsoft.com/office/drawing/2014/main" id="{4E2B54C8-B1EF-AB83-1EDA-D4FC0E611D33}"/>
             </a:ext>
           </a:extLst>
@@ -660,7 +772,7 @@
           <a:p>
             <a:fld id="{B0C32C59-1409-2640-866F-4A1083575A35}" type="slidenum">
               <a:rPr lang="en-US" smtClean="0"/>
-              <a:t>11</a:t>
+              <a:t>12</a:t>
             </a:fld>
             <a:endParaRPr lang="en-US"/>
           </a:p>
@@ -679,7 +791,115 @@
 </p:notes>
 </file>
 
-<file path=ppt/notesSlides/notesSlide11.xml><?xml version="1.0" encoding="utf-8"?>
+<file path=ppt/notesSlides/notesSlide12.xml><?xml version="1.0" encoding="utf-8"?>
+<p:notes xmlns:a="http://schemas.openxmlformats.org/drawingml/2006/main" xmlns:r="http://schemas.openxmlformats.org/officeDocument/2006/relationships" xmlns:p="http://schemas.openxmlformats.org/presentationml/2006/main">
+  <p:cSld>
+    <p:spTree>
+      <p:nvGrpSpPr>
+        <p:cNvPr id="1" name="">
+          <a:extLst>
+            <a:ext uri="{FF2B5EF4-FFF2-40B4-BE49-F238E27FC236}">
+              <a16:creationId xmlns:a16="http://schemas.microsoft.com/office/drawing/2014/main" id="{551B1E47-D545-101F-DE12-976B1A543500}"/>
+            </a:ext>
+          </a:extLst>
+        </p:cNvPr>
+        <p:cNvGrpSpPr/>
+        <p:nvPr/>
+      </p:nvGrpSpPr>
+      <p:grpSpPr>
+        <a:xfrm>
+          <a:off x="0" y="0"/>
+          <a:ext cx="0" cy="0"/>
+          <a:chOff x="0" y="0"/>
+          <a:chExt cx="0" cy="0"/>
+        </a:xfrm>
+      </p:grpSpPr>
+      <p:sp>
+        <p:nvSpPr>
+          <p:cNvPr id="2" name="Slide Image Placeholder 1">
+            <a:extLst>
+              <a:ext uri="{FF2B5EF4-FFF2-40B4-BE49-F238E27FC236}">
+                <a16:creationId xmlns:a16="http://schemas.microsoft.com/office/drawing/2014/main" id="{D638A874-99B7-C765-AA71-B62267169AB1}"/>
+              </a:ext>
+            </a:extLst>
+          </p:cNvPr>
+          <p:cNvSpPr>
+            <a:spLocks noGrp="1" noRot="1" noChangeAspect="1"/>
+          </p:cNvSpPr>
+          <p:nvPr>
+            <p:ph type="sldImg"/>
+          </p:nvPr>
+        </p:nvSpPr>
+        <p:spPr/>
+      </p:sp>
+      <p:sp>
+        <p:nvSpPr>
+          <p:cNvPr id="3" name="Notes Placeholder 2">
+            <a:extLst>
+              <a:ext uri="{FF2B5EF4-FFF2-40B4-BE49-F238E27FC236}">
+                <a16:creationId xmlns:a16="http://schemas.microsoft.com/office/drawing/2014/main" id="{81EFE4C2-E832-895C-034C-C03B3D4F98B2}"/>
+              </a:ext>
+            </a:extLst>
+          </p:cNvPr>
+          <p:cNvSpPr>
+            <a:spLocks noGrp="1"/>
+          </p:cNvSpPr>
+          <p:nvPr>
+            <p:ph type="body" idx="1"/>
+          </p:nvPr>
+        </p:nvSpPr>
+        <p:spPr/>
+        <p:txBody>
+          <a:bodyPr/>
+          <a:lstStyle/>
+          <a:p>
+            <a:endParaRPr lang="en-US" dirty="0"/>
+          </a:p>
+        </p:txBody>
+      </p:sp>
+      <p:sp>
+        <p:nvSpPr>
+          <p:cNvPr id="4" name="Slide Number Placeholder 3">
+            <a:extLst>
+              <a:ext uri="{FF2B5EF4-FFF2-40B4-BE49-F238E27FC236}">
+                <a16:creationId xmlns:a16="http://schemas.microsoft.com/office/drawing/2014/main" id="{5C2E9FFB-0A94-1A5D-5C58-6923005A46F9}"/>
+              </a:ext>
+            </a:extLst>
+          </p:cNvPr>
+          <p:cNvSpPr>
+            <a:spLocks noGrp="1"/>
+          </p:cNvSpPr>
+          <p:nvPr>
+            <p:ph type="sldNum" sz="quarter" idx="5"/>
+          </p:nvPr>
+        </p:nvSpPr>
+        <p:spPr/>
+        <p:txBody>
+          <a:bodyPr/>
+          <a:lstStyle/>
+          <a:p>
+            <a:fld id="{B0C32C59-1409-2640-866F-4A1083575A35}" type="slidenum">
+              <a:rPr lang="en-US" smtClean="0"/>
+              <a:t>13</a:t>
+            </a:fld>
+            <a:endParaRPr lang="en-US"/>
+          </a:p>
+        </p:txBody>
+      </p:sp>
+    </p:spTree>
+    <p:extLst>
+      <p:ext uri="{BB962C8B-B14F-4D97-AF65-F5344CB8AC3E}">
+        <p14:creationId xmlns:p14="http://schemas.microsoft.com/office/powerpoint/2010/main" val="4018907171"/>
+      </p:ext>
+    </p:extLst>
+  </p:cSld>
+  <p:clrMapOvr>
+    <a:masterClrMapping/>
+  </p:clrMapOvr>
+</p:notes>
+</file>
+
+<file path=ppt/notesSlides/notesSlide13.xml><?xml version="1.0" encoding="utf-8"?>
 <p:notes xmlns:a="http://schemas.openxmlformats.org/drawingml/2006/main" xmlns:r="http://schemas.openxmlformats.org/officeDocument/2006/relationships" xmlns:p="http://schemas.openxmlformats.org/presentationml/2006/main">
   <p:cSld>
     <p:spTree>
@@ -768,7 +988,7 @@
           <a:p>
             <a:fld id="{B0C32C59-1409-2640-866F-4A1083575A35}" type="slidenum">
               <a:rPr lang="en-US" smtClean="0"/>
-              <a:t>12</a:t>
+              <a:t>14</a:t>
             </a:fld>
             <a:endParaRPr lang="en-US"/>
           </a:p>
@@ -787,7 +1007,223 @@
 </p:notes>
 </file>
 
-<file path=ppt/notesSlides/notesSlide12.xml><?xml version="1.0" encoding="utf-8"?>
+<file path=ppt/notesSlides/notesSlide14.xml><?xml version="1.0" encoding="utf-8"?>
+<p:notes xmlns:a="http://schemas.openxmlformats.org/drawingml/2006/main" xmlns:r="http://schemas.openxmlformats.org/officeDocument/2006/relationships" xmlns:p="http://schemas.openxmlformats.org/presentationml/2006/main">
+  <p:cSld>
+    <p:spTree>
+      <p:nvGrpSpPr>
+        <p:cNvPr id="1" name="">
+          <a:extLst>
+            <a:ext uri="{FF2B5EF4-FFF2-40B4-BE49-F238E27FC236}">
+              <a16:creationId xmlns:a16="http://schemas.microsoft.com/office/drawing/2014/main" id="{16FC80A4-0965-F94D-65F1-2FE6DCF7264E}"/>
+            </a:ext>
+          </a:extLst>
+        </p:cNvPr>
+        <p:cNvGrpSpPr/>
+        <p:nvPr/>
+      </p:nvGrpSpPr>
+      <p:grpSpPr>
+        <a:xfrm>
+          <a:off x="0" y="0"/>
+          <a:ext cx="0" cy="0"/>
+          <a:chOff x="0" y="0"/>
+          <a:chExt cx="0" cy="0"/>
+        </a:xfrm>
+      </p:grpSpPr>
+      <p:sp>
+        <p:nvSpPr>
+          <p:cNvPr id="2" name="Slide Image Placeholder 1">
+            <a:extLst>
+              <a:ext uri="{FF2B5EF4-FFF2-40B4-BE49-F238E27FC236}">
+                <a16:creationId xmlns:a16="http://schemas.microsoft.com/office/drawing/2014/main" id="{5A731964-0F9E-7C81-8098-7B0C38340DCB}"/>
+              </a:ext>
+            </a:extLst>
+          </p:cNvPr>
+          <p:cNvSpPr>
+            <a:spLocks noGrp="1" noRot="1" noChangeAspect="1"/>
+          </p:cNvSpPr>
+          <p:nvPr>
+            <p:ph type="sldImg"/>
+          </p:nvPr>
+        </p:nvSpPr>
+        <p:spPr/>
+      </p:sp>
+      <p:sp>
+        <p:nvSpPr>
+          <p:cNvPr id="3" name="Notes Placeholder 2">
+            <a:extLst>
+              <a:ext uri="{FF2B5EF4-FFF2-40B4-BE49-F238E27FC236}">
+                <a16:creationId xmlns:a16="http://schemas.microsoft.com/office/drawing/2014/main" id="{5C690E4A-A9CE-47F5-D346-9F7ED444DE11}"/>
+              </a:ext>
+            </a:extLst>
+          </p:cNvPr>
+          <p:cNvSpPr>
+            <a:spLocks noGrp="1"/>
+          </p:cNvSpPr>
+          <p:nvPr>
+            <p:ph type="body" idx="1"/>
+          </p:nvPr>
+        </p:nvSpPr>
+        <p:spPr/>
+        <p:txBody>
+          <a:bodyPr/>
+          <a:lstStyle/>
+          <a:p>
+            <a:endParaRPr lang="en-US" dirty="0"/>
+          </a:p>
+        </p:txBody>
+      </p:sp>
+      <p:sp>
+        <p:nvSpPr>
+          <p:cNvPr id="4" name="Slide Number Placeholder 3">
+            <a:extLst>
+              <a:ext uri="{FF2B5EF4-FFF2-40B4-BE49-F238E27FC236}">
+                <a16:creationId xmlns:a16="http://schemas.microsoft.com/office/drawing/2014/main" id="{7C2025CD-CBA4-DB57-3607-92176C8B1D05}"/>
+              </a:ext>
+            </a:extLst>
+          </p:cNvPr>
+          <p:cNvSpPr>
+            <a:spLocks noGrp="1"/>
+          </p:cNvSpPr>
+          <p:nvPr>
+            <p:ph type="sldNum" sz="quarter" idx="5"/>
+          </p:nvPr>
+        </p:nvSpPr>
+        <p:spPr/>
+        <p:txBody>
+          <a:bodyPr/>
+          <a:lstStyle/>
+          <a:p>
+            <a:fld id="{B0C32C59-1409-2640-866F-4A1083575A35}" type="slidenum">
+              <a:rPr lang="en-US" smtClean="0"/>
+              <a:t>15</a:t>
+            </a:fld>
+            <a:endParaRPr lang="en-US"/>
+          </a:p>
+        </p:txBody>
+      </p:sp>
+    </p:spTree>
+    <p:extLst>
+      <p:ext uri="{BB962C8B-B14F-4D97-AF65-F5344CB8AC3E}">
+        <p14:creationId xmlns:p14="http://schemas.microsoft.com/office/powerpoint/2010/main" val="1619850139"/>
+      </p:ext>
+    </p:extLst>
+  </p:cSld>
+  <p:clrMapOvr>
+    <a:masterClrMapping/>
+  </p:clrMapOvr>
+</p:notes>
+</file>
+
+<file path=ppt/notesSlides/notesSlide15.xml><?xml version="1.0" encoding="utf-8"?>
+<p:notes xmlns:a="http://schemas.openxmlformats.org/drawingml/2006/main" xmlns:r="http://schemas.openxmlformats.org/officeDocument/2006/relationships" xmlns:p="http://schemas.openxmlformats.org/presentationml/2006/main">
+  <p:cSld>
+    <p:spTree>
+      <p:nvGrpSpPr>
+        <p:cNvPr id="1" name="">
+          <a:extLst>
+            <a:ext uri="{FF2B5EF4-FFF2-40B4-BE49-F238E27FC236}">
+              <a16:creationId xmlns:a16="http://schemas.microsoft.com/office/drawing/2014/main" id="{96B0933A-BE9A-8B6B-EAF5-6B7FB112313F}"/>
+            </a:ext>
+          </a:extLst>
+        </p:cNvPr>
+        <p:cNvGrpSpPr/>
+        <p:nvPr/>
+      </p:nvGrpSpPr>
+      <p:grpSpPr>
+        <a:xfrm>
+          <a:off x="0" y="0"/>
+          <a:ext cx="0" cy="0"/>
+          <a:chOff x="0" y="0"/>
+          <a:chExt cx="0" cy="0"/>
+        </a:xfrm>
+      </p:grpSpPr>
+      <p:sp>
+        <p:nvSpPr>
+          <p:cNvPr id="2" name="Slide Image Placeholder 1">
+            <a:extLst>
+              <a:ext uri="{FF2B5EF4-FFF2-40B4-BE49-F238E27FC236}">
+                <a16:creationId xmlns:a16="http://schemas.microsoft.com/office/drawing/2014/main" id="{4370FC68-EC4D-1C28-690F-2A82C29A2EA7}"/>
+              </a:ext>
+            </a:extLst>
+          </p:cNvPr>
+          <p:cNvSpPr>
+            <a:spLocks noGrp="1" noRot="1" noChangeAspect="1"/>
+          </p:cNvSpPr>
+          <p:nvPr>
+            <p:ph type="sldImg"/>
+          </p:nvPr>
+        </p:nvSpPr>
+        <p:spPr/>
+      </p:sp>
+      <p:sp>
+        <p:nvSpPr>
+          <p:cNvPr id="3" name="Notes Placeholder 2">
+            <a:extLst>
+              <a:ext uri="{FF2B5EF4-FFF2-40B4-BE49-F238E27FC236}">
+                <a16:creationId xmlns:a16="http://schemas.microsoft.com/office/drawing/2014/main" id="{7A8B6D04-D49B-3325-14B1-CB4C3A0730BD}"/>
+              </a:ext>
+            </a:extLst>
+          </p:cNvPr>
+          <p:cNvSpPr>
+            <a:spLocks noGrp="1"/>
+          </p:cNvSpPr>
+          <p:nvPr>
+            <p:ph type="body" idx="1"/>
+          </p:nvPr>
+        </p:nvSpPr>
+        <p:spPr/>
+        <p:txBody>
+          <a:bodyPr/>
+          <a:lstStyle/>
+          <a:p>
+            <a:endParaRPr lang="en-US" dirty="0"/>
+          </a:p>
+        </p:txBody>
+      </p:sp>
+      <p:sp>
+        <p:nvSpPr>
+          <p:cNvPr id="4" name="Slide Number Placeholder 3">
+            <a:extLst>
+              <a:ext uri="{FF2B5EF4-FFF2-40B4-BE49-F238E27FC236}">
+                <a16:creationId xmlns:a16="http://schemas.microsoft.com/office/drawing/2014/main" id="{26C9B708-B9FD-784C-C3BB-57DC2007ECF6}"/>
+              </a:ext>
+            </a:extLst>
+          </p:cNvPr>
+          <p:cNvSpPr>
+            <a:spLocks noGrp="1"/>
+          </p:cNvSpPr>
+          <p:nvPr>
+            <p:ph type="sldNum" sz="quarter" idx="5"/>
+          </p:nvPr>
+        </p:nvSpPr>
+        <p:spPr/>
+        <p:txBody>
+          <a:bodyPr/>
+          <a:lstStyle/>
+          <a:p>
+            <a:fld id="{B0C32C59-1409-2640-866F-4A1083575A35}" type="slidenum">
+              <a:rPr lang="en-US" smtClean="0"/>
+              <a:t>16</a:t>
+            </a:fld>
+            <a:endParaRPr lang="en-US"/>
+          </a:p>
+        </p:txBody>
+      </p:sp>
+    </p:spTree>
+    <p:extLst>
+      <p:ext uri="{BB962C8B-B14F-4D97-AF65-F5344CB8AC3E}">
+        <p14:creationId xmlns:p14="http://schemas.microsoft.com/office/powerpoint/2010/main" val="3394865236"/>
+      </p:ext>
+    </p:extLst>
+  </p:cSld>
+  <p:clrMapOvr>
+    <a:masterClrMapping/>
+  </p:clrMapOvr>
+</p:notes>
+</file>
+
+<file path=ppt/notesSlides/notesSlide16.xml><?xml version="1.0" encoding="utf-8"?>
 <p:notes xmlns:a="http://schemas.openxmlformats.org/drawingml/2006/main" xmlns:r="http://schemas.openxmlformats.org/officeDocument/2006/relationships" xmlns:p="http://schemas.openxmlformats.org/presentationml/2006/main">
   <p:cSld>
     <p:spTree>
@@ -876,7 +1312,7 @@
           <a:p>
             <a:fld id="{B0C32C59-1409-2640-866F-4A1083575A35}" type="slidenum">
               <a:rPr lang="en-US" smtClean="0"/>
-              <a:t>13</a:t>
+              <a:t>17</a:t>
             </a:fld>
             <a:endParaRPr lang="en-US"/>
           </a:p>
@@ -896,6 +1332,114 @@
 </file>
 
 <file path=ppt/notesSlides/notesSlide2.xml><?xml version="1.0" encoding="utf-8"?>
+<p:notes xmlns:a="http://schemas.openxmlformats.org/drawingml/2006/main" xmlns:r="http://schemas.openxmlformats.org/officeDocument/2006/relationships" xmlns:p="http://schemas.openxmlformats.org/presentationml/2006/main">
+  <p:cSld>
+    <p:spTree>
+      <p:nvGrpSpPr>
+        <p:cNvPr id="1" name="">
+          <a:extLst>
+            <a:ext uri="{FF2B5EF4-FFF2-40B4-BE49-F238E27FC236}">
+              <a16:creationId xmlns:a16="http://schemas.microsoft.com/office/drawing/2014/main" id="{7B573C9D-4632-6321-191F-3F829CF26445}"/>
+            </a:ext>
+          </a:extLst>
+        </p:cNvPr>
+        <p:cNvGrpSpPr/>
+        <p:nvPr/>
+      </p:nvGrpSpPr>
+      <p:grpSpPr>
+        <a:xfrm>
+          <a:off x="0" y="0"/>
+          <a:ext cx="0" cy="0"/>
+          <a:chOff x="0" y="0"/>
+          <a:chExt cx="0" cy="0"/>
+        </a:xfrm>
+      </p:grpSpPr>
+      <p:sp>
+        <p:nvSpPr>
+          <p:cNvPr id="2" name="Slide Image Placeholder 1">
+            <a:extLst>
+              <a:ext uri="{FF2B5EF4-FFF2-40B4-BE49-F238E27FC236}">
+                <a16:creationId xmlns:a16="http://schemas.microsoft.com/office/drawing/2014/main" id="{B70FA76A-CE88-33DF-FA17-96B084BF9023}"/>
+              </a:ext>
+            </a:extLst>
+          </p:cNvPr>
+          <p:cNvSpPr>
+            <a:spLocks noGrp="1" noRot="1" noChangeAspect="1"/>
+          </p:cNvSpPr>
+          <p:nvPr>
+            <p:ph type="sldImg"/>
+          </p:nvPr>
+        </p:nvSpPr>
+        <p:spPr/>
+      </p:sp>
+      <p:sp>
+        <p:nvSpPr>
+          <p:cNvPr id="3" name="Notes Placeholder 2">
+            <a:extLst>
+              <a:ext uri="{FF2B5EF4-FFF2-40B4-BE49-F238E27FC236}">
+                <a16:creationId xmlns:a16="http://schemas.microsoft.com/office/drawing/2014/main" id="{44BB3758-2682-8396-E258-82B7F749A08E}"/>
+              </a:ext>
+            </a:extLst>
+          </p:cNvPr>
+          <p:cNvSpPr>
+            <a:spLocks noGrp="1"/>
+          </p:cNvSpPr>
+          <p:nvPr>
+            <p:ph type="body" idx="1"/>
+          </p:nvPr>
+        </p:nvSpPr>
+        <p:spPr/>
+        <p:txBody>
+          <a:bodyPr/>
+          <a:lstStyle/>
+          <a:p>
+            <a:endParaRPr lang="en-US" dirty="0"/>
+          </a:p>
+        </p:txBody>
+      </p:sp>
+      <p:sp>
+        <p:nvSpPr>
+          <p:cNvPr id="4" name="Slide Number Placeholder 3">
+            <a:extLst>
+              <a:ext uri="{FF2B5EF4-FFF2-40B4-BE49-F238E27FC236}">
+                <a16:creationId xmlns:a16="http://schemas.microsoft.com/office/drawing/2014/main" id="{EA4E2D85-7B1A-D5E9-889D-1C84D8935592}"/>
+              </a:ext>
+            </a:extLst>
+          </p:cNvPr>
+          <p:cNvSpPr>
+            <a:spLocks noGrp="1"/>
+          </p:cNvSpPr>
+          <p:nvPr>
+            <p:ph type="sldNum" sz="quarter" idx="5"/>
+          </p:nvPr>
+        </p:nvSpPr>
+        <p:spPr/>
+        <p:txBody>
+          <a:bodyPr/>
+          <a:lstStyle/>
+          <a:p>
+            <a:fld id="{B0C32C59-1409-2640-866F-4A1083575A35}" type="slidenum">
+              <a:rPr lang="en-US" smtClean="0"/>
+              <a:t>3</a:t>
+            </a:fld>
+            <a:endParaRPr lang="en-US"/>
+          </a:p>
+        </p:txBody>
+      </p:sp>
+    </p:spTree>
+    <p:extLst>
+      <p:ext uri="{BB962C8B-B14F-4D97-AF65-F5344CB8AC3E}">
+        <p14:creationId xmlns:p14="http://schemas.microsoft.com/office/powerpoint/2010/main" val="2091145307"/>
+      </p:ext>
+    </p:extLst>
+  </p:cSld>
+  <p:clrMapOvr>
+    <a:masterClrMapping/>
+  </p:clrMapOvr>
+</p:notes>
+</file>
+
+<file path=ppt/notesSlides/notesSlide3.xml><?xml version="1.0" encoding="utf-8"?>
 <p:notes xmlns:a="http://schemas.openxmlformats.org/drawingml/2006/main" xmlns:r="http://schemas.openxmlformats.org/officeDocument/2006/relationships" xmlns:p="http://schemas.openxmlformats.org/presentationml/2006/main">
   <p:cSld>
     <p:spTree>
@@ -960,7 +1504,7 @@
           <a:p>
             <a:fld id="{B0C32C59-1409-2640-866F-4A1083575A35}" type="slidenum">
               <a:rPr lang="en-US" smtClean="0"/>
-              <a:t>3</a:t>
+              <a:t>4</a:t>
             </a:fld>
             <a:endParaRPr lang="en-US"/>
           </a:p>
@@ -979,7 +1523,7 @@
 </p:notes>
 </file>
 
-<file path=ppt/notesSlides/notesSlide3.xml><?xml version="1.0" encoding="utf-8"?>
+<file path=ppt/notesSlides/notesSlide4.xml><?xml version="1.0" encoding="utf-8"?>
 <p:notes xmlns:a="http://schemas.openxmlformats.org/drawingml/2006/main" xmlns:r="http://schemas.openxmlformats.org/officeDocument/2006/relationships" xmlns:p="http://schemas.openxmlformats.org/presentationml/2006/main">
   <p:cSld>
     <p:spTree>
@@ -1068,7 +1612,7 @@
           <a:p>
             <a:fld id="{B0C32C59-1409-2640-866F-4A1083575A35}" type="slidenum">
               <a:rPr lang="en-US" smtClean="0"/>
-              <a:t>4</a:t>
+              <a:t>5</a:t>
             </a:fld>
             <a:endParaRPr lang="en-US"/>
           </a:p>
@@ -1087,7 +1631,7 @@
 </p:notes>
 </file>
 
-<file path=ppt/notesSlides/notesSlide4.xml><?xml version="1.0" encoding="utf-8"?>
+<file path=ppt/notesSlides/notesSlide5.xml><?xml version="1.0" encoding="utf-8"?>
 <p:notes xmlns:a="http://schemas.openxmlformats.org/drawingml/2006/main" xmlns:r="http://schemas.openxmlformats.org/officeDocument/2006/relationships" xmlns:p="http://schemas.openxmlformats.org/presentationml/2006/main">
   <p:cSld>
     <p:spTree>
@@ -1176,7 +1720,7 @@
           <a:p>
             <a:fld id="{B0C32C59-1409-2640-866F-4A1083575A35}" type="slidenum">
               <a:rPr lang="en-US" smtClean="0"/>
-              <a:t>5</a:t>
+              <a:t>6</a:t>
             </a:fld>
             <a:endParaRPr lang="en-US"/>
           </a:p>
@@ -1195,7 +1739,7 @@
 </p:notes>
 </file>
 
-<file path=ppt/notesSlides/notesSlide5.xml><?xml version="1.0" encoding="utf-8"?>
+<file path=ppt/notesSlides/notesSlide6.xml><?xml version="1.0" encoding="utf-8"?>
 <p:notes xmlns:a="http://schemas.openxmlformats.org/drawingml/2006/main" xmlns:r="http://schemas.openxmlformats.org/officeDocument/2006/relationships" xmlns:p="http://schemas.openxmlformats.org/presentationml/2006/main">
   <p:cSld>
     <p:spTree>
@@ -1284,7 +1828,7 @@
           <a:p>
             <a:fld id="{B0C32C59-1409-2640-866F-4A1083575A35}" type="slidenum">
               <a:rPr lang="en-US" smtClean="0"/>
-              <a:t>6</a:t>
+              <a:t>7</a:t>
             </a:fld>
             <a:endParaRPr lang="en-US"/>
           </a:p>
@@ -1294,90 +1838,6 @@
     <p:extLst>
       <p:ext uri="{BB962C8B-B14F-4D97-AF65-F5344CB8AC3E}">
         <p14:creationId xmlns:p14="http://schemas.microsoft.com/office/powerpoint/2010/main" val="3047687693"/>
-      </p:ext>
-    </p:extLst>
-  </p:cSld>
-  <p:clrMapOvr>
-    <a:masterClrMapping/>
-  </p:clrMapOvr>
-</p:notes>
-</file>
-
-<file path=ppt/notesSlides/notesSlide6.xml><?xml version="1.0" encoding="utf-8"?>
-<p:notes xmlns:a="http://schemas.openxmlformats.org/drawingml/2006/main" xmlns:r="http://schemas.openxmlformats.org/officeDocument/2006/relationships" xmlns:p="http://schemas.openxmlformats.org/presentationml/2006/main">
-  <p:cSld>
-    <p:spTree>
-      <p:nvGrpSpPr>
-        <p:cNvPr id="1" name=""/>
-        <p:cNvGrpSpPr/>
-        <p:nvPr/>
-      </p:nvGrpSpPr>
-      <p:grpSpPr>
-        <a:xfrm>
-          <a:off x="0" y="0"/>
-          <a:ext cx="0" cy="0"/>
-          <a:chOff x="0" y="0"/>
-          <a:chExt cx="0" cy="0"/>
-        </a:xfrm>
-      </p:grpSpPr>
-      <p:sp>
-        <p:nvSpPr>
-          <p:cNvPr id="2" name="Slide Image Placeholder 1"/>
-          <p:cNvSpPr>
-            <a:spLocks noGrp="1" noRot="1" noChangeAspect="1"/>
-          </p:cNvSpPr>
-          <p:nvPr>
-            <p:ph type="sldImg"/>
-          </p:nvPr>
-        </p:nvSpPr>
-        <p:spPr/>
-      </p:sp>
-      <p:sp>
-        <p:nvSpPr>
-          <p:cNvPr id="3" name="Notes Placeholder 2"/>
-          <p:cNvSpPr>
-            <a:spLocks noGrp="1"/>
-          </p:cNvSpPr>
-          <p:nvPr>
-            <p:ph type="body" idx="1"/>
-          </p:nvPr>
-        </p:nvSpPr>
-        <p:spPr/>
-        <p:txBody>
-          <a:bodyPr/>
-          <a:lstStyle/>
-          <a:p>
-            <a:endParaRPr lang="en-US" dirty="0"/>
-          </a:p>
-        </p:txBody>
-      </p:sp>
-      <p:sp>
-        <p:nvSpPr>
-          <p:cNvPr id="4" name="Slide Number Placeholder 3"/>
-          <p:cNvSpPr>
-            <a:spLocks noGrp="1"/>
-          </p:cNvSpPr>
-          <p:nvPr>
-            <p:ph type="sldNum" sz="quarter" idx="5"/>
-          </p:nvPr>
-        </p:nvSpPr>
-        <p:spPr/>
-        <p:txBody>
-          <a:bodyPr/>
-          <a:lstStyle/>
-          <a:p>
-            <a:fld id="{B0C32C59-1409-2640-866F-4A1083575A35}" type="slidenum">
-              <a:rPr lang="en-US" smtClean="0"/>
-              <a:t>7</a:t>
-            </a:fld>
-            <a:endParaRPr lang="en-US"/>
-          </a:p>
-        </p:txBody>
-      </p:sp>
-    </p:spTree>
-    <p:extLst>
-      <p:ext uri="{BB962C8B-B14F-4D97-AF65-F5344CB8AC3E}">
-        <p14:creationId xmlns:p14="http://schemas.microsoft.com/office/powerpoint/2010/main" val="1640389123"/>
       </p:ext>
     </p:extLst>
   </p:cSld>
@@ -1461,6 +1921,90 @@
     </p:spTree>
     <p:extLst>
       <p:ext uri="{BB962C8B-B14F-4D97-AF65-F5344CB8AC3E}">
+        <p14:creationId xmlns:p14="http://schemas.microsoft.com/office/powerpoint/2010/main" val="1640389123"/>
+      </p:ext>
+    </p:extLst>
+  </p:cSld>
+  <p:clrMapOvr>
+    <a:masterClrMapping/>
+  </p:clrMapOvr>
+</p:notes>
+</file>
+
+<file path=ppt/notesSlides/notesSlide8.xml><?xml version="1.0" encoding="utf-8"?>
+<p:notes xmlns:a="http://schemas.openxmlformats.org/drawingml/2006/main" xmlns:r="http://schemas.openxmlformats.org/officeDocument/2006/relationships" xmlns:p="http://schemas.openxmlformats.org/presentationml/2006/main">
+  <p:cSld>
+    <p:spTree>
+      <p:nvGrpSpPr>
+        <p:cNvPr id="1" name=""/>
+        <p:cNvGrpSpPr/>
+        <p:nvPr/>
+      </p:nvGrpSpPr>
+      <p:grpSpPr>
+        <a:xfrm>
+          <a:off x="0" y="0"/>
+          <a:ext cx="0" cy="0"/>
+          <a:chOff x="0" y="0"/>
+          <a:chExt cx="0" cy="0"/>
+        </a:xfrm>
+      </p:grpSpPr>
+      <p:sp>
+        <p:nvSpPr>
+          <p:cNvPr id="2" name="Slide Image Placeholder 1"/>
+          <p:cNvSpPr>
+            <a:spLocks noGrp="1" noRot="1" noChangeAspect="1"/>
+          </p:cNvSpPr>
+          <p:nvPr>
+            <p:ph type="sldImg"/>
+          </p:nvPr>
+        </p:nvSpPr>
+        <p:spPr/>
+      </p:sp>
+      <p:sp>
+        <p:nvSpPr>
+          <p:cNvPr id="3" name="Notes Placeholder 2"/>
+          <p:cNvSpPr>
+            <a:spLocks noGrp="1"/>
+          </p:cNvSpPr>
+          <p:nvPr>
+            <p:ph type="body" idx="1"/>
+          </p:nvPr>
+        </p:nvSpPr>
+        <p:spPr/>
+        <p:txBody>
+          <a:bodyPr/>
+          <a:lstStyle/>
+          <a:p>
+            <a:endParaRPr lang="en-US" dirty="0"/>
+          </a:p>
+        </p:txBody>
+      </p:sp>
+      <p:sp>
+        <p:nvSpPr>
+          <p:cNvPr id="4" name="Slide Number Placeholder 3"/>
+          <p:cNvSpPr>
+            <a:spLocks noGrp="1"/>
+          </p:cNvSpPr>
+          <p:nvPr>
+            <p:ph type="sldNum" sz="quarter" idx="5"/>
+          </p:nvPr>
+        </p:nvSpPr>
+        <p:spPr/>
+        <p:txBody>
+          <a:bodyPr/>
+          <a:lstStyle/>
+          <a:p>
+            <a:fld id="{B0C32C59-1409-2640-866F-4A1083575A35}" type="slidenum">
+              <a:rPr lang="en-US" smtClean="0"/>
+              <a:t>9</a:t>
+            </a:fld>
+            <a:endParaRPr lang="en-US"/>
+          </a:p>
+        </p:txBody>
+      </p:sp>
+    </p:spTree>
+    <p:extLst>
+      <p:ext uri="{BB962C8B-B14F-4D97-AF65-F5344CB8AC3E}">
         <p14:creationId xmlns:p14="http://schemas.microsoft.com/office/powerpoint/2010/main" val="2428698819"/>
       </p:ext>
     </p:extLst>
@@ -1471,7 +2015,7 @@
 </p:notes>
 </file>
 
-<file path=ppt/notesSlides/notesSlide8.xml><?xml version="1.0" encoding="utf-8"?>
+<file path=ppt/notesSlides/notesSlide9.xml><?xml version="1.0" encoding="utf-8"?>
 <p:notes xmlns:a="http://schemas.openxmlformats.org/drawingml/2006/main" xmlns:r="http://schemas.openxmlformats.org/officeDocument/2006/relationships" xmlns:p="http://schemas.openxmlformats.org/presentationml/2006/main">
   <p:cSld>
     <p:spTree>
@@ -1560,7 +2104,7 @@
           <a:p>
             <a:fld id="{B0C32C59-1409-2640-866F-4A1083575A35}" type="slidenum">
               <a:rPr lang="en-US" smtClean="0"/>
-              <a:t>9</a:t>
+              <a:t>10</a:t>
             </a:fld>
             <a:endParaRPr lang="en-US"/>
           </a:p>
@@ -1570,114 +2114,6 @@
     <p:extLst>
       <p:ext uri="{BB962C8B-B14F-4D97-AF65-F5344CB8AC3E}">
         <p14:creationId xmlns:p14="http://schemas.microsoft.com/office/powerpoint/2010/main" val="1090438518"/>
-      </p:ext>
-    </p:extLst>
-  </p:cSld>
-  <p:clrMapOvr>
-    <a:masterClrMapping/>
-  </p:clrMapOvr>
-</p:notes>
-</file>
-
-<file path=ppt/notesSlides/notesSlide9.xml><?xml version="1.0" encoding="utf-8"?>
-<p:notes xmlns:a="http://schemas.openxmlformats.org/drawingml/2006/main" xmlns:r="http://schemas.openxmlformats.org/officeDocument/2006/relationships" xmlns:p="http://schemas.openxmlformats.org/presentationml/2006/main">
-  <p:cSld>
-    <p:spTree>
-      <p:nvGrpSpPr>
-        <p:cNvPr id="1" name="">
-          <a:extLst>
-            <a:ext uri="{FF2B5EF4-FFF2-40B4-BE49-F238E27FC236}">
-              <a16:creationId xmlns:a16="http://schemas.microsoft.com/office/drawing/2014/main" id="{51380967-20B6-2483-E69D-AF8B794E4F90}"/>
-            </a:ext>
-          </a:extLst>
-        </p:cNvPr>
-        <p:cNvGrpSpPr/>
-        <p:nvPr/>
-      </p:nvGrpSpPr>
-      <p:grpSpPr>
-        <a:xfrm>
-          <a:off x="0" y="0"/>
-          <a:ext cx="0" cy="0"/>
-          <a:chOff x="0" y="0"/>
-          <a:chExt cx="0" cy="0"/>
-        </a:xfrm>
-      </p:grpSpPr>
-      <p:sp>
-        <p:nvSpPr>
-          <p:cNvPr id="2" name="Slide Image Placeholder 1">
-            <a:extLst>
-              <a:ext uri="{FF2B5EF4-FFF2-40B4-BE49-F238E27FC236}">
-                <a16:creationId xmlns:a16="http://schemas.microsoft.com/office/drawing/2014/main" id="{261AB55E-F98F-8584-4B5D-544D1D4EA9D0}"/>
-              </a:ext>
-            </a:extLst>
-          </p:cNvPr>
-          <p:cNvSpPr>
-            <a:spLocks noGrp="1" noRot="1" noChangeAspect="1"/>
-          </p:cNvSpPr>
-          <p:nvPr>
-            <p:ph type="sldImg"/>
-          </p:nvPr>
-        </p:nvSpPr>
-        <p:spPr/>
-      </p:sp>
-      <p:sp>
-        <p:nvSpPr>
-          <p:cNvPr id="3" name="Notes Placeholder 2">
-            <a:extLst>
-              <a:ext uri="{FF2B5EF4-FFF2-40B4-BE49-F238E27FC236}">
-                <a16:creationId xmlns:a16="http://schemas.microsoft.com/office/drawing/2014/main" id="{E98D4969-A0B3-8306-4DC0-1550B116B2EC}"/>
-              </a:ext>
-            </a:extLst>
-          </p:cNvPr>
-          <p:cNvSpPr>
-            <a:spLocks noGrp="1"/>
-          </p:cNvSpPr>
-          <p:nvPr>
-            <p:ph type="body" idx="1"/>
-          </p:nvPr>
-        </p:nvSpPr>
-        <p:spPr/>
-        <p:txBody>
-          <a:bodyPr/>
-          <a:lstStyle/>
-          <a:p>
-            <a:endParaRPr lang="en-US" dirty="0"/>
-          </a:p>
-        </p:txBody>
-      </p:sp>
-      <p:sp>
-        <p:nvSpPr>
-          <p:cNvPr id="4" name="Slide Number Placeholder 3">
-            <a:extLst>
-              <a:ext uri="{FF2B5EF4-FFF2-40B4-BE49-F238E27FC236}">
-                <a16:creationId xmlns:a16="http://schemas.microsoft.com/office/drawing/2014/main" id="{78343ED2-3F7B-C9DA-7B9C-E82DE827E19F}"/>
-              </a:ext>
-            </a:extLst>
-          </p:cNvPr>
-          <p:cNvSpPr>
-            <a:spLocks noGrp="1"/>
-          </p:cNvSpPr>
-          <p:nvPr>
-            <p:ph type="sldNum" sz="quarter" idx="5"/>
-          </p:nvPr>
-        </p:nvSpPr>
-        <p:spPr/>
-        <p:txBody>
-          <a:bodyPr/>
-          <a:lstStyle/>
-          <a:p>
-            <a:fld id="{B0C32C59-1409-2640-866F-4A1083575A35}" type="slidenum">
-              <a:rPr lang="en-US" smtClean="0"/>
-              <a:t>10</a:t>
-            </a:fld>
-            <a:endParaRPr lang="en-US"/>
-          </a:p>
-        </p:txBody>
-      </p:sp>
-    </p:spTree>
-    <p:extLst>
-      <p:ext uri="{BB962C8B-B14F-4D97-AF65-F5344CB8AC3E}">
-        <p14:creationId xmlns:p14="http://schemas.microsoft.com/office/powerpoint/2010/main" val="3593005965"/>
       </p:ext>
     </p:extLst>
   </p:cSld>
@@ -3339,6 +3775,1473 @@
 </file>
 
 <file path=ppt/slides/slide10.xml><?xml version="1.0" encoding="utf-8"?>
+<p:sld xmlns:a="http://schemas.openxmlformats.org/drawingml/2006/main" xmlns:r="http://schemas.openxmlformats.org/officeDocument/2006/relationships" xmlns:p="http://schemas.openxmlformats.org/presentationml/2006/main">
+  <p:cSld>
+    <p:spTree>
+      <p:nvGrpSpPr>
+        <p:cNvPr id="1" name="">
+          <a:extLst>
+            <a:ext uri="{FF2B5EF4-FFF2-40B4-BE49-F238E27FC236}">
+              <a16:creationId xmlns:a16="http://schemas.microsoft.com/office/drawing/2014/main" id="{406FA326-7B4C-5459-C4FC-12CD0E9B7450}"/>
+            </a:ext>
+          </a:extLst>
+        </p:cNvPr>
+        <p:cNvGrpSpPr/>
+        <p:nvPr/>
+      </p:nvGrpSpPr>
+      <p:grpSpPr>
+        <a:xfrm>
+          <a:off x="0" y="0"/>
+          <a:ext cx="0" cy="0"/>
+          <a:chOff x="0" y="0"/>
+          <a:chExt cx="0" cy="0"/>
+        </a:xfrm>
+      </p:grpSpPr>
+      <p:sp>
+        <p:nvSpPr>
+          <p:cNvPr id="2" name="TextBox 1">
+            <a:extLst>
+              <a:ext uri="{FF2B5EF4-FFF2-40B4-BE49-F238E27FC236}">
+                <a16:creationId xmlns:a16="http://schemas.microsoft.com/office/drawing/2014/main" id="{3E17C3B8-C30A-E49D-BD25-82BFC236BD43}"/>
+              </a:ext>
+            </a:extLst>
+          </p:cNvPr>
+          <p:cNvSpPr txBox="1"/>
+          <p:nvPr/>
+        </p:nvSpPr>
+        <p:spPr>
+          <a:xfrm>
+            <a:off x="2142078" y="957750"/>
+            <a:ext cx="9639104" cy="2000548"/>
+          </a:xfrm>
+          <a:prstGeom prst="rect">
+            <a:avLst/>
+          </a:prstGeom>
+          <a:noFill/>
+        </p:spPr>
+        <p:txBody>
+          <a:bodyPr wrap="square" rtlCol="0">
+            <a:spAutoFit/>
+          </a:bodyPr>
+          <a:lstStyle/>
+          <a:p>
+            <a:r>
+              <a:rPr lang="en-US" sz="2800" b="1" dirty="0"/>
+              <a:t>Implication and Equivalence</a:t>
+            </a:r>
+          </a:p>
+          <a:p>
+            <a:endParaRPr lang="en-US" sz="1200" b="1" dirty="0"/>
+          </a:p>
+          <a:p>
+            <a:r>
+              <a:rPr lang="en-US" sz="2400" dirty="0"/>
+              <a:t>If you’re hungry, you should eat.</a:t>
+            </a:r>
+          </a:p>
+          <a:p>
+            <a:r>
+              <a:rPr lang="en-US" sz="2400" dirty="0"/>
+              <a:t>Either you’re not hungry, or you should eat.</a:t>
+            </a:r>
+          </a:p>
+          <a:p>
+            <a:endParaRPr lang="en-US" sz="1200" dirty="0"/>
+          </a:p>
+          <a:p>
+            <a:r>
+              <a:rPr lang="en-US" sz="2400" dirty="0"/>
+              <a:t>P → Q and ¬P OR Q </a:t>
+            </a:r>
+          </a:p>
+        </p:txBody>
+      </p:sp>
+      <p:cxnSp>
+        <p:nvCxnSpPr>
+          <p:cNvPr id="10" name="Straight Arrow Connector 9">
+            <a:extLst>
+              <a:ext uri="{FF2B5EF4-FFF2-40B4-BE49-F238E27FC236}">
+                <a16:creationId xmlns:a16="http://schemas.microsoft.com/office/drawing/2014/main" id="{F6AC9C3E-E39D-F276-0FB1-F58D00FA2CF9}"/>
+              </a:ext>
+            </a:extLst>
+          </p:cNvPr>
+          <p:cNvCxnSpPr>
+            <a:cxnSpLocks/>
+          </p:cNvCxnSpPr>
+          <p:nvPr/>
+        </p:nvCxnSpPr>
+        <p:spPr>
+          <a:xfrm flipV="1">
+            <a:off x="802662" y="3540020"/>
+            <a:ext cx="0" cy="1377777"/>
+          </a:xfrm>
+          <a:prstGeom prst="straightConnector1">
+            <a:avLst/>
+          </a:prstGeom>
+          <a:ln w="63500">
+            <a:tailEnd type="triangle"/>
+          </a:ln>
+        </p:spPr>
+        <p:style>
+          <a:lnRef idx="1">
+            <a:schemeClr val="accent1"/>
+          </a:lnRef>
+          <a:fillRef idx="0">
+            <a:schemeClr val="accent1"/>
+          </a:fillRef>
+          <a:effectRef idx="0">
+            <a:schemeClr val="accent1"/>
+          </a:effectRef>
+          <a:fontRef idx="minor">
+            <a:schemeClr val="tx1"/>
+          </a:fontRef>
+        </p:style>
+      </p:cxnSp>
+      <p:cxnSp>
+        <p:nvCxnSpPr>
+          <p:cNvPr id="14" name="Straight Arrow Connector 13">
+            <a:extLst>
+              <a:ext uri="{FF2B5EF4-FFF2-40B4-BE49-F238E27FC236}">
+                <a16:creationId xmlns:a16="http://schemas.microsoft.com/office/drawing/2014/main" id="{21BD0356-876C-1A1F-C79E-B56A133F3429}"/>
+              </a:ext>
+            </a:extLst>
+          </p:cNvPr>
+          <p:cNvCxnSpPr>
+            <a:cxnSpLocks/>
+          </p:cNvCxnSpPr>
+          <p:nvPr/>
+        </p:nvCxnSpPr>
+        <p:spPr>
+          <a:xfrm flipV="1">
+            <a:off x="1445392" y="3540020"/>
+            <a:ext cx="0" cy="1377777"/>
+          </a:xfrm>
+          <a:prstGeom prst="straightConnector1">
+            <a:avLst/>
+          </a:prstGeom>
+          <a:ln w="63500">
+            <a:tailEnd type="triangle"/>
+          </a:ln>
+        </p:spPr>
+        <p:style>
+          <a:lnRef idx="1">
+            <a:schemeClr val="accent1"/>
+          </a:lnRef>
+          <a:fillRef idx="0">
+            <a:schemeClr val="accent1"/>
+          </a:fillRef>
+          <a:effectRef idx="0">
+            <a:schemeClr val="accent1"/>
+          </a:effectRef>
+          <a:fontRef idx="minor">
+            <a:schemeClr val="tx1"/>
+          </a:fontRef>
+        </p:style>
+      </p:cxnSp>
+      <p:cxnSp>
+        <p:nvCxnSpPr>
+          <p:cNvPr id="15" name="Straight Arrow Connector 14">
+            <a:extLst>
+              <a:ext uri="{FF2B5EF4-FFF2-40B4-BE49-F238E27FC236}">
+                <a16:creationId xmlns:a16="http://schemas.microsoft.com/office/drawing/2014/main" id="{401E2D91-D22E-801D-5D05-1D0A1F1779A3}"/>
+              </a:ext>
+            </a:extLst>
+          </p:cNvPr>
+          <p:cNvCxnSpPr>
+            <a:cxnSpLocks/>
+          </p:cNvCxnSpPr>
+          <p:nvPr/>
+        </p:nvCxnSpPr>
+        <p:spPr>
+          <a:xfrm flipV="1">
+            <a:off x="1166192" y="1288133"/>
+            <a:ext cx="0" cy="1377777"/>
+          </a:xfrm>
+          <a:prstGeom prst="straightConnector1">
+            <a:avLst/>
+          </a:prstGeom>
+          <a:ln w="63500">
+            <a:tailEnd type="triangle"/>
+          </a:ln>
+        </p:spPr>
+        <p:style>
+          <a:lnRef idx="1">
+            <a:schemeClr val="accent1"/>
+          </a:lnRef>
+          <a:fillRef idx="0">
+            <a:schemeClr val="accent1"/>
+          </a:fillRef>
+          <a:effectRef idx="0">
+            <a:schemeClr val="accent1"/>
+          </a:effectRef>
+          <a:fontRef idx="minor">
+            <a:schemeClr val="tx1"/>
+          </a:fontRef>
+        </p:style>
+      </p:cxnSp>
+      <p:sp>
+        <p:nvSpPr>
+          <p:cNvPr id="7" name="Triangle 6">
+            <a:extLst>
+              <a:ext uri="{FF2B5EF4-FFF2-40B4-BE49-F238E27FC236}">
+                <a16:creationId xmlns:a16="http://schemas.microsoft.com/office/drawing/2014/main" id="{3462DC31-861A-D7AC-60D2-99D432EE9300}"/>
+              </a:ext>
+            </a:extLst>
+          </p:cNvPr>
+          <p:cNvSpPr/>
+          <p:nvPr/>
+        </p:nvSpPr>
+        <p:spPr>
+          <a:xfrm>
+            <a:off x="410818" y="2257872"/>
+            <a:ext cx="1510748" cy="1282148"/>
+          </a:xfrm>
+          <a:prstGeom prst="triangle">
+            <a:avLst/>
+          </a:prstGeom>
+        </p:spPr>
+        <p:style>
+          <a:lnRef idx="2">
+            <a:schemeClr val="accent1">
+              <a:shade val="50000"/>
+            </a:schemeClr>
+          </a:lnRef>
+          <a:fillRef idx="1">
+            <a:schemeClr val="accent1"/>
+          </a:fillRef>
+          <a:effectRef idx="0">
+            <a:schemeClr val="accent1"/>
+          </a:effectRef>
+          <a:fontRef idx="minor">
+            <a:schemeClr val="lt1"/>
+          </a:fontRef>
+        </p:style>
+        <p:txBody>
+          <a:bodyPr rtlCol="0" anchor="ctr"/>
+          <a:lstStyle/>
+          <a:p>
+            <a:pPr algn="ctr"/>
+            <a:endParaRPr lang="en-US" sz="3600" dirty="0">
+              <a:solidFill>
+                <a:schemeClr val="tx1"/>
+              </a:solidFill>
+            </a:endParaRPr>
+          </a:p>
+          <a:p>
+            <a:pPr algn="ctr"/>
+            <a:endParaRPr lang="en-US" sz="3200" dirty="0">
+              <a:solidFill>
+                <a:schemeClr val="tx1"/>
+              </a:solidFill>
+            </a:endParaRPr>
+          </a:p>
+        </p:txBody>
+      </p:sp>
+      <p:sp>
+        <p:nvSpPr>
+          <p:cNvPr id="3" name="Title 6">
+            <a:extLst>
+              <a:ext uri="{FF2B5EF4-FFF2-40B4-BE49-F238E27FC236}">
+                <a16:creationId xmlns:a16="http://schemas.microsoft.com/office/drawing/2014/main" id="{59FB328D-F18C-BECE-3BD2-F0FF76724C9F}"/>
+              </a:ext>
+            </a:extLst>
+          </p:cNvPr>
+          <p:cNvSpPr txBox="1">
+            <a:spLocks/>
+          </p:cNvSpPr>
+          <p:nvPr/>
+        </p:nvSpPr>
+        <p:spPr>
+          <a:xfrm>
+            <a:off x="0" y="0"/>
+            <a:ext cx="11482251" cy="735162"/>
+          </a:xfrm>
+          <a:prstGeom prst="rect">
+            <a:avLst/>
+          </a:prstGeom>
+        </p:spPr>
+        <p:txBody>
+          <a:bodyPr vert="horz" lIns="91440" tIns="45720" rIns="91440" bIns="45720" rtlCol="0" anchor="ctr">
+            <a:normAutofit fontScale="97500"/>
+          </a:bodyPr>
+          <a:lstStyle>
+            <a:lvl1pPr algn="l" defTabSz="914400" rtl="0" eaLnBrk="1" latinLnBrk="0" hangingPunct="1">
+              <a:lnSpc>
+                <a:spcPct val="90000"/>
+              </a:lnSpc>
+              <a:spcBef>
+                <a:spcPct val="0"/>
+              </a:spcBef>
+              <a:buNone/>
+              <a:defRPr sz="4400" b="1" i="0" kern="1200">
+                <a:solidFill>
+                  <a:srgbClr val="E84A27"/>
+                </a:solidFill>
+                <a:latin typeface="Georgia" panose="02040502050405020303" pitchFamily="18" charset="0"/>
+                <a:ea typeface="+mj-ea"/>
+                <a:cs typeface="+mj-cs"/>
+              </a:defRPr>
+            </a:lvl1pPr>
+          </a:lstStyle>
+          <a:p>
+            <a:r>
+              <a:rPr lang="en-US" dirty="0">
+                <a:latin typeface="Calibri"/>
+                <a:cs typeface="Calibri"/>
+              </a:rPr>
+              <a:t>Evaluating Logical Structure</a:t>
+            </a:r>
+            <a:endParaRPr lang="en-US" dirty="0"/>
+          </a:p>
+        </p:txBody>
+      </p:sp>
+      <p:graphicFrame>
+        <p:nvGraphicFramePr>
+          <p:cNvPr id="4" name="Table 3">
+            <a:extLst>
+              <a:ext uri="{FF2B5EF4-FFF2-40B4-BE49-F238E27FC236}">
+                <a16:creationId xmlns:a16="http://schemas.microsoft.com/office/drawing/2014/main" id="{6DB6FB88-A1B3-04D7-A99E-3622CF30CA2D}"/>
+              </a:ext>
+            </a:extLst>
+          </p:cNvPr>
+          <p:cNvGraphicFramePr>
+            <a:graphicFrameLocks noGrp="1"/>
+          </p:cNvGraphicFramePr>
+          <p:nvPr>
+            <p:extLst>
+              <p:ext uri="{D42A27DB-BD31-4B8C-83A1-F6EECF244321}">
+                <p14:modId xmlns:p14="http://schemas.microsoft.com/office/powerpoint/2010/main" val="2378840644"/>
+              </p:ext>
+            </p:extLst>
+          </p:nvPr>
+        </p:nvGraphicFramePr>
+        <p:xfrm>
+          <a:off x="2564295" y="3187997"/>
+          <a:ext cx="8789505" cy="2286000"/>
+        </p:xfrm>
+        <a:graphic>
+          <a:graphicData uri="http://schemas.openxmlformats.org/drawingml/2006/table">
+            <a:tbl>
+              <a:tblPr/>
+              <a:tblGrid>
+                <a:gridCol w="1757901">
+                  <a:extLst>
+                    <a:ext uri="{9D8B030D-6E8A-4147-A177-3AD203B41FA5}">
+                      <a16:colId xmlns:a16="http://schemas.microsoft.com/office/drawing/2014/main" val="3948716425"/>
+                    </a:ext>
+                  </a:extLst>
+                </a:gridCol>
+                <a:gridCol w="1757901">
+                  <a:extLst>
+                    <a:ext uri="{9D8B030D-6E8A-4147-A177-3AD203B41FA5}">
+                      <a16:colId xmlns:a16="http://schemas.microsoft.com/office/drawing/2014/main" val="2991463580"/>
+                    </a:ext>
+                  </a:extLst>
+                </a:gridCol>
+                <a:gridCol w="1757901">
+                  <a:extLst>
+                    <a:ext uri="{9D8B030D-6E8A-4147-A177-3AD203B41FA5}">
+                      <a16:colId xmlns:a16="http://schemas.microsoft.com/office/drawing/2014/main" val="1639207444"/>
+                    </a:ext>
+                  </a:extLst>
+                </a:gridCol>
+                <a:gridCol w="1757901">
+                  <a:extLst>
+                    <a:ext uri="{9D8B030D-6E8A-4147-A177-3AD203B41FA5}">
+                      <a16:colId xmlns:a16="http://schemas.microsoft.com/office/drawing/2014/main" val="234702329"/>
+                    </a:ext>
+                  </a:extLst>
+                </a:gridCol>
+                <a:gridCol w="1757901">
+                  <a:extLst>
+                    <a:ext uri="{9D8B030D-6E8A-4147-A177-3AD203B41FA5}">
+                      <a16:colId xmlns:a16="http://schemas.microsoft.com/office/drawing/2014/main" val="1838420735"/>
+                    </a:ext>
+                  </a:extLst>
+                </a:gridCol>
+              </a:tblGrid>
+              <a:tr h="0">
+                <a:tc>
+                  <a:txBody>
+                    <a:bodyPr/>
+                    <a:lstStyle/>
+                    <a:p>
+                      <a:pPr>
+                        <a:buNone/>
+                      </a:pPr>
+                      <a:r>
+                        <a:rPr lang="en-US" sz="2400" b="1"/>
+                        <a:t>P</a:t>
+                      </a:r>
+                      <a:endParaRPr lang="en-US" sz="2400"/>
+                    </a:p>
+                  </a:txBody>
+                  <a:tcPr anchor="ctr">
+                    <a:lnL>
+                      <a:noFill/>
+                    </a:lnL>
+                    <a:lnR>
+                      <a:noFill/>
+                    </a:lnR>
+                    <a:lnT>
+                      <a:noFill/>
+                    </a:lnT>
+                    <a:lnB>
+                      <a:noFill/>
+                    </a:lnB>
+                    <a:noFill/>
+                  </a:tcPr>
+                </a:tc>
+                <a:tc>
+                  <a:txBody>
+                    <a:bodyPr/>
+                    <a:lstStyle/>
+                    <a:p>
+                      <a:pPr>
+                        <a:buNone/>
+                      </a:pPr>
+                      <a:r>
+                        <a:rPr lang="en-US" sz="2400" b="1"/>
+                        <a:t>Q</a:t>
+                      </a:r>
+                      <a:endParaRPr lang="en-US" sz="2400"/>
+                    </a:p>
+                  </a:txBody>
+                  <a:tcPr anchor="ctr">
+                    <a:lnL>
+                      <a:noFill/>
+                    </a:lnL>
+                    <a:lnR>
+                      <a:noFill/>
+                    </a:lnR>
+                    <a:lnT>
+                      <a:noFill/>
+                    </a:lnT>
+                    <a:lnB>
+                      <a:noFill/>
+                    </a:lnB>
+                    <a:noFill/>
+                  </a:tcPr>
+                </a:tc>
+                <a:tc>
+                  <a:txBody>
+                    <a:bodyPr/>
+                    <a:lstStyle/>
+                    <a:p>
+                      <a:pPr>
+                        <a:buNone/>
+                      </a:pPr>
+                      <a:r>
+                        <a:rPr lang="en-US" sz="2400" b="1"/>
+                        <a:t>¬P</a:t>
+                      </a:r>
+                      <a:endParaRPr lang="en-US" sz="2400"/>
+                    </a:p>
+                  </a:txBody>
+                  <a:tcPr anchor="ctr">
+                    <a:lnL>
+                      <a:noFill/>
+                    </a:lnL>
+                    <a:lnR>
+                      <a:noFill/>
+                    </a:lnR>
+                    <a:lnT>
+                      <a:noFill/>
+                    </a:lnT>
+                    <a:lnB>
+                      <a:noFill/>
+                    </a:lnB>
+                    <a:noFill/>
+                  </a:tcPr>
+                </a:tc>
+                <a:tc>
+                  <a:txBody>
+                    <a:bodyPr/>
+                    <a:lstStyle/>
+                    <a:p>
+                      <a:pPr>
+                        <a:buNone/>
+                      </a:pPr>
+                      <a:r>
+                        <a:rPr lang="en-US" sz="2400" b="1"/>
+                        <a:t>P → Q</a:t>
+                      </a:r>
+                      <a:endParaRPr lang="en-US" sz="2400"/>
+                    </a:p>
+                  </a:txBody>
+                  <a:tcPr anchor="ctr">
+                    <a:lnL>
+                      <a:noFill/>
+                    </a:lnL>
+                    <a:lnR>
+                      <a:noFill/>
+                    </a:lnR>
+                    <a:lnT>
+                      <a:noFill/>
+                    </a:lnT>
+                    <a:lnB>
+                      <a:noFill/>
+                    </a:lnB>
+                    <a:noFill/>
+                  </a:tcPr>
+                </a:tc>
+                <a:tc>
+                  <a:txBody>
+                    <a:bodyPr/>
+                    <a:lstStyle/>
+                    <a:p>
+                      <a:pPr>
+                        <a:buNone/>
+                      </a:pPr>
+                      <a:r>
+                        <a:rPr lang="en-US" sz="2400" b="1"/>
+                        <a:t>¬P ∨ Q</a:t>
+                      </a:r>
+                      <a:endParaRPr lang="en-US" sz="2400"/>
+                    </a:p>
+                  </a:txBody>
+                  <a:tcPr anchor="ctr">
+                    <a:lnL>
+                      <a:noFill/>
+                    </a:lnL>
+                    <a:lnR>
+                      <a:noFill/>
+                    </a:lnR>
+                    <a:lnT>
+                      <a:noFill/>
+                    </a:lnT>
+                    <a:lnB>
+                      <a:noFill/>
+                    </a:lnB>
+                    <a:noFill/>
+                  </a:tcPr>
+                </a:tc>
+                <a:extLst>
+                  <a:ext uri="{0D108BD9-81ED-4DB2-BD59-A6C34878D82A}">
+                    <a16:rowId xmlns:a16="http://schemas.microsoft.com/office/drawing/2014/main" val="1587230241"/>
+                  </a:ext>
+                </a:extLst>
+              </a:tr>
+              <a:tr h="0">
+                <a:tc>
+                  <a:txBody>
+                    <a:bodyPr/>
+                    <a:lstStyle/>
+                    <a:p>
+                      <a:pPr>
+                        <a:buNone/>
+                      </a:pPr>
+                      <a:r>
+                        <a:rPr lang="en-US" sz="2400"/>
+                        <a:t>T</a:t>
+                      </a:r>
+                    </a:p>
+                  </a:txBody>
+                  <a:tcPr anchor="ctr">
+                    <a:lnL>
+                      <a:noFill/>
+                    </a:lnL>
+                    <a:lnR>
+                      <a:noFill/>
+                    </a:lnR>
+                    <a:lnT>
+                      <a:noFill/>
+                    </a:lnT>
+                    <a:lnB>
+                      <a:noFill/>
+                    </a:lnB>
+                    <a:noFill/>
+                  </a:tcPr>
+                </a:tc>
+                <a:tc>
+                  <a:txBody>
+                    <a:bodyPr/>
+                    <a:lstStyle/>
+                    <a:p>
+                      <a:pPr>
+                        <a:buNone/>
+                      </a:pPr>
+                      <a:r>
+                        <a:rPr lang="en-US" sz="2400"/>
+                        <a:t>T</a:t>
+                      </a:r>
+                    </a:p>
+                  </a:txBody>
+                  <a:tcPr anchor="ctr">
+                    <a:lnL>
+                      <a:noFill/>
+                    </a:lnL>
+                    <a:lnR>
+                      <a:noFill/>
+                    </a:lnR>
+                    <a:lnT>
+                      <a:noFill/>
+                    </a:lnT>
+                    <a:lnB>
+                      <a:noFill/>
+                    </a:lnB>
+                    <a:noFill/>
+                  </a:tcPr>
+                </a:tc>
+                <a:tc>
+                  <a:txBody>
+                    <a:bodyPr/>
+                    <a:lstStyle/>
+                    <a:p>
+                      <a:pPr>
+                        <a:buNone/>
+                      </a:pPr>
+                      <a:r>
+                        <a:rPr lang="en-US" sz="2400"/>
+                        <a:t>F</a:t>
+                      </a:r>
+                    </a:p>
+                  </a:txBody>
+                  <a:tcPr anchor="ctr">
+                    <a:lnL>
+                      <a:noFill/>
+                    </a:lnL>
+                    <a:lnR>
+                      <a:noFill/>
+                    </a:lnR>
+                    <a:lnT>
+                      <a:noFill/>
+                    </a:lnT>
+                    <a:lnB>
+                      <a:noFill/>
+                    </a:lnB>
+                    <a:noFill/>
+                  </a:tcPr>
+                </a:tc>
+                <a:tc>
+                  <a:txBody>
+                    <a:bodyPr/>
+                    <a:lstStyle/>
+                    <a:p>
+                      <a:pPr>
+                        <a:buNone/>
+                      </a:pPr>
+                      <a:r>
+                        <a:rPr lang="en-US" sz="2400"/>
+                        <a:t>T</a:t>
+                      </a:r>
+                    </a:p>
+                  </a:txBody>
+                  <a:tcPr anchor="ctr">
+                    <a:lnL>
+                      <a:noFill/>
+                    </a:lnL>
+                    <a:lnR>
+                      <a:noFill/>
+                    </a:lnR>
+                    <a:lnT>
+                      <a:noFill/>
+                    </a:lnT>
+                    <a:lnB>
+                      <a:noFill/>
+                    </a:lnB>
+                    <a:noFill/>
+                  </a:tcPr>
+                </a:tc>
+                <a:tc>
+                  <a:txBody>
+                    <a:bodyPr/>
+                    <a:lstStyle/>
+                    <a:p>
+                      <a:pPr>
+                        <a:buNone/>
+                      </a:pPr>
+                      <a:r>
+                        <a:rPr lang="en-US" sz="2400"/>
+                        <a:t>T</a:t>
+                      </a:r>
+                    </a:p>
+                  </a:txBody>
+                  <a:tcPr anchor="ctr">
+                    <a:lnL>
+                      <a:noFill/>
+                    </a:lnL>
+                    <a:lnR>
+                      <a:noFill/>
+                    </a:lnR>
+                    <a:lnT>
+                      <a:noFill/>
+                    </a:lnT>
+                    <a:lnB>
+                      <a:noFill/>
+                    </a:lnB>
+                    <a:noFill/>
+                  </a:tcPr>
+                </a:tc>
+                <a:extLst>
+                  <a:ext uri="{0D108BD9-81ED-4DB2-BD59-A6C34878D82A}">
+                    <a16:rowId xmlns:a16="http://schemas.microsoft.com/office/drawing/2014/main" val="402268148"/>
+                  </a:ext>
+                </a:extLst>
+              </a:tr>
+              <a:tr h="0">
+                <a:tc>
+                  <a:txBody>
+                    <a:bodyPr/>
+                    <a:lstStyle/>
+                    <a:p>
+                      <a:pPr>
+                        <a:buNone/>
+                      </a:pPr>
+                      <a:r>
+                        <a:rPr lang="en-US" sz="2400"/>
+                        <a:t>T</a:t>
+                      </a:r>
+                    </a:p>
+                  </a:txBody>
+                  <a:tcPr anchor="ctr">
+                    <a:lnL>
+                      <a:noFill/>
+                    </a:lnL>
+                    <a:lnR>
+                      <a:noFill/>
+                    </a:lnR>
+                    <a:lnT>
+                      <a:noFill/>
+                    </a:lnT>
+                    <a:lnB>
+                      <a:noFill/>
+                    </a:lnB>
+                    <a:noFill/>
+                  </a:tcPr>
+                </a:tc>
+                <a:tc>
+                  <a:txBody>
+                    <a:bodyPr/>
+                    <a:lstStyle/>
+                    <a:p>
+                      <a:pPr>
+                        <a:buNone/>
+                      </a:pPr>
+                      <a:r>
+                        <a:rPr lang="en-US" sz="2400"/>
+                        <a:t>F</a:t>
+                      </a:r>
+                    </a:p>
+                  </a:txBody>
+                  <a:tcPr anchor="ctr">
+                    <a:lnL>
+                      <a:noFill/>
+                    </a:lnL>
+                    <a:lnR>
+                      <a:noFill/>
+                    </a:lnR>
+                    <a:lnT>
+                      <a:noFill/>
+                    </a:lnT>
+                    <a:lnB>
+                      <a:noFill/>
+                    </a:lnB>
+                    <a:noFill/>
+                  </a:tcPr>
+                </a:tc>
+                <a:tc>
+                  <a:txBody>
+                    <a:bodyPr/>
+                    <a:lstStyle/>
+                    <a:p>
+                      <a:pPr>
+                        <a:buNone/>
+                      </a:pPr>
+                      <a:r>
+                        <a:rPr lang="en-US" sz="2400"/>
+                        <a:t>F</a:t>
+                      </a:r>
+                    </a:p>
+                  </a:txBody>
+                  <a:tcPr anchor="ctr">
+                    <a:lnL>
+                      <a:noFill/>
+                    </a:lnL>
+                    <a:lnR>
+                      <a:noFill/>
+                    </a:lnR>
+                    <a:lnT>
+                      <a:noFill/>
+                    </a:lnT>
+                    <a:lnB>
+                      <a:noFill/>
+                    </a:lnB>
+                    <a:noFill/>
+                  </a:tcPr>
+                </a:tc>
+                <a:tc>
+                  <a:txBody>
+                    <a:bodyPr/>
+                    <a:lstStyle/>
+                    <a:p>
+                      <a:pPr>
+                        <a:buNone/>
+                      </a:pPr>
+                      <a:r>
+                        <a:rPr lang="en-US" sz="2400" dirty="0"/>
+                        <a:t>F</a:t>
+                      </a:r>
+                    </a:p>
+                  </a:txBody>
+                  <a:tcPr anchor="ctr">
+                    <a:lnL>
+                      <a:noFill/>
+                    </a:lnL>
+                    <a:lnR>
+                      <a:noFill/>
+                    </a:lnR>
+                    <a:lnT>
+                      <a:noFill/>
+                    </a:lnT>
+                    <a:lnB>
+                      <a:noFill/>
+                    </a:lnB>
+                    <a:noFill/>
+                  </a:tcPr>
+                </a:tc>
+                <a:tc>
+                  <a:txBody>
+                    <a:bodyPr/>
+                    <a:lstStyle/>
+                    <a:p>
+                      <a:pPr>
+                        <a:buNone/>
+                      </a:pPr>
+                      <a:r>
+                        <a:rPr lang="en-US" sz="2400"/>
+                        <a:t>F</a:t>
+                      </a:r>
+                    </a:p>
+                  </a:txBody>
+                  <a:tcPr anchor="ctr">
+                    <a:lnL>
+                      <a:noFill/>
+                    </a:lnL>
+                    <a:lnR>
+                      <a:noFill/>
+                    </a:lnR>
+                    <a:lnT>
+                      <a:noFill/>
+                    </a:lnT>
+                    <a:lnB>
+                      <a:noFill/>
+                    </a:lnB>
+                    <a:noFill/>
+                  </a:tcPr>
+                </a:tc>
+                <a:extLst>
+                  <a:ext uri="{0D108BD9-81ED-4DB2-BD59-A6C34878D82A}">
+                    <a16:rowId xmlns:a16="http://schemas.microsoft.com/office/drawing/2014/main" val="3500705408"/>
+                  </a:ext>
+                </a:extLst>
+              </a:tr>
+              <a:tr h="0">
+                <a:tc>
+                  <a:txBody>
+                    <a:bodyPr/>
+                    <a:lstStyle/>
+                    <a:p>
+                      <a:pPr>
+                        <a:buNone/>
+                      </a:pPr>
+                      <a:r>
+                        <a:rPr lang="en-US" sz="2400"/>
+                        <a:t>F</a:t>
+                      </a:r>
+                    </a:p>
+                  </a:txBody>
+                  <a:tcPr anchor="ctr">
+                    <a:lnL>
+                      <a:noFill/>
+                    </a:lnL>
+                    <a:lnR>
+                      <a:noFill/>
+                    </a:lnR>
+                    <a:lnT>
+                      <a:noFill/>
+                    </a:lnT>
+                    <a:lnB>
+                      <a:noFill/>
+                    </a:lnB>
+                    <a:noFill/>
+                  </a:tcPr>
+                </a:tc>
+                <a:tc>
+                  <a:txBody>
+                    <a:bodyPr/>
+                    <a:lstStyle/>
+                    <a:p>
+                      <a:pPr>
+                        <a:buNone/>
+                      </a:pPr>
+                      <a:r>
+                        <a:rPr lang="en-US" sz="2400"/>
+                        <a:t>T</a:t>
+                      </a:r>
+                    </a:p>
+                  </a:txBody>
+                  <a:tcPr anchor="ctr">
+                    <a:lnL>
+                      <a:noFill/>
+                    </a:lnL>
+                    <a:lnR>
+                      <a:noFill/>
+                    </a:lnR>
+                    <a:lnT>
+                      <a:noFill/>
+                    </a:lnT>
+                    <a:lnB>
+                      <a:noFill/>
+                    </a:lnB>
+                    <a:noFill/>
+                  </a:tcPr>
+                </a:tc>
+                <a:tc>
+                  <a:txBody>
+                    <a:bodyPr/>
+                    <a:lstStyle/>
+                    <a:p>
+                      <a:pPr>
+                        <a:buNone/>
+                      </a:pPr>
+                      <a:r>
+                        <a:rPr lang="en-US" sz="2400"/>
+                        <a:t>T</a:t>
+                      </a:r>
+                    </a:p>
+                  </a:txBody>
+                  <a:tcPr anchor="ctr">
+                    <a:lnL>
+                      <a:noFill/>
+                    </a:lnL>
+                    <a:lnR>
+                      <a:noFill/>
+                    </a:lnR>
+                    <a:lnT>
+                      <a:noFill/>
+                    </a:lnT>
+                    <a:lnB>
+                      <a:noFill/>
+                    </a:lnB>
+                    <a:noFill/>
+                  </a:tcPr>
+                </a:tc>
+                <a:tc>
+                  <a:txBody>
+                    <a:bodyPr/>
+                    <a:lstStyle/>
+                    <a:p>
+                      <a:pPr>
+                        <a:buNone/>
+                      </a:pPr>
+                      <a:r>
+                        <a:rPr lang="en-US" sz="2400"/>
+                        <a:t>T</a:t>
+                      </a:r>
+                    </a:p>
+                  </a:txBody>
+                  <a:tcPr anchor="ctr">
+                    <a:lnL>
+                      <a:noFill/>
+                    </a:lnL>
+                    <a:lnR>
+                      <a:noFill/>
+                    </a:lnR>
+                    <a:lnT>
+                      <a:noFill/>
+                    </a:lnT>
+                    <a:lnB>
+                      <a:noFill/>
+                    </a:lnB>
+                    <a:noFill/>
+                  </a:tcPr>
+                </a:tc>
+                <a:tc>
+                  <a:txBody>
+                    <a:bodyPr/>
+                    <a:lstStyle/>
+                    <a:p>
+                      <a:pPr>
+                        <a:buNone/>
+                      </a:pPr>
+                      <a:r>
+                        <a:rPr lang="en-US" sz="2400"/>
+                        <a:t>T</a:t>
+                      </a:r>
+                    </a:p>
+                  </a:txBody>
+                  <a:tcPr anchor="ctr">
+                    <a:lnL>
+                      <a:noFill/>
+                    </a:lnL>
+                    <a:lnR>
+                      <a:noFill/>
+                    </a:lnR>
+                    <a:lnT>
+                      <a:noFill/>
+                    </a:lnT>
+                    <a:lnB>
+                      <a:noFill/>
+                    </a:lnB>
+                    <a:noFill/>
+                  </a:tcPr>
+                </a:tc>
+                <a:extLst>
+                  <a:ext uri="{0D108BD9-81ED-4DB2-BD59-A6C34878D82A}">
+                    <a16:rowId xmlns:a16="http://schemas.microsoft.com/office/drawing/2014/main" val="3288004242"/>
+                  </a:ext>
+                </a:extLst>
+              </a:tr>
+              <a:tr h="0">
+                <a:tc>
+                  <a:txBody>
+                    <a:bodyPr/>
+                    <a:lstStyle/>
+                    <a:p>
+                      <a:pPr>
+                        <a:buNone/>
+                      </a:pPr>
+                      <a:r>
+                        <a:rPr lang="en-US" sz="2400"/>
+                        <a:t>F</a:t>
+                      </a:r>
+                    </a:p>
+                  </a:txBody>
+                  <a:tcPr anchor="ctr">
+                    <a:lnL>
+                      <a:noFill/>
+                    </a:lnL>
+                    <a:lnR>
+                      <a:noFill/>
+                    </a:lnR>
+                    <a:lnT>
+                      <a:noFill/>
+                    </a:lnT>
+                    <a:lnB>
+                      <a:noFill/>
+                    </a:lnB>
+                    <a:noFill/>
+                  </a:tcPr>
+                </a:tc>
+                <a:tc>
+                  <a:txBody>
+                    <a:bodyPr/>
+                    <a:lstStyle/>
+                    <a:p>
+                      <a:pPr>
+                        <a:buNone/>
+                      </a:pPr>
+                      <a:r>
+                        <a:rPr lang="en-US" sz="2400"/>
+                        <a:t>F</a:t>
+                      </a:r>
+                    </a:p>
+                  </a:txBody>
+                  <a:tcPr anchor="ctr">
+                    <a:lnL>
+                      <a:noFill/>
+                    </a:lnL>
+                    <a:lnR>
+                      <a:noFill/>
+                    </a:lnR>
+                    <a:lnT>
+                      <a:noFill/>
+                    </a:lnT>
+                    <a:lnB>
+                      <a:noFill/>
+                    </a:lnB>
+                    <a:noFill/>
+                  </a:tcPr>
+                </a:tc>
+                <a:tc>
+                  <a:txBody>
+                    <a:bodyPr/>
+                    <a:lstStyle/>
+                    <a:p>
+                      <a:pPr>
+                        <a:buNone/>
+                      </a:pPr>
+                      <a:r>
+                        <a:rPr lang="en-US" sz="2400"/>
+                        <a:t>T</a:t>
+                      </a:r>
+                    </a:p>
+                  </a:txBody>
+                  <a:tcPr anchor="ctr">
+                    <a:lnL>
+                      <a:noFill/>
+                    </a:lnL>
+                    <a:lnR>
+                      <a:noFill/>
+                    </a:lnR>
+                    <a:lnT>
+                      <a:noFill/>
+                    </a:lnT>
+                    <a:lnB>
+                      <a:noFill/>
+                    </a:lnB>
+                    <a:noFill/>
+                  </a:tcPr>
+                </a:tc>
+                <a:tc>
+                  <a:txBody>
+                    <a:bodyPr/>
+                    <a:lstStyle/>
+                    <a:p>
+                      <a:pPr>
+                        <a:buNone/>
+                      </a:pPr>
+                      <a:r>
+                        <a:rPr lang="en-US" sz="2400"/>
+                        <a:t>T</a:t>
+                      </a:r>
+                    </a:p>
+                  </a:txBody>
+                  <a:tcPr anchor="ctr">
+                    <a:lnL>
+                      <a:noFill/>
+                    </a:lnL>
+                    <a:lnR>
+                      <a:noFill/>
+                    </a:lnR>
+                    <a:lnT>
+                      <a:noFill/>
+                    </a:lnT>
+                    <a:lnB>
+                      <a:noFill/>
+                    </a:lnB>
+                    <a:noFill/>
+                  </a:tcPr>
+                </a:tc>
+                <a:tc>
+                  <a:txBody>
+                    <a:bodyPr/>
+                    <a:lstStyle/>
+                    <a:p>
+                      <a:pPr>
+                        <a:buNone/>
+                      </a:pPr>
+                      <a:r>
+                        <a:rPr lang="en-US" sz="2400" dirty="0"/>
+                        <a:t>T</a:t>
+                      </a:r>
+                    </a:p>
+                  </a:txBody>
+                  <a:tcPr anchor="ctr">
+                    <a:lnL>
+                      <a:noFill/>
+                    </a:lnL>
+                    <a:lnR>
+                      <a:noFill/>
+                    </a:lnR>
+                    <a:lnT>
+                      <a:noFill/>
+                    </a:lnT>
+                    <a:lnB>
+                      <a:noFill/>
+                    </a:lnB>
+                    <a:noFill/>
+                  </a:tcPr>
+                </a:tc>
+                <a:extLst>
+                  <a:ext uri="{0D108BD9-81ED-4DB2-BD59-A6C34878D82A}">
+                    <a16:rowId xmlns:a16="http://schemas.microsoft.com/office/drawing/2014/main" val="59756198"/>
+                  </a:ext>
+                </a:extLst>
+              </a:tr>
+            </a:tbl>
+          </a:graphicData>
+        </a:graphic>
+      </p:graphicFrame>
+    </p:spTree>
+    <p:extLst>
+      <p:ext uri="{BB962C8B-B14F-4D97-AF65-F5344CB8AC3E}">
+        <p14:creationId xmlns:p14="http://schemas.microsoft.com/office/powerpoint/2010/main" val="882016605"/>
+      </p:ext>
+    </p:extLst>
+  </p:cSld>
+  <p:clrMapOvr>
+    <a:masterClrMapping/>
+  </p:clrMapOvr>
+  <p:timing>
+    <p:tnLst>
+      <p:par>
+        <p:cTn id="1" dur="indefinite" restart="never" nodeType="tmRoot">
+          <p:childTnLst>
+            <p:seq concurrent="1" nextAc="seek">
+              <p:cTn id="2" dur="indefinite" nodeType="mainSeq">
+                <p:childTnLst>
+                  <p:par>
+                    <p:cTn id="3" fill="hold">
+                      <p:stCondLst>
+                        <p:cond delay="indefinite"/>
+                      </p:stCondLst>
+                      <p:childTnLst>
+                        <p:par>
+                          <p:cTn id="4" fill="hold">
+                            <p:stCondLst>
+                              <p:cond delay="0"/>
+                            </p:stCondLst>
+                            <p:childTnLst>
+                              <p:par>
+                                <p:cTn id="5" presetID="1" presetClass="entr" presetSubtype="0" fill="hold" grpId="0" nodeType="clickEffect">
+                                  <p:stCondLst>
+                                    <p:cond delay="0"/>
+                                  </p:stCondLst>
+                                  <p:childTnLst>
+                                    <p:set>
+                                      <p:cBhvr>
+                                        <p:cTn id="6" dur="1" fill="hold">
+                                          <p:stCondLst>
+                                            <p:cond delay="0"/>
+                                          </p:stCondLst>
+                                        </p:cTn>
+                                        <p:tgtEl>
+                                          <p:spTgt spid="2">
+                                            <p:txEl>
+                                              <p:pRg st="0" end="0"/>
+                                            </p:txEl>
+                                          </p:spTgt>
+                                        </p:tgtEl>
+                                        <p:attrNameLst>
+                                          <p:attrName>style.visibility</p:attrName>
+                                        </p:attrNameLst>
+                                      </p:cBhvr>
+                                      <p:to>
+                                        <p:strVal val="visible"/>
+                                      </p:to>
+                                    </p:set>
+                                  </p:childTnLst>
+                                </p:cTn>
+                              </p:par>
+                            </p:childTnLst>
+                          </p:cTn>
+                        </p:par>
+                      </p:childTnLst>
+                    </p:cTn>
+                  </p:par>
+                  <p:par>
+                    <p:cTn id="7" fill="hold">
+                      <p:stCondLst>
+                        <p:cond delay="indefinite"/>
+                      </p:stCondLst>
+                      <p:childTnLst>
+                        <p:par>
+                          <p:cTn id="8" fill="hold">
+                            <p:stCondLst>
+                              <p:cond delay="0"/>
+                            </p:stCondLst>
+                            <p:childTnLst>
+                              <p:par>
+                                <p:cTn id="9" presetID="1" presetClass="entr" presetSubtype="0" fill="hold" grpId="0" nodeType="clickEffect">
+                                  <p:stCondLst>
+                                    <p:cond delay="0"/>
+                                  </p:stCondLst>
+                                  <p:childTnLst>
+                                    <p:set>
+                                      <p:cBhvr>
+                                        <p:cTn id="10" dur="1" fill="hold">
+                                          <p:stCondLst>
+                                            <p:cond delay="0"/>
+                                          </p:stCondLst>
+                                        </p:cTn>
+                                        <p:tgtEl>
+                                          <p:spTgt spid="2">
+                                            <p:txEl>
+                                              <p:pRg st="2" end="2"/>
+                                            </p:txEl>
+                                          </p:spTgt>
+                                        </p:tgtEl>
+                                        <p:attrNameLst>
+                                          <p:attrName>style.visibility</p:attrName>
+                                        </p:attrNameLst>
+                                      </p:cBhvr>
+                                      <p:to>
+                                        <p:strVal val="visible"/>
+                                      </p:to>
+                                    </p:set>
+                                  </p:childTnLst>
+                                </p:cTn>
+                              </p:par>
+                            </p:childTnLst>
+                          </p:cTn>
+                        </p:par>
+                      </p:childTnLst>
+                    </p:cTn>
+                  </p:par>
+                  <p:par>
+                    <p:cTn id="11" fill="hold">
+                      <p:stCondLst>
+                        <p:cond delay="indefinite"/>
+                      </p:stCondLst>
+                      <p:childTnLst>
+                        <p:par>
+                          <p:cTn id="12" fill="hold">
+                            <p:stCondLst>
+                              <p:cond delay="0"/>
+                            </p:stCondLst>
+                            <p:childTnLst>
+                              <p:par>
+                                <p:cTn id="13" presetID="1" presetClass="entr" presetSubtype="0" fill="hold" grpId="0" nodeType="clickEffect">
+                                  <p:stCondLst>
+                                    <p:cond delay="0"/>
+                                  </p:stCondLst>
+                                  <p:childTnLst>
+                                    <p:set>
+                                      <p:cBhvr>
+                                        <p:cTn id="14" dur="1" fill="hold">
+                                          <p:stCondLst>
+                                            <p:cond delay="0"/>
+                                          </p:stCondLst>
+                                        </p:cTn>
+                                        <p:tgtEl>
+                                          <p:spTgt spid="2">
+                                            <p:txEl>
+                                              <p:pRg st="3" end="3"/>
+                                            </p:txEl>
+                                          </p:spTgt>
+                                        </p:tgtEl>
+                                        <p:attrNameLst>
+                                          <p:attrName>style.visibility</p:attrName>
+                                        </p:attrNameLst>
+                                      </p:cBhvr>
+                                      <p:to>
+                                        <p:strVal val="visible"/>
+                                      </p:to>
+                                    </p:set>
+                                  </p:childTnLst>
+                                </p:cTn>
+                              </p:par>
+                            </p:childTnLst>
+                          </p:cTn>
+                        </p:par>
+                      </p:childTnLst>
+                    </p:cTn>
+                  </p:par>
+                  <p:par>
+                    <p:cTn id="15" fill="hold">
+                      <p:stCondLst>
+                        <p:cond delay="indefinite"/>
+                      </p:stCondLst>
+                      <p:childTnLst>
+                        <p:par>
+                          <p:cTn id="16" fill="hold">
+                            <p:stCondLst>
+                              <p:cond delay="0"/>
+                            </p:stCondLst>
+                            <p:childTnLst>
+                              <p:par>
+                                <p:cTn id="17" presetID="1" presetClass="entr" presetSubtype="0" fill="hold" grpId="0" nodeType="clickEffect">
+                                  <p:stCondLst>
+                                    <p:cond delay="0"/>
+                                  </p:stCondLst>
+                                  <p:childTnLst>
+                                    <p:set>
+                                      <p:cBhvr>
+                                        <p:cTn id="18" dur="1" fill="hold">
+                                          <p:stCondLst>
+                                            <p:cond delay="0"/>
+                                          </p:stCondLst>
+                                        </p:cTn>
+                                        <p:tgtEl>
+                                          <p:spTgt spid="2">
+                                            <p:txEl>
+                                              <p:pRg st="5" end="5"/>
+                                            </p:txEl>
+                                          </p:spTgt>
+                                        </p:tgtEl>
+                                        <p:attrNameLst>
+                                          <p:attrName>style.visibility</p:attrName>
+                                        </p:attrNameLst>
+                                      </p:cBhvr>
+                                      <p:to>
+                                        <p:strVal val="visible"/>
+                                      </p:to>
+                                    </p:set>
+                                  </p:childTnLst>
+                                </p:cTn>
+                              </p:par>
+                            </p:childTnLst>
+                          </p:cTn>
+                        </p:par>
+                      </p:childTnLst>
+                    </p:cTn>
+                  </p:par>
+                  <p:par>
+                    <p:cTn id="19" fill="hold">
+                      <p:stCondLst>
+                        <p:cond delay="indefinite"/>
+                      </p:stCondLst>
+                      <p:childTnLst>
+                        <p:par>
+                          <p:cTn id="20" fill="hold">
+                            <p:stCondLst>
+                              <p:cond delay="0"/>
+                            </p:stCondLst>
+                            <p:childTnLst>
+                              <p:par>
+                                <p:cTn id="21" presetID="1" presetClass="entr" presetSubtype="0" fill="hold" nodeType="clickEffect">
+                                  <p:stCondLst>
+                                    <p:cond delay="0"/>
+                                  </p:stCondLst>
+                                  <p:childTnLst>
+                                    <p:set>
+                                      <p:cBhvr>
+                                        <p:cTn id="22" dur="1" fill="hold">
+                                          <p:stCondLst>
+                                            <p:cond delay="0"/>
+                                          </p:stCondLst>
+                                        </p:cTn>
+                                        <p:tgtEl>
+                                          <p:spTgt spid="4"/>
+                                        </p:tgtEl>
+                                        <p:attrNameLst>
+                                          <p:attrName>style.visibility</p:attrName>
+                                        </p:attrNameLst>
+                                      </p:cBhvr>
+                                      <p:to>
+                                        <p:strVal val="visible"/>
+                                      </p:to>
+                                    </p:set>
+                                  </p:childTnLst>
+                                </p:cTn>
+                              </p:par>
+                            </p:childTnLst>
+                          </p:cTn>
+                        </p:par>
+                      </p:childTnLst>
+                    </p:cTn>
+                  </p:par>
+                </p:childTnLst>
+              </p:cTn>
+              <p:prevCondLst>
+                <p:cond evt="onPrev" delay="0">
+                  <p:tgtEl>
+                    <p:sldTgt/>
+                  </p:tgtEl>
+                </p:cond>
+              </p:prevCondLst>
+              <p:nextCondLst>
+                <p:cond evt="onNext" delay="0">
+                  <p:tgtEl>
+                    <p:sldTgt/>
+                  </p:tgtEl>
+                </p:cond>
+              </p:nextCondLst>
+            </p:seq>
+          </p:childTnLst>
+        </p:cTn>
+      </p:par>
+    </p:tnLst>
+    <p:bldLst>
+      <p:bldP spid="2" grpId="0" build="p"/>
+    </p:bldLst>
+  </p:timing>
+</p:sld>
+</file>
+
+<file path=ppt/slides/slide11.xml><?xml version="1.0" encoding="utf-8"?>
 <p:sld xmlns:a="http://schemas.openxmlformats.org/drawingml/2006/main" xmlns:r="http://schemas.openxmlformats.org/officeDocument/2006/relationships" xmlns:p="http://schemas.openxmlformats.org/presentationml/2006/main">
   <p:cSld>
     <p:spTree>
@@ -4095,7 +5998,7 @@
 </p:sld>
 </file>
 
-<file path=ppt/slides/slide11.xml><?xml version="1.0" encoding="utf-8"?>
+<file path=ppt/slides/slide12.xml><?xml version="1.0" encoding="utf-8"?>
 <p:sld xmlns:a="http://schemas.openxmlformats.org/drawingml/2006/main" xmlns:r="http://schemas.openxmlformats.org/officeDocument/2006/relationships" xmlns:p="http://schemas.openxmlformats.org/presentationml/2006/main">
   <p:cSld>
     <p:spTree>
@@ -4685,7 +6588,665 @@
 </p:sld>
 </file>
 
-<file path=ppt/slides/slide12.xml><?xml version="1.0" encoding="utf-8"?>
+<file path=ppt/slides/slide13.xml><?xml version="1.0" encoding="utf-8"?>
+<p:sld xmlns:a="http://schemas.openxmlformats.org/drawingml/2006/main" xmlns:r="http://schemas.openxmlformats.org/officeDocument/2006/relationships" xmlns:p="http://schemas.openxmlformats.org/presentationml/2006/main">
+  <p:cSld>
+    <p:spTree>
+      <p:nvGrpSpPr>
+        <p:cNvPr id="1" name="">
+          <a:extLst>
+            <a:ext uri="{FF2B5EF4-FFF2-40B4-BE49-F238E27FC236}">
+              <a16:creationId xmlns:a16="http://schemas.microsoft.com/office/drawing/2014/main" id="{C111A6E9-120E-D368-70E0-BDE4A2DA7534}"/>
+            </a:ext>
+          </a:extLst>
+        </p:cNvPr>
+        <p:cNvGrpSpPr/>
+        <p:nvPr/>
+      </p:nvGrpSpPr>
+      <p:grpSpPr>
+        <a:xfrm>
+          <a:off x="0" y="0"/>
+          <a:ext cx="0" cy="0"/>
+          <a:chOff x="0" y="0"/>
+          <a:chExt cx="0" cy="0"/>
+        </a:xfrm>
+      </p:grpSpPr>
+      <p:sp>
+        <p:nvSpPr>
+          <p:cNvPr id="4" name="Title 6">
+            <a:extLst>
+              <a:ext uri="{FF2B5EF4-FFF2-40B4-BE49-F238E27FC236}">
+                <a16:creationId xmlns:a16="http://schemas.microsoft.com/office/drawing/2014/main" id="{CC420BFF-20D8-54A7-DC80-EF1042AAD9F9}"/>
+              </a:ext>
+            </a:extLst>
+          </p:cNvPr>
+          <p:cNvSpPr txBox="1">
+            <a:spLocks/>
+          </p:cNvSpPr>
+          <p:nvPr/>
+        </p:nvSpPr>
+        <p:spPr>
+          <a:xfrm>
+            <a:off x="0" y="0"/>
+            <a:ext cx="11482251" cy="735162"/>
+          </a:xfrm>
+          <a:prstGeom prst="rect">
+            <a:avLst/>
+          </a:prstGeom>
+        </p:spPr>
+        <p:txBody>
+          <a:bodyPr vert="horz" lIns="91440" tIns="45720" rIns="91440" bIns="45720" rtlCol="0" anchor="ctr">
+            <a:normAutofit fontScale="97500"/>
+          </a:bodyPr>
+          <a:lstStyle>
+            <a:lvl1pPr algn="l" defTabSz="914400" rtl="0" eaLnBrk="1" latinLnBrk="0" hangingPunct="1">
+              <a:lnSpc>
+                <a:spcPct val="90000"/>
+              </a:lnSpc>
+              <a:spcBef>
+                <a:spcPct val="0"/>
+              </a:spcBef>
+              <a:buNone/>
+              <a:defRPr sz="4400" b="1" i="0" kern="1200">
+                <a:solidFill>
+                  <a:srgbClr val="E84A27"/>
+                </a:solidFill>
+                <a:latin typeface="Georgia" panose="02040502050405020303" pitchFamily="18" charset="0"/>
+                <a:ea typeface="+mj-ea"/>
+                <a:cs typeface="+mj-cs"/>
+              </a:defRPr>
+            </a:lvl1pPr>
+          </a:lstStyle>
+          <a:p>
+            <a:r>
+              <a:rPr lang="en-US" dirty="0">
+                <a:latin typeface="Calibri"/>
+                <a:cs typeface="Calibri"/>
+              </a:rPr>
+              <a:t>Summarizing Logic and Brain &amp; Cognitive Science</a:t>
+            </a:r>
+            <a:endParaRPr lang="en-US" dirty="0"/>
+          </a:p>
+        </p:txBody>
+      </p:sp>
+      <p:sp>
+        <p:nvSpPr>
+          <p:cNvPr id="2" name="TextBox 1">
+            <a:extLst>
+              <a:ext uri="{FF2B5EF4-FFF2-40B4-BE49-F238E27FC236}">
+                <a16:creationId xmlns:a16="http://schemas.microsoft.com/office/drawing/2014/main" id="{A5E7AD7B-28E2-DF5A-FB7D-E52D6394ECFB}"/>
+              </a:ext>
+            </a:extLst>
+          </p:cNvPr>
+          <p:cNvSpPr txBox="1"/>
+          <p:nvPr/>
+        </p:nvSpPr>
+        <p:spPr>
+          <a:xfrm>
+            <a:off x="2142078" y="957750"/>
+            <a:ext cx="10049922" cy="4955203"/>
+          </a:xfrm>
+          <a:prstGeom prst="rect">
+            <a:avLst/>
+          </a:prstGeom>
+          <a:noFill/>
+        </p:spPr>
+        <p:txBody>
+          <a:bodyPr wrap="square" rtlCol="0">
+            <a:spAutoFit/>
+          </a:bodyPr>
+          <a:lstStyle/>
+          <a:p>
+            <a:r>
+              <a:rPr lang="en-US" sz="2800" b="1" dirty="0"/>
+              <a:t>Problems with Deduction</a:t>
+            </a:r>
+          </a:p>
+          <a:p>
+            <a:pPr marL="457200" indent="-457200">
+              <a:buFont typeface="Arial" panose="020B0604020202020204" pitchFamily="34" charset="0"/>
+              <a:buChar char="•"/>
+            </a:pPr>
+            <a:r>
+              <a:rPr lang="en-US" sz="2400" b="1" dirty="0"/>
+              <a:t>Where do premises come from</a:t>
+            </a:r>
+            <a:r>
+              <a:rPr lang="en-US" sz="2400" dirty="0"/>
+              <a:t>? Deduction guarantees validity only if premises are true — but logic itself doesn’t supply them.</a:t>
+            </a:r>
+          </a:p>
+          <a:p>
+            <a:pPr marL="457200" indent="-457200">
+              <a:buFont typeface="Arial" panose="020B0604020202020204" pitchFamily="34" charset="0"/>
+              <a:buChar char="•"/>
+            </a:pPr>
+            <a:r>
+              <a:rPr lang="en-US" sz="2400" b="1" dirty="0"/>
+              <a:t>Translation problem</a:t>
+            </a:r>
+            <a:r>
+              <a:rPr lang="en-US" sz="2400" dirty="0"/>
+              <a:t>: Natural language is messy (ambiguity, vagueness, implicit assumptions). Mapping it into precise logical form is often subjective.</a:t>
+            </a:r>
+          </a:p>
+          <a:p>
+            <a:pPr marL="457200" indent="-457200">
+              <a:buFont typeface="Arial" panose="020B0604020202020204" pitchFamily="34" charset="0"/>
+              <a:buChar char="•"/>
+            </a:pPr>
+            <a:r>
+              <a:rPr lang="en-US" sz="2400" b="1" dirty="0"/>
+              <a:t>Truth-preserving but not truth-producing</a:t>
+            </a:r>
+            <a:r>
+              <a:rPr lang="en-US" sz="2400" dirty="0"/>
+              <a:t>: Deduction can’t generate new empirical knowledge; it only makes explicit what was already implicit in the premises.</a:t>
+            </a:r>
+          </a:p>
+          <a:p>
+            <a:pPr marL="457200" indent="-457200">
+              <a:buFont typeface="Arial" panose="020B0604020202020204" pitchFamily="34" charset="0"/>
+              <a:buChar char="•"/>
+            </a:pPr>
+            <a:r>
+              <a:rPr lang="en-US" sz="2400" b="1" dirty="0"/>
+              <a:t>Complexity explosion</a:t>
+            </a:r>
+            <a:r>
+              <a:rPr lang="en-US" sz="2400" dirty="0"/>
+              <a:t>: With many propositions, truth tables and formal proofs become computationally unwieldy (2ⁿ rows).</a:t>
+            </a:r>
+          </a:p>
+          <a:p>
+            <a:pPr marL="457200" indent="-457200">
+              <a:buFont typeface="Arial" panose="020B0604020202020204" pitchFamily="34" charset="0"/>
+              <a:buChar char="•"/>
+            </a:pPr>
+            <a:r>
+              <a:rPr lang="en-US" sz="2400" b="1" dirty="0"/>
+              <a:t>Human relevance</a:t>
+            </a:r>
+            <a:r>
+              <a:rPr lang="en-US" sz="2400" dirty="0"/>
+              <a:t>: Deduction may be too rigid for modeling the flexible, context-sensitive reasoning we see in real cognition.</a:t>
+            </a:r>
+          </a:p>
+        </p:txBody>
+      </p:sp>
+      <p:cxnSp>
+        <p:nvCxnSpPr>
+          <p:cNvPr id="10" name="Straight Arrow Connector 9">
+            <a:extLst>
+              <a:ext uri="{FF2B5EF4-FFF2-40B4-BE49-F238E27FC236}">
+                <a16:creationId xmlns:a16="http://schemas.microsoft.com/office/drawing/2014/main" id="{9502F3AB-2B38-EAFA-9D55-F9E9E1040F1B}"/>
+              </a:ext>
+            </a:extLst>
+          </p:cNvPr>
+          <p:cNvCxnSpPr>
+            <a:cxnSpLocks/>
+          </p:cNvCxnSpPr>
+          <p:nvPr/>
+        </p:nvCxnSpPr>
+        <p:spPr>
+          <a:xfrm flipV="1">
+            <a:off x="802662" y="3540020"/>
+            <a:ext cx="0" cy="1377777"/>
+          </a:xfrm>
+          <a:prstGeom prst="straightConnector1">
+            <a:avLst/>
+          </a:prstGeom>
+          <a:ln w="63500">
+            <a:tailEnd type="triangle"/>
+          </a:ln>
+        </p:spPr>
+        <p:style>
+          <a:lnRef idx="1">
+            <a:schemeClr val="accent1"/>
+          </a:lnRef>
+          <a:fillRef idx="0">
+            <a:schemeClr val="accent1"/>
+          </a:fillRef>
+          <a:effectRef idx="0">
+            <a:schemeClr val="accent1"/>
+          </a:effectRef>
+          <a:fontRef idx="minor">
+            <a:schemeClr val="tx1"/>
+          </a:fontRef>
+        </p:style>
+      </p:cxnSp>
+      <p:cxnSp>
+        <p:nvCxnSpPr>
+          <p:cNvPr id="14" name="Straight Arrow Connector 13">
+            <a:extLst>
+              <a:ext uri="{FF2B5EF4-FFF2-40B4-BE49-F238E27FC236}">
+                <a16:creationId xmlns:a16="http://schemas.microsoft.com/office/drawing/2014/main" id="{283E65F1-3E82-B2B8-235A-33003DF5C3E8}"/>
+              </a:ext>
+            </a:extLst>
+          </p:cNvPr>
+          <p:cNvCxnSpPr>
+            <a:cxnSpLocks/>
+          </p:cNvCxnSpPr>
+          <p:nvPr/>
+        </p:nvCxnSpPr>
+        <p:spPr>
+          <a:xfrm flipV="1">
+            <a:off x="1445392" y="3540020"/>
+            <a:ext cx="0" cy="1377777"/>
+          </a:xfrm>
+          <a:prstGeom prst="straightConnector1">
+            <a:avLst/>
+          </a:prstGeom>
+          <a:ln w="63500">
+            <a:tailEnd type="triangle"/>
+          </a:ln>
+        </p:spPr>
+        <p:style>
+          <a:lnRef idx="1">
+            <a:schemeClr val="accent1"/>
+          </a:lnRef>
+          <a:fillRef idx="0">
+            <a:schemeClr val="accent1"/>
+          </a:fillRef>
+          <a:effectRef idx="0">
+            <a:schemeClr val="accent1"/>
+          </a:effectRef>
+          <a:fontRef idx="minor">
+            <a:schemeClr val="tx1"/>
+          </a:fontRef>
+        </p:style>
+      </p:cxnSp>
+      <p:cxnSp>
+        <p:nvCxnSpPr>
+          <p:cNvPr id="15" name="Straight Arrow Connector 14">
+            <a:extLst>
+              <a:ext uri="{FF2B5EF4-FFF2-40B4-BE49-F238E27FC236}">
+                <a16:creationId xmlns:a16="http://schemas.microsoft.com/office/drawing/2014/main" id="{8480E6E3-31C9-78BA-7BEF-3AC477420E93}"/>
+              </a:ext>
+            </a:extLst>
+          </p:cNvPr>
+          <p:cNvCxnSpPr>
+            <a:cxnSpLocks/>
+          </p:cNvCxnSpPr>
+          <p:nvPr/>
+        </p:nvCxnSpPr>
+        <p:spPr>
+          <a:xfrm flipV="1">
+            <a:off x="1166192" y="1288133"/>
+            <a:ext cx="0" cy="1377777"/>
+          </a:xfrm>
+          <a:prstGeom prst="straightConnector1">
+            <a:avLst/>
+          </a:prstGeom>
+          <a:ln w="63500">
+            <a:tailEnd type="triangle"/>
+          </a:ln>
+        </p:spPr>
+        <p:style>
+          <a:lnRef idx="1">
+            <a:schemeClr val="accent1"/>
+          </a:lnRef>
+          <a:fillRef idx="0">
+            <a:schemeClr val="accent1"/>
+          </a:fillRef>
+          <a:effectRef idx="0">
+            <a:schemeClr val="accent1"/>
+          </a:effectRef>
+          <a:fontRef idx="minor">
+            <a:schemeClr val="tx1"/>
+          </a:fontRef>
+        </p:style>
+      </p:cxnSp>
+      <p:sp>
+        <p:nvSpPr>
+          <p:cNvPr id="7" name="Triangle 6">
+            <a:extLst>
+              <a:ext uri="{FF2B5EF4-FFF2-40B4-BE49-F238E27FC236}">
+                <a16:creationId xmlns:a16="http://schemas.microsoft.com/office/drawing/2014/main" id="{A5597838-F356-2ECD-D083-F96756C0AC79}"/>
+              </a:ext>
+            </a:extLst>
+          </p:cNvPr>
+          <p:cNvSpPr/>
+          <p:nvPr/>
+        </p:nvSpPr>
+        <p:spPr>
+          <a:xfrm>
+            <a:off x="410818" y="2257872"/>
+            <a:ext cx="1510748" cy="1282148"/>
+          </a:xfrm>
+          <a:prstGeom prst="triangle">
+            <a:avLst/>
+          </a:prstGeom>
+        </p:spPr>
+        <p:style>
+          <a:lnRef idx="2">
+            <a:schemeClr val="accent1">
+              <a:shade val="50000"/>
+            </a:schemeClr>
+          </a:lnRef>
+          <a:fillRef idx="1">
+            <a:schemeClr val="accent1"/>
+          </a:fillRef>
+          <a:effectRef idx="0">
+            <a:schemeClr val="accent1"/>
+          </a:effectRef>
+          <a:fontRef idx="minor">
+            <a:schemeClr val="lt1"/>
+          </a:fontRef>
+        </p:style>
+        <p:txBody>
+          <a:bodyPr rtlCol="0" anchor="ctr"/>
+          <a:lstStyle/>
+          <a:p>
+            <a:pPr algn="ctr"/>
+            <a:endParaRPr lang="en-US" sz="3600" dirty="0">
+              <a:solidFill>
+                <a:schemeClr val="tx1"/>
+              </a:solidFill>
+            </a:endParaRPr>
+          </a:p>
+          <a:p>
+            <a:pPr algn="ctr"/>
+            <a:endParaRPr lang="en-US" sz="3200" dirty="0">
+              <a:solidFill>
+                <a:schemeClr val="tx1"/>
+              </a:solidFill>
+            </a:endParaRPr>
+          </a:p>
+        </p:txBody>
+      </p:sp>
+    </p:spTree>
+    <p:extLst>
+      <p:ext uri="{BB962C8B-B14F-4D97-AF65-F5344CB8AC3E}">
+        <p14:creationId xmlns:p14="http://schemas.microsoft.com/office/powerpoint/2010/main" val="4248599602"/>
+      </p:ext>
+    </p:extLst>
+  </p:cSld>
+  <p:clrMapOvr>
+    <a:masterClrMapping/>
+  </p:clrMapOvr>
+  <p:timing>
+    <p:tnLst>
+      <p:par>
+        <p:cTn id="1" dur="indefinite" restart="never" nodeType="tmRoot">
+          <p:childTnLst>
+            <p:seq concurrent="1" nextAc="seek">
+              <p:cTn id="2" dur="indefinite" nodeType="mainSeq">
+                <p:childTnLst>
+                  <p:par>
+                    <p:cTn id="3" fill="hold">
+                      <p:stCondLst>
+                        <p:cond delay="indefinite"/>
+                      </p:stCondLst>
+                      <p:childTnLst>
+                        <p:par>
+                          <p:cTn id="4" fill="hold">
+                            <p:stCondLst>
+                              <p:cond delay="0"/>
+                            </p:stCondLst>
+                            <p:childTnLst>
+                              <p:par>
+                                <p:cTn id="5" presetID="1" presetClass="entr" presetSubtype="0" fill="hold" grpId="0" nodeType="clickEffect">
+                                  <p:stCondLst>
+                                    <p:cond delay="0"/>
+                                  </p:stCondLst>
+                                  <p:childTnLst>
+                                    <p:set>
+                                      <p:cBhvr>
+                                        <p:cTn id="6" dur="1" fill="hold">
+                                          <p:stCondLst>
+                                            <p:cond delay="0"/>
+                                          </p:stCondLst>
+                                        </p:cTn>
+                                        <p:tgtEl>
+                                          <p:spTgt spid="2">
+                                            <p:txEl>
+                                              <p:pRg st="1" end="1"/>
+                                            </p:txEl>
+                                          </p:spTgt>
+                                        </p:tgtEl>
+                                        <p:attrNameLst>
+                                          <p:attrName>style.visibility</p:attrName>
+                                        </p:attrNameLst>
+                                      </p:cBhvr>
+                                      <p:to>
+                                        <p:strVal val="visible"/>
+                                      </p:to>
+                                    </p:set>
+                                  </p:childTnLst>
+                                </p:cTn>
+                              </p:par>
+                            </p:childTnLst>
+                          </p:cTn>
+                        </p:par>
+                      </p:childTnLst>
+                    </p:cTn>
+                  </p:par>
+                  <p:par>
+                    <p:cTn id="7" fill="hold">
+                      <p:stCondLst>
+                        <p:cond delay="indefinite"/>
+                      </p:stCondLst>
+                      <p:childTnLst>
+                        <p:par>
+                          <p:cTn id="8" fill="hold">
+                            <p:stCondLst>
+                              <p:cond delay="0"/>
+                            </p:stCondLst>
+                            <p:childTnLst>
+                              <p:par>
+                                <p:cTn id="9" presetID="1" presetClass="entr" presetSubtype="0" fill="hold" grpId="0" nodeType="clickEffect">
+                                  <p:stCondLst>
+                                    <p:cond delay="0"/>
+                                  </p:stCondLst>
+                                  <p:childTnLst>
+                                    <p:set>
+                                      <p:cBhvr>
+                                        <p:cTn id="10" dur="1" fill="hold">
+                                          <p:stCondLst>
+                                            <p:cond delay="0"/>
+                                          </p:stCondLst>
+                                        </p:cTn>
+                                        <p:tgtEl>
+                                          <p:spTgt spid="2">
+                                            <p:txEl>
+                                              <p:pRg st="2" end="2"/>
+                                            </p:txEl>
+                                          </p:spTgt>
+                                        </p:tgtEl>
+                                        <p:attrNameLst>
+                                          <p:attrName>style.visibility</p:attrName>
+                                        </p:attrNameLst>
+                                      </p:cBhvr>
+                                      <p:to>
+                                        <p:strVal val="visible"/>
+                                      </p:to>
+                                    </p:set>
+                                  </p:childTnLst>
+                                </p:cTn>
+                              </p:par>
+                            </p:childTnLst>
+                          </p:cTn>
+                        </p:par>
+                      </p:childTnLst>
+                    </p:cTn>
+                  </p:par>
+                  <p:par>
+                    <p:cTn id="11" fill="hold">
+                      <p:stCondLst>
+                        <p:cond delay="indefinite"/>
+                      </p:stCondLst>
+                      <p:childTnLst>
+                        <p:par>
+                          <p:cTn id="12" fill="hold">
+                            <p:stCondLst>
+                              <p:cond delay="0"/>
+                            </p:stCondLst>
+                            <p:childTnLst>
+                              <p:par>
+                                <p:cTn id="13" presetID="1" presetClass="entr" presetSubtype="0" fill="hold" grpId="0" nodeType="clickEffect">
+                                  <p:stCondLst>
+                                    <p:cond delay="0"/>
+                                  </p:stCondLst>
+                                  <p:childTnLst>
+                                    <p:set>
+                                      <p:cBhvr>
+                                        <p:cTn id="14" dur="1" fill="hold">
+                                          <p:stCondLst>
+                                            <p:cond delay="0"/>
+                                          </p:stCondLst>
+                                        </p:cTn>
+                                        <p:tgtEl>
+                                          <p:spTgt spid="2">
+                                            <p:txEl>
+                                              <p:pRg st="3" end="3"/>
+                                            </p:txEl>
+                                          </p:spTgt>
+                                        </p:tgtEl>
+                                        <p:attrNameLst>
+                                          <p:attrName>style.visibility</p:attrName>
+                                        </p:attrNameLst>
+                                      </p:cBhvr>
+                                      <p:to>
+                                        <p:strVal val="visible"/>
+                                      </p:to>
+                                    </p:set>
+                                  </p:childTnLst>
+                                </p:cTn>
+                              </p:par>
+                            </p:childTnLst>
+                          </p:cTn>
+                        </p:par>
+                      </p:childTnLst>
+                    </p:cTn>
+                  </p:par>
+                  <p:par>
+                    <p:cTn id="15" fill="hold">
+                      <p:stCondLst>
+                        <p:cond delay="indefinite"/>
+                      </p:stCondLst>
+                      <p:childTnLst>
+                        <p:par>
+                          <p:cTn id="16" fill="hold">
+                            <p:stCondLst>
+                              <p:cond delay="0"/>
+                            </p:stCondLst>
+                            <p:childTnLst>
+                              <p:par>
+                                <p:cTn id="17" presetID="1" presetClass="entr" presetSubtype="0" fill="hold" grpId="0" nodeType="clickEffect">
+                                  <p:stCondLst>
+                                    <p:cond delay="0"/>
+                                  </p:stCondLst>
+                                  <p:childTnLst>
+                                    <p:set>
+                                      <p:cBhvr>
+                                        <p:cTn id="18" dur="1" fill="hold">
+                                          <p:stCondLst>
+                                            <p:cond delay="0"/>
+                                          </p:stCondLst>
+                                        </p:cTn>
+                                        <p:tgtEl>
+                                          <p:spTgt spid="2">
+                                            <p:txEl>
+                                              <p:pRg st="4" end="4"/>
+                                            </p:txEl>
+                                          </p:spTgt>
+                                        </p:tgtEl>
+                                        <p:attrNameLst>
+                                          <p:attrName>style.visibility</p:attrName>
+                                        </p:attrNameLst>
+                                      </p:cBhvr>
+                                      <p:to>
+                                        <p:strVal val="visible"/>
+                                      </p:to>
+                                    </p:set>
+                                  </p:childTnLst>
+                                </p:cTn>
+                              </p:par>
+                            </p:childTnLst>
+                          </p:cTn>
+                        </p:par>
+                      </p:childTnLst>
+                    </p:cTn>
+                  </p:par>
+                  <p:par>
+                    <p:cTn id="19" fill="hold">
+                      <p:stCondLst>
+                        <p:cond delay="indefinite"/>
+                      </p:stCondLst>
+                      <p:childTnLst>
+                        <p:par>
+                          <p:cTn id="20" fill="hold">
+                            <p:stCondLst>
+                              <p:cond delay="0"/>
+                            </p:stCondLst>
+                            <p:childTnLst>
+                              <p:par>
+                                <p:cTn id="21" presetID="1" presetClass="entr" presetSubtype="0" fill="hold" grpId="0" nodeType="clickEffect">
+                                  <p:stCondLst>
+                                    <p:cond delay="0"/>
+                                  </p:stCondLst>
+                                  <p:childTnLst>
+                                    <p:set>
+                                      <p:cBhvr>
+                                        <p:cTn id="22" dur="1" fill="hold">
+                                          <p:stCondLst>
+                                            <p:cond delay="0"/>
+                                          </p:stCondLst>
+                                        </p:cTn>
+                                        <p:tgtEl>
+                                          <p:spTgt spid="2">
+                                            <p:txEl>
+                                              <p:pRg st="5" end="5"/>
+                                            </p:txEl>
+                                          </p:spTgt>
+                                        </p:tgtEl>
+                                        <p:attrNameLst>
+                                          <p:attrName>style.visibility</p:attrName>
+                                        </p:attrNameLst>
+                                      </p:cBhvr>
+                                      <p:to>
+                                        <p:strVal val="visible"/>
+                                      </p:to>
+                                    </p:set>
+                                  </p:childTnLst>
+                                </p:cTn>
+                              </p:par>
+                            </p:childTnLst>
+                          </p:cTn>
+                        </p:par>
+                      </p:childTnLst>
+                    </p:cTn>
+                  </p:par>
+                </p:childTnLst>
+              </p:cTn>
+              <p:prevCondLst>
+                <p:cond evt="onPrev" delay="0">
+                  <p:tgtEl>
+                    <p:sldTgt/>
+                  </p:tgtEl>
+                </p:cond>
+              </p:prevCondLst>
+              <p:nextCondLst>
+                <p:cond evt="onNext" delay="0">
+                  <p:tgtEl>
+                    <p:sldTgt/>
+                  </p:tgtEl>
+                </p:cond>
+              </p:nextCondLst>
+            </p:seq>
+          </p:childTnLst>
+        </p:cTn>
+      </p:par>
+    </p:tnLst>
+    <p:bldLst>
+      <p:bldP spid="2" grpId="0" uiExpand="1" build="p"/>
+    </p:bldLst>
+  </p:timing>
+</p:sld>
+</file>
+
+<file path=ppt/slides/slide14.xml><?xml version="1.0" encoding="utf-8"?>
 <p:sld xmlns:a="http://schemas.openxmlformats.org/drawingml/2006/main" xmlns:r="http://schemas.openxmlformats.org/officeDocument/2006/relationships" xmlns:p="http://schemas.openxmlformats.org/presentationml/2006/main">
   <p:cSld>
     <p:spTree>
@@ -5265,7 +7826,956 @@
 </p:sld>
 </file>
 
-<file path=ppt/slides/slide13.xml><?xml version="1.0" encoding="utf-8"?>
+<file path=ppt/slides/slide15.xml><?xml version="1.0" encoding="utf-8"?>
+<p:sld xmlns:a="http://schemas.openxmlformats.org/drawingml/2006/main" xmlns:r="http://schemas.openxmlformats.org/officeDocument/2006/relationships" xmlns:p="http://schemas.openxmlformats.org/presentationml/2006/main">
+  <p:cSld>
+    <p:spTree>
+      <p:nvGrpSpPr>
+        <p:cNvPr id="1" name="">
+          <a:extLst>
+            <a:ext uri="{FF2B5EF4-FFF2-40B4-BE49-F238E27FC236}">
+              <a16:creationId xmlns:a16="http://schemas.microsoft.com/office/drawing/2014/main" id="{D99080EB-98C0-B1B5-F837-1531D4BA9756}"/>
+            </a:ext>
+          </a:extLst>
+        </p:cNvPr>
+        <p:cNvGrpSpPr/>
+        <p:nvPr/>
+      </p:nvGrpSpPr>
+      <p:grpSpPr>
+        <a:xfrm>
+          <a:off x="0" y="0"/>
+          <a:ext cx="0" cy="0"/>
+          <a:chOff x="0" y="0"/>
+          <a:chExt cx="0" cy="0"/>
+        </a:xfrm>
+      </p:grpSpPr>
+      <p:sp>
+        <p:nvSpPr>
+          <p:cNvPr id="4" name="Title 6">
+            <a:extLst>
+              <a:ext uri="{FF2B5EF4-FFF2-40B4-BE49-F238E27FC236}">
+                <a16:creationId xmlns:a16="http://schemas.microsoft.com/office/drawing/2014/main" id="{E651F32B-3EDD-CBCA-DC82-804C8D5FC3AD}"/>
+              </a:ext>
+            </a:extLst>
+          </p:cNvPr>
+          <p:cNvSpPr txBox="1">
+            <a:spLocks/>
+          </p:cNvSpPr>
+          <p:nvPr/>
+        </p:nvSpPr>
+        <p:spPr>
+          <a:xfrm>
+            <a:off x="0" y="0"/>
+            <a:ext cx="11482251" cy="735162"/>
+          </a:xfrm>
+          <a:prstGeom prst="rect">
+            <a:avLst/>
+          </a:prstGeom>
+        </p:spPr>
+        <p:txBody>
+          <a:bodyPr vert="horz" lIns="91440" tIns="45720" rIns="91440" bIns="45720" rtlCol="0" anchor="ctr">
+            <a:normAutofit fontScale="97500"/>
+          </a:bodyPr>
+          <a:lstStyle>
+            <a:lvl1pPr algn="l" defTabSz="914400" rtl="0" eaLnBrk="1" latinLnBrk="0" hangingPunct="1">
+              <a:lnSpc>
+                <a:spcPct val="90000"/>
+              </a:lnSpc>
+              <a:spcBef>
+                <a:spcPct val="0"/>
+              </a:spcBef>
+              <a:buNone/>
+              <a:defRPr sz="4400" b="1" i="0" kern="1200">
+                <a:solidFill>
+                  <a:srgbClr val="E84A27"/>
+                </a:solidFill>
+                <a:latin typeface="Georgia" panose="02040502050405020303" pitchFamily="18" charset="0"/>
+                <a:ea typeface="+mj-ea"/>
+                <a:cs typeface="+mj-cs"/>
+              </a:defRPr>
+            </a:lvl1pPr>
+          </a:lstStyle>
+          <a:p>
+            <a:r>
+              <a:rPr lang="en-US" dirty="0">
+                <a:latin typeface="Calibri"/>
+                <a:cs typeface="Calibri"/>
+              </a:rPr>
+              <a:t>Summarizing Logic and Brain &amp; Cognitive Science</a:t>
+            </a:r>
+            <a:endParaRPr lang="en-US" dirty="0"/>
+          </a:p>
+        </p:txBody>
+      </p:sp>
+      <p:sp>
+        <p:nvSpPr>
+          <p:cNvPr id="2" name="TextBox 1">
+            <a:extLst>
+              <a:ext uri="{FF2B5EF4-FFF2-40B4-BE49-F238E27FC236}">
+                <a16:creationId xmlns:a16="http://schemas.microsoft.com/office/drawing/2014/main" id="{3DB27EB5-EB94-A644-ABC8-C5B27B594E11}"/>
+              </a:ext>
+            </a:extLst>
+          </p:cNvPr>
+          <p:cNvSpPr txBox="1"/>
+          <p:nvPr/>
+        </p:nvSpPr>
+        <p:spPr>
+          <a:xfrm>
+            <a:off x="2313410" y="1012954"/>
+            <a:ext cx="9639104" cy="4832092"/>
+          </a:xfrm>
+          <a:prstGeom prst="rect">
+            <a:avLst/>
+          </a:prstGeom>
+          <a:noFill/>
+        </p:spPr>
+        <p:txBody>
+          <a:bodyPr wrap="square" rtlCol="0">
+            <a:spAutoFit/>
+          </a:bodyPr>
+          <a:lstStyle/>
+          <a:p>
+            <a:r>
+              <a:rPr lang="en-US" sz="2800" b="1" dirty="0"/>
+              <a:t>Is the Human Mind “Naturally” Deductive</a:t>
+            </a:r>
+          </a:p>
+          <a:p>
+            <a:endParaRPr lang="en-US" sz="2800" b="1" dirty="0"/>
+          </a:p>
+          <a:p>
+            <a:r>
+              <a:rPr lang="en-US" sz="2800" b="1" dirty="0"/>
+              <a:t>Arguments in Favor:</a:t>
+            </a:r>
+          </a:p>
+          <a:p>
+            <a:pPr marL="457200" indent="-457200">
+              <a:buFont typeface="Arial" panose="020B0604020202020204" pitchFamily="34" charset="0"/>
+              <a:buChar char="•"/>
+            </a:pPr>
+            <a:r>
+              <a:rPr lang="en-US" sz="2800" dirty="0"/>
+              <a:t>People are capable of following deductive rules when trained (e.g., modus ponens tasks).</a:t>
+            </a:r>
+          </a:p>
+          <a:p>
+            <a:pPr marL="457200" indent="-457200">
+              <a:buFont typeface="Arial" panose="020B0604020202020204" pitchFamily="34" charset="0"/>
+              <a:buChar char="•"/>
+            </a:pPr>
+            <a:r>
+              <a:rPr lang="en-US" sz="2800" dirty="0"/>
+              <a:t>Some theories in psychology (e.g., “mental logic” models) argue that humans have an innate deductive competence.</a:t>
+            </a:r>
+          </a:p>
+          <a:p>
+            <a:pPr marL="457200" indent="-457200">
+              <a:buFont typeface="Arial" panose="020B0604020202020204" pitchFamily="34" charset="0"/>
+              <a:buChar char="•"/>
+            </a:pPr>
+            <a:r>
+              <a:rPr lang="en-US" sz="2800" dirty="0"/>
+              <a:t>Science, math, and technology show humans can reason abstractly and systematically.</a:t>
+            </a:r>
+          </a:p>
+          <a:p>
+            <a:pPr marL="457200" indent="-457200">
+              <a:buFont typeface="Arial" panose="020B0604020202020204" pitchFamily="34" charset="0"/>
+              <a:buChar char="•"/>
+            </a:pPr>
+            <a:r>
+              <a:rPr lang="en-US" sz="2800" dirty="0"/>
+              <a:t>There are some things we wouldn't be able to do without deductive capacities.</a:t>
+            </a:r>
+            <a:endParaRPr lang="en-US" sz="2400" dirty="0"/>
+          </a:p>
+        </p:txBody>
+      </p:sp>
+      <p:cxnSp>
+        <p:nvCxnSpPr>
+          <p:cNvPr id="10" name="Straight Arrow Connector 9">
+            <a:extLst>
+              <a:ext uri="{FF2B5EF4-FFF2-40B4-BE49-F238E27FC236}">
+                <a16:creationId xmlns:a16="http://schemas.microsoft.com/office/drawing/2014/main" id="{0B02DBEC-2E5B-23E1-3CEA-D42D85EF6EE5}"/>
+              </a:ext>
+            </a:extLst>
+          </p:cNvPr>
+          <p:cNvCxnSpPr>
+            <a:cxnSpLocks/>
+          </p:cNvCxnSpPr>
+          <p:nvPr/>
+        </p:nvCxnSpPr>
+        <p:spPr>
+          <a:xfrm flipV="1">
+            <a:off x="802662" y="3540020"/>
+            <a:ext cx="0" cy="1377777"/>
+          </a:xfrm>
+          <a:prstGeom prst="straightConnector1">
+            <a:avLst/>
+          </a:prstGeom>
+          <a:ln w="63500">
+            <a:tailEnd type="triangle"/>
+          </a:ln>
+        </p:spPr>
+        <p:style>
+          <a:lnRef idx="1">
+            <a:schemeClr val="accent1"/>
+          </a:lnRef>
+          <a:fillRef idx="0">
+            <a:schemeClr val="accent1"/>
+          </a:fillRef>
+          <a:effectRef idx="0">
+            <a:schemeClr val="accent1"/>
+          </a:effectRef>
+          <a:fontRef idx="minor">
+            <a:schemeClr val="tx1"/>
+          </a:fontRef>
+        </p:style>
+      </p:cxnSp>
+      <p:cxnSp>
+        <p:nvCxnSpPr>
+          <p:cNvPr id="14" name="Straight Arrow Connector 13">
+            <a:extLst>
+              <a:ext uri="{FF2B5EF4-FFF2-40B4-BE49-F238E27FC236}">
+                <a16:creationId xmlns:a16="http://schemas.microsoft.com/office/drawing/2014/main" id="{33B2BD1E-C461-5AD6-6910-AE93E72743F4}"/>
+              </a:ext>
+            </a:extLst>
+          </p:cNvPr>
+          <p:cNvCxnSpPr>
+            <a:cxnSpLocks/>
+          </p:cNvCxnSpPr>
+          <p:nvPr/>
+        </p:nvCxnSpPr>
+        <p:spPr>
+          <a:xfrm flipV="1">
+            <a:off x="1445392" y="3540020"/>
+            <a:ext cx="0" cy="1377777"/>
+          </a:xfrm>
+          <a:prstGeom prst="straightConnector1">
+            <a:avLst/>
+          </a:prstGeom>
+          <a:ln w="63500">
+            <a:tailEnd type="triangle"/>
+          </a:ln>
+        </p:spPr>
+        <p:style>
+          <a:lnRef idx="1">
+            <a:schemeClr val="accent1"/>
+          </a:lnRef>
+          <a:fillRef idx="0">
+            <a:schemeClr val="accent1"/>
+          </a:fillRef>
+          <a:effectRef idx="0">
+            <a:schemeClr val="accent1"/>
+          </a:effectRef>
+          <a:fontRef idx="minor">
+            <a:schemeClr val="tx1"/>
+          </a:fontRef>
+        </p:style>
+      </p:cxnSp>
+      <p:cxnSp>
+        <p:nvCxnSpPr>
+          <p:cNvPr id="15" name="Straight Arrow Connector 14">
+            <a:extLst>
+              <a:ext uri="{FF2B5EF4-FFF2-40B4-BE49-F238E27FC236}">
+                <a16:creationId xmlns:a16="http://schemas.microsoft.com/office/drawing/2014/main" id="{80C78D44-A3D0-A548-4DCC-54FF4B598E05}"/>
+              </a:ext>
+            </a:extLst>
+          </p:cNvPr>
+          <p:cNvCxnSpPr>
+            <a:cxnSpLocks/>
+          </p:cNvCxnSpPr>
+          <p:nvPr/>
+        </p:nvCxnSpPr>
+        <p:spPr>
+          <a:xfrm flipV="1">
+            <a:off x="1166192" y="1288133"/>
+            <a:ext cx="0" cy="1377777"/>
+          </a:xfrm>
+          <a:prstGeom prst="straightConnector1">
+            <a:avLst/>
+          </a:prstGeom>
+          <a:ln w="63500">
+            <a:tailEnd type="triangle"/>
+          </a:ln>
+        </p:spPr>
+        <p:style>
+          <a:lnRef idx="1">
+            <a:schemeClr val="accent1"/>
+          </a:lnRef>
+          <a:fillRef idx="0">
+            <a:schemeClr val="accent1"/>
+          </a:fillRef>
+          <a:effectRef idx="0">
+            <a:schemeClr val="accent1"/>
+          </a:effectRef>
+          <a:fontRef idx="minor">
+            <a:schemeClr val="tx1"/>
+          </a:fontRef>
+        </p:style>
+      </p:cxnSp>
+      <p:sp>
+        <p:nvSpPr>
+          <p:cNvPr id="7" name="Triangle 6">
+            <a:extLst>
+              <a:ext uri="{FF2B5EF4-FFF2-40B4-BE49-F238E27FC236}">
+                <a16:creationId xmlns:a16="http://schemas.microsoft.com/office/drawing/2014/main" id="{F5562DD2-2B5B-C47F-DF5D-16737AFCB36B}"/>
+              </a:ext>
+            </a:extLst>
+          </p:cNvPr>
+          <p:cNvSpPr/>
+          <p:nvPr/>
+        </p:nvSpPr>
+        <p:spPr>
+          <a:xfrm>
+            <a:off x="410818" y="2257872"/>
+            <a:ext cx="1510748" cy="1282148"/>
+          </a:xfrm>
+          <a:prstGeom prst="triangle">
+            <a:avLst/>
+          </a:prstGeom>
+        </p:spPr>
+        <p:style>
+          <a:lnRef idx="2">
+            <a:schemeClr val="accent1">
+              <a:shade val="50000"/>
+            </a:schemeClr>
+          </a:lnRef>
+          <a:fillRef idx="1">
+            <a:schemeClr val="accent1"/>
+          </a:fillRef>
+          <a:effectRef idx="0">
+            <a:schemeClr val="accent1"/>
+          </a:effectRef>
+          <a:fontRef idx="minor">
+            <a:schemeClr val="lt1"/>
+          </a:fontRef>
+        </p:style>
+        <p:txBody>
+          <a:bodyPr rtlCol="0" anchor="ctr"/>
+          <a:lstStyle/>
+          <a:p>
+            <a:pPr algn="ctr"/>
+            <a:endParaRPr lang="en-US" sz="3600" dirty="0">
+              <a:solidFill>
+                <a:schemeClr val="tx1"/>
+              </a:solidFill>
+            </a:endParaRPr>
+          </a:p>
+          <a:p>
+            <a:pPr algn="ctr"/>
+            <a:endParaRPr lang="en-US" sz="3200" dirty="0">
+              <a:solidFill>
+                <a:schemeClr val="tx1"/>
+              </a:solidFill>
+            </a:endParaRPr>
+          </a:p>
+        </p:txBody>
+      </p:sp>
+    </p:spTree>
+    <p:extLst>
+      <p:ext uri="{BB962C8B-B14F-4D97-AF65-F5344CB8AC3E}">
+        <p14:creationId xmlns:p14="http://schemas.microsoft.com/office/powerpoint/2010/main" val="2763637188"/>
+      </p:ext>
+    </p:extLst>
+  </p:cSld>
+  <p:clrMapOvr>
+    <a:masterClrMapping/>
+  </p:clrMapOvr>
+  <p:timing>
+    <p:tnLst>
+      <p:par>
+        <p:cTn id="1" dur="indefinite" restart="never" nodeType="tmRoot">
+          <p:childTnLst>
+            <p:seq concurrent="1" nextAc="seek">
+              <p:cTn id="2" dur="indefinite" nodeType="mainSeq">
+                <p:childTnLst>
+                  <p:par>
+                    <p:cTn id="3" fill="hold">
+                      <p:stCondLst>
+                        <p:cond delay="indefinite"/>
+                      </p:stCondLst>
+                      <p:childTnLst>
+                        <p:par>
+                          <p:cTn id="4" fill="hold">
+                            <p:stCondLst>
+                              <p:cond delay="0"/>
+                            </p:stCondLst>
+                            <p:childTnLst>
+                              <p:par>
+                                <p:cTn id="5" presetID="1" presetClass="entr" presetSubtype="0" fill="hold" grpId="0" nodeType="clickEffect">
+                                  <p:stCondLst>
+                                    <p:cond delay="0"/>
+                                  </p:stCondLst>
+                                  <p:childTnLst>
+                                    <p:set>
+                                      <p:cBhvr>
+                                        <p:cTn id="6" dur="1" fill="hold">
+                                          <p:stCondLst>
+                                            <p:cond delay="0"/>
+                                          </p:stCondLst>
+                                        </p:cTn>
+                                        <p:tgtEl>
+                                          <p:spTgt spid="2">
+                                            <p:txEl>
+                                              <p:pRg st="3" end="3"/>
+                                            </p:txEl>
+                                          </p:spTgt>
+                                        </p:tgtEl>
+                                        <p:attrNameLst>
+                                          <p:attrName>style.visibility</p:attrName>
+                                        </p:attrNameLst>
+                                      </p:cBhvr>
+                                      <p:to>
+                                        <p:strVal val="visible"/>
+                                      </p:to>
+                                    </p:set>
+                                  </p:childTnLst>
+                                </p:cTn>
+                              </p:par>
+                            </p:childTnLst>
+                          </p:cTn>
+                        </p:par>
+                      </p:childTnLst>
+                    </p:cTn>
+                  </p:par>
+                  <p:par>
+                    <p:cTn id="7" fill="hold">
+                      <p:stCondLst>
+                        <p:cond delay="indefinite"/>
+                      </p:stCondLst>
+                      <p:childTnLst>
+                        <p:par>
+                          <p:cTn id="8" fill="hold">
+                            <p:stCondLst>
+                              <p:cond delay="0"/>
+                            </p:stCondLst>
+                            <p:childTnLst>
+                              <p:par>
+                                <p:cTn id="9" presetID="1" presetClass="entr" presetSubtype="0" fill="hold" grpId="0" nodeType="clickEffect">
+                                  <p:stCondLst>
+                                    <p:cond delay="0"/>
+                                  </p:stCondLst>
+                                  <p:childTnLst>
+                                    <p:set>
+                                      <p:cBhvr>
+                                        <p:cTn id="10" dur="1" fill="hold">
+                                          <p:stCondLst>
+                                            <p:cond delay="0"/>
+                                          </p:stCondLst>
+                                        </p:cTn>
+                                        <p:tgtEl>
+                                          <p:spTgt spid="2">
+                                            <p:txEl>
+                                              <p:pRg st="4" end="4"/>
+                                            </p:txEl>
+                                          </p:spTgt>
+                                        </p:tgtEl>
+                                        <p:attrNameLst>
+                                          <p:attrName>style.visibility</p:attrName>
+                                        </p:attrNameLst>
+                                      </p:cBhvr>
+                                      <p:to>
+                                        <p:strVal val="visible"/>
+                                      </p:to>
+                                    </p:set>
+                                  </p:childTnLst>
+                                </p:cTn>
+                              </p:par>
+                            </p:childTnLst>
+                          </p:cTn>
+                        </p:par>
+                      </p:childTnLst>
+                    </p:cTn>
+                  </p:par>
+                  <p:par>
+                    <p:cTn id="11" fill="hold">
+                      <p:stCondLst>
+                        <p:cond delay="indefinite"/>
+                      </p:stCondLst>
+                      <p:childTnLst>
+                        <p:par>
+                          <p:cTn id="12" fill="hold">
+                            <p:stCondLst>
+                              <p:cond delay="0"/>
+                            </p:stCondLst>
+                            <p:childTnLst>
+                              <p:par>
+                                <p:cTn id="13" presetID="1" presetClass="entr" presetSubtype="0" fill="hold" grpId="0" nodeType="clickEffect">
+                                  <p:stCondLst>
+                                    <p:cond delay="0"/>
+                                  </p:stCondLst>
+                                  <p:childTnLst>
+                                    <p:set>
+                                      <p:cBhvr>
+                                        <p:cTn id="14" dur="1" fill="hold">
+                                          <p:stCondLst>
+                                            <p:cond delay="0"/>
+                                          </p:stCondLst>
+                                        </p:cTn>
+                                        <p:tgtEl>
+                                          <p:spTgt spid="2">
+                                            <p:txEl>
+                                              <p:pRg st="5" end="5"/>
+                                            </p:txEl>
+                                          </p:spTgt>
+                                        </p:tgtEl>
+                                        <p:attrNameLst>
+                                          <p:attrName>style.visibility</p:attrName>
+                                        </p:attrNameLst>
+                                      </p:cBhvr>
+                                      <p:to>
+                                        <p:strVal val="visible"/>
+                                      </p:to>
+                                    </p:set>
+                                  </p:childTnLst>
+                                </p:cTn>
+                              </p:par>
+                            </p:childTnLst>
+                          </p:cTn>
+                        </p:par>
+                      </p:childTnLst>
+                    </p:cTn>
+                  </p:par>
+                  <p:par>
+                    <p:cTn id="15" fill="hold">
+                      <p:stCondLst>
+                        <p:cond delay="indefinite"/>
+                      </p:stCondLst>
+                      <p:childTnLst>
+                        <p:par>
+                          <p:cTn id="16" fill="hold">
+                            <p:stCondLst>
+                              <p:cond delay="0"/>
+                            </p:stCondLst>
+                            <p:childTnLst>
+                              <p:par>
+                                <p:cTn id="17" presetID="1" presetClass="entr" presetSubtype="0" fill="hold" grpId="0" nodeType="clickEffect">
+                                  <p:stCondLst>
+                                    <p:cond delay="0"/>
+                                  </p:stCondLst>
+                                  <p:childTnLst>
+                                    <p:set>
+                                      <p:cBhvr>
+                                        <p:cTn id="18" dur="1" fill="hold">
+                                          <p:stCondLst>
+                                            <p:cond delay="0"/>
+                                          </p:stCondLst>
+                                        </p:cTn>
+                                        <p:tgtEl>
+                                          <p:spTgt spid="2">
+                                            <p:txEl>
+                                              <p:pRg st="6" end="6"/>
+                                            </p:txEl>
+                                          </p:spTgt>
+                                        </p:tgtEl>
+                                        <p:attrNameLst>
+                                          <p:attrName>style.visibility</p:attrName>
+                                        </p:attrNameLst>
+                                      </p:cBhvr>
+                                      <p:to>
+                                        <p:strVal val="visible"/>
+                                      </p:to>
+                                    </p:set>
+                                  </p:childTnLst>
+                                </p:cTn>
+                              </p:par>
+                            </p:childTnLst>
+                          </p:cTn>
+                        </p:par>
+                      </p:childTnLst>
+                    </p:cTn>
+                  </p:par>
+                </p:childTnLst>
+              </p:cTn>
+              <p:prevCondLst>
+                <p:cond evt="onPrev" delay="0">
+                  <p:tgtEl>
+                    <p:sldTgt/>
+                  </p:tgtEl>
+                </p:cond>
+              </p:prevCondLst>
+              <p:nextCondLst>
+                <p:cond evt="onNext" delay="0">
+                  <p:tgtEl>
+                    <p:sldTgt/>
+                  </p:tgtEl>
+                </p:cond>
+              </p:nextCondLst>
+            </p:seq>
+          </p:childTnLst>
+        </p:cTn>
+      </p:par>
+    </p:tnLst>
+    <p:bldLst>
+      <p:bldP spid="2" grpId="0" uiExpand="1" build="p"/>
+    </p:bldLst>
+  </p:timing>
+</p:sld>
+</file>
+
+<file path=ppt/slides/slide16.xml><?xml version="1.0" encoding="utf-8"?>
+<p:sld xmlns:a="http://schemas.openxmlformats.org/drawingml/2006/main" xmlns:r="http://schemas.openxmlformats.org/officeDocument/2006/relationships" xmlns:p="http://schemas.openxmlformats.org/presentationml/2006/main">
+  <p:cSld>
+    <p:spTree>
+      <p:nvGrpSpPr>
+        <p:cNvPr id="1" name="">
+          <a:extLst>
+            <a:ext uri="{FF2B5EF4-FFF2-40B4-BE49-F238E27FC236}">
+              <a16:creationId xmlns:a16="http://schemas.microsoft.com/office/drawing/2014/main" id="{C233C69D-D876-4F38-12F6-6EAB6D49A5AE}"/>
+            </a:ext>
+          </a:extLst>
+        </p:cNvPr>
+        <p:cNvGrpSpPr/>
+        <p:nvPr/>
+      </p:nvGrpSpPr>
+      <p:grpSpPr>
+        <a:xfrm>
+          <a:off x="0" y="0"/>
+          <a:ext cx="0" cy="0"/>
+          <a:chOff x="0" y="0"/>
+          <a:chExt cx="0" cy="0"/>
+        </a:xfrm>
+      </p:grpSpPr>
+      <p:sp>
+        <p:nvSpPr>
+          <p:cNvPr id="4" name="Title 6">
+            <a:extLst>
+              <a:ext uri="{FF2B5EF4-FFF2-40B4-BE49-F238E27FC236}">
+                <a16:creationId xmlns:a16="http://schemas.microsoft.com/office/drawing/2014/main" id="{F0BE6B05-678A-DAC7-4634-9A1C4092E2E6}"/>
+              </a:ext>
+            </a:extLst>
+          </p:cNvPr>
+          <p:cNvSpPr txBox="1">
+            <a:spLocks/>
+          </p:cNvSpPr>
+          <p:nvPr/>
+        </p:nvSpPr>
+        <p:spPr>
+          <a:xfrm>
+            <a:off x="0" y="0"/>
+            <a:ext cx="11482251" cy="735162"/>
+          </a:xfrm>
+          <a:prstGeom prst="rect">
+            <a:avLst/>
+          </a:prstGeom>
+        </p:spPr>
+        <p:txBody>
+          <a:bodyPr vert="horz" lIns="91440" tIns="45720" rIns="91440" bIns="45720" rtlCol="0" anchor="ctr">
+            <a:normAutofit fontScale="97500"/>
+          </a:bodyPr>
+          <a:lstStyle>
+            <a:lvl1pPr algn="l" defTabSz="914400" rtl="0" eaLnBrk="1" latinLnBrk="0" hangingPunct="1">
+              <a:lnSpc>
+                <a:spcPct val="90000"/>
+              </a:lnSpc>
+              <a:spcBef>
+                <a:spcPct val="0"/>
+              </a:spcBef>
+              <a:buNone/>
+              <a:defRPr sz="4400" b="1" i="0" kern="1200">
+                <a:solidFill>
+                  <a:srgbClr val="E84A27"/>
+                </a:solidFill>
+                <a:latin typeface="Georgia" panose="02040502050405020303" pitchFamily="18" charset="0"/>
+                <a:ea typeface="+mj-ea"/>
+                <a:cs typeface="+mj-cs"/>
+              </a:defRPr>
+            </a:lvl1pPr>
+          </a:lstStyle>
+          <a:p>
+            <a:r>
+              <a:rPr lang="en-US" dirty="0">
+                <a:latin typeface="Calibri"/>
+                <a:cs typeface="Calibri"/>
+              </a:rPr>
+              <a:t>Summarizing Logic and Brain &amp; Cognitive Science</a:t>
+            </a:r>
+            <a:endParaRPr lang="en-US" dirty="0"/>
+          </a:p>
+        </p:txBody>
+      </p:sp>
+      <p:sp>
+        <p:nvSpPr>
+          <p:cNvPr id="2" name="TextBox 1">
+            <a:extLst>
+              <a:ext uri="{FF2B5EF4-FFF2-40B4-BE49-F238E27FC236}">
+                <a16:creationId xmlns:a16="http://schemas.microsoft.com/office/drawing/2014/main" id="{95F70AA5-7725-16A8-F7DC-E9EB819B6CA3}"/>
+              </a:ext>
+            </a:extLst>
+          </p:cNvPr>
+          <p:cNvSpPr txBox="1"/>
+          <p:nvPr/>
+        </p:nvSpPr>
+        <p:spPr>
+          <a:xfrm>
+            <a:off x="2313410" y="1012954"/>
+            <a:ext cx="9601480" cy="3970318"/>
+          </a:xfrm>
+          <a:prstGeom prst="rect">
+            <a:avLst/>
+          </a:prstGeom>
+          <a:noFill/>
+        </p:spPr>
+        <p:txBody>
+          <a:bodyPr wrap="square" rtlCol="0">
+            <a:spAutoFit/>
+          </a:bodyPr>
+          <a:lstStyle/>
+          <a:p>
+            <a:r>
+              <a:rPr lang="en-US" sz="2800" b="1" dirty="0"/>
+              <a:t>Is the Human Mind “Naturally” Deductive</a:t>
+            </a:r>
+          </a:p>
+          <a:p>
+            <a:endParaRPr lang="en-US" sz="2800" b="1" dirty="0"/>
+          </a:p>
+          <a:p>
+            <a:r>
+              <a:rPr lang="en-US" sz="2800" b="1" dirty="0"/>
+              <a:t>Arguments Against:</a:t>
+            </a:r>
+          </a:p>
+          <a:p>
+            <a:pPr marL="457200" indent="-457200">
+              <a:buFont typeface="Arial" panose="020B0604020202020204" pitchFamily="34" charset="0"/>
+              <a:buChar char="•"/>
+            </a:pPr>
+            <a:r>
+              <a:rPr lang="en-US" sz="2800" dirty="0"/>
+              <a:t>Everyday reasoning often departs from strict logic </a:t>
+            </a:r>
+          </a:p>
+          <a:p>
+            <a:pPr marL="457200" indent="-457200">
+              <a:buFont typeface="Arial" panose="020B0604020202020204" pitchFamily="34" charset="0"/>
+              <a:buChar char="•"/>
+            </a:pPr>
+            <a:r>
+              <a:rPr lang="en-US" sz="2800" dirty="0"/>
+              <a:t>People use heuristics and probabilistic reasoning instead of deduction</a:t>
+            </a:r>
+          </a:p>
+          <a:p>
+            <a:pPr marL="457200" indent="-457200">
+              <a:buFont typeface="Arial" panose="020B0604020202020204" pitchFamily="34" charset="0"/>
+              <a:buChar char="•"/>
+            </a:pPr>
+            <a:r>
+              <a:rPr lang="en-US" sz="2800" dirty="0"/>
+              <a:t>“Bounded rationality”: cognitive limitations lead to shortcuts.</a:t>
+            </a:r>
+          </a:p>
+          <a:p>
+            <a:pPr marL="457200" indent="-457200">
+              <a:buFont typeface="Arial" panose="020B0604020202020204" pitchFamily="34" charset="0"/>
+              <a:buChar char="•"/>
+            </a:pPr>
+            <a:r>
+              <a:rPr lang="en-US" sz="2800" dirty="0"/>
+              <a:t>Cultural and contextual variation shows reasoning is not purely formal but embedded in practice.</a:t>
+            </a:r>
+            <a:endParaRPr lang="en-US" sz="2400" dirty="0"/>
+          </a:p>
+        </p:txBody>
+      </p:sp>
+      <p:cxnSp>
+        <p:nvCxnSpPr>
+          <p:cNvPr id="10" name="Straight Arrow Connector 9">
+            <a:extLst>
+              <a:ext uri="{FF2B5EF4-FFF2-40B4-BE49-F238E27FC236}">
+                <a16:creationId xmlns:a16="http://schemas.microsoft.com/office/drawing/2014/main" id="{B97C3AD3-7B5E-FB21-310B-2812D9CDE9A2}"/>
+              </a:ext>
+            </a:extLst>
+          </p:cNvPr>
+          <p:cNvCxnSpPr>
+            <a:cxnSpLocks/>
+          </p:cNvCxnSpPr>
+          <p:nvPr/>
+        </p:nvCxnSpPr>
+        <p:spPr>
+          <a:xfrm flipV="1">
+            <a:off x="802662" y="3540020"/>
+            <a:ext cx="0" cy="1377777"/>
+          </a:xfrm>
+          <a:prstGeom prst="straightConnector1">
+            <a:avLst/>
+          </a:prstGeom>
+          <a:ln w="63500">
+            <a:tailEnd type="triangle"/>
+          </a:ln>
+        </p:spPr>
+        <p:style>
+          <a:lnRef idx="1">
+            <a:schemeClr val="accent1"/>
+          </a:lnRef>
+          <a:fillRef idx="0">
+            <a:schemeClr val="accent1"/>
+          </a:fillRef>
+          <a:effectRef idx="0">
+            <a:schemeClr val="accent1"/>
+          </a:effectRef>
+          <a:fontRef idx="minor">
+            <a:schemeClr val="tx1"/>
+          </a:fontRef>
+        </p:style>
+      </p:cxnSp>
+      <p:cxnSp>
+        <p:nvCxnSpPr>
+          <p:cNvPr id="14" name="Straight Arrow Connector 13">
+            <a:extLst>
+              <a:ext uri="{FF2B5EF4-FFF2-40B4-BE49-F238E27FC236}">
+                <a16:creationId xmlns:a16="http://schemas.microsoft.com/office/drawing/2014/main" id="{038B39EA-2320-CD7F-36B0-E0EFCF9BA20B}"/>
+              </a:ext>
+            </a:extLst>
+          </p:cNvPr>
+          <p:cNvCxnSpPr>
+            <a:cxnSpLocks/>
+          </p:cNvCxnSpPr>
+          <p:nvPr/>
+        </p:nvCxnSpPr>
+        <p:spPr>
+          <a:xfrm flipV="1">
+            <a:off x="1445392" y="3540020"/>
+            <a:ext cx="0" cy="1377777"/>
+          </a:xfrm>
+          <a:prstGeom prst="straightConnector1">
+            <a:avLst/>
+          </a:prstGeom>
+          <a:ln w="63500">
+            <a:tailEnd type="triangle"/>
+          </a:ln>
+        </p:spPr>
+        <p:style>
+          <a:lnRef idx="1">
+            <a:schemeClr val="accent1"/>
+          </a:lnRef>
+          <a:fillRef idx="0">
+            <a:schemeClr val="accent1"/>
+          </a:fillRef>
+          <a:effectRef idx="0">
+            <a:schemeClr val="accent1"/>
+          </a:effectRef>
+          <a:fontRef idx="minor">
+            <a:schemeClr val="tx1"/>
+          </a:fontRef>
+        </p:style>
+      </p:cxnSp>
+      <p:cxnSp>
+        <p:nvCxnSpPr>
+          <p:cNvPr id="15" name="Straight Arrow Connector 14">
+            <a:extLst>
+              <a:ext uri="{FF2B5EF4-FFF2-40B4-BE49-F238E27FC236}">
+                <a16:creationId xmlns:a16="http://schemas.microsoft.com/office/drawing/2014/main" id="{129030F5-E8A1-5F0D-BD13-013F265478DC}"/>
+              </a:ext>
+            </a:extLst>
+          </p:cNvPr>
+          <p:cNvCxnSpPr>
+            <a:cxnSpLocks/>
+          </p:cNvCxnSpPr>
+          <p:nvPr/>
+        </p:nvCxnSpPr>
+        <p:spPr>
+          <a:xfrm flipV="1">
+            <a:off x="1166192" y="1288133"/>
+            <a:ext cx="0" cy="1377777"/>
+          </a:xfrm>
+          <a:prstGeom prst="straightConnector1">
+            <a:avLst/>
+          </a:prstGeom>
+          <a:ln w="63500">
+            <a:tailEnd type="triangle"/>
+          </a:ln>
+        </p:spPr>
+        <p:style>
+          <a:lnRef idx="1">
+            <a:schemeClr val="accent1"/>
+          </a:lnRef>
+          <a:fillRef idx="0">
+            <a:schemeClr val="accent1"/>
+          </a:fillRef>
+          <a:effectRef idx="0">
+            <a:schemeClr val="accent1"/>
+          </a:effectRef>
+          <a:fontRef idx="minor">
+            <a:schemeClr val="tx1"/>
+          </a:fontRef>
+        </p:style>
+      </p:cxnSp>
+      <p:sp>
+        <p:nvSpPr>
+          <p:cNvPr id="7" name="Triangle 6">
+            <a:extLst>
+              <a:ext uri="{FF2B5EF4-FFF2-40B4-BE49-F238E27FC236}">
+                <a16:creationId xmlns:a16="http://schemas.microsoft.com/office/drawing/2014/main" id="{870695A7-DEB8-5AD8-DDFF-CD99AA017895}"/>
+              </a:ext>
+            </a:extLst>
+          </p:cNvPr>
+          <p:cNvSpPr/>
+          <p:nvPr/>
+        </p:nvSpPr>
+        <p:spPr>
+          <a:xfrm>
+            <a:off x="410818" y="2257872"/>
+            <a:ext cx="1510748" cy="1282148"/>
+          </a:xfrm>
+          <a:prstGeom prst="triangle">
+            <a:avLst/>
+          </a:prstGeom>
+        </p:spPr>
+        <p:style>
+          <a:lnRef idx="2">
+            <a:schemeClr val="accent1">
+              <a:shade val="50000"/>
+            </a:schemeClr>
+          </a:lnRef>
+          <a:fillRef idx="1">
+            <a:schemeClr val="accent1"/>
+          </a:fillRef>
+          <a:effectRef idx="0">
+            <a:schemeClr val="accent1"/>
+          </a:effectRef>
+          <a:fontRef idx="minor">
+            <a:schemeClr val="lt1"/>
+          </a:fontRef>
+        </p:style>
+        <p:txBody>
+          <a:bodyPr rtlCol="0" anchor="ctr"/>
+          <a:lstStyle/>
+          <a:p>
+            <a:pPr algn="ctr"/>
+            <a:endParaRPr lang="en-US" sz="3600" dirty="0">
+              <a:solidFill>
+                <a:schemeClr val="tx1"/>
+              </a:solidFill>
+            </a:endParaRPr>
+          </a:p>
+          <a:p>
+            <a:pPr algn="ctr"/>
+            <a:endParaRPr lang="en-US" sz="3200" dirty="0">
+              <a:solidFill>
+                <a:schemeClr val="tx1"/>
+              </a:solidFill>
+            </a:endParaRPr>
+          </a:p>
+        </p:txBody>
+      </p:sp>
+    </p:spTree>
+    <p:extLst>
+      <p:ext uri="{BB962C8B-B14F-4D97-AF65-F5344CB8AC3E}">
+        <p14:creationId xmlns:p14="http://schemas.microsoft.com/office/powerpoint/2010/main" val="956371023"/>
+      </p:ext>
+    </p:extLst>
+  </p:cSld>
+  <p:clrMapOvr>
+    <a:masterClrMapping/>
+  </p:clrMapOvr>
+</p:sld>
+</file>
+
+<file path=ppt/slides/slide17.xml><?xml version="1.0" encoding="utf-8"?>
 <p:sld xmlns:a="http://schemas.openxmlformats.org/drawingml/2006/main" xmlns:r="http://schemas.openxmlformats.org/officeDocument/2006/relationships" xmlns:p="http://schemas.openxmlformats.org/presentationml/2006/main">
   <p:cSld>
     <p:spTree>
@@ -5994,7 +9504,7 @@
         <p:spPr>
           <a:xfrm>
             <a:off x="2142078" y="957750"/>
-            <a:ext cx="9639104" cy="4893647"/>
+            <a:ext cx="9639104" cy="2308324"/>
           </a:xfrm>
           <a:prstGeom prst="rect">
             <a:avLst/>
@@ -6009,7 +9519,7 @@
           <a:p>
             <a:r>
               <a:rPr lang="en-US" sz="2400" dirty="0"/>
-              <a:t>We’ve used truth tables to check whether an argument is valid.</a:t>
+              <a:t>Reading Check 3-3</a:t>
             </a:r>
           </a:p>
           <a:p>
@@ -6018,7 +9528,7 @@
           <a:p>
             <a:r>
               <a:rPr lang="en-US" sz="2400" dirty="0"/>
-              <a:t>But truth tables can also tell us something about single statements or sets of statements themselves — how they behave across all possible situations.</a:t>
+              <a:t>Password: logic</a:t>
             </a:r>
           </a:p>
           <a:p>
@@ -6027,70 +9537,15 @@
           <a:p>
             <a:r>
               <a:rPr lang="en-US" sz="2400" dirty="0"/>
-              <a:t>The following things we’ll look at ask questions like:</a:t>
+              <a:t>Why does it make sense from the perspective of formal logic that P</a:t>
             </a:r>
-          </a:p>
-          <a:p>
-            <a:pPr marL="342900" indent="-342900">
-              <a:buFont typeface="Arial" panose="020B0604020202020204" pitchFamily="34" charset="0"/>
-              <a:buChar char="•"/>
-            </a:pPr>
             <a:r>
-              <a:rPr lang="en-US" sz="2400" i="1" dirty="0"/>
-              <a:t>Does this formula (or set of formulas) ever come out true?</a:t>
+              <a:rPr lang="en-US" sz="2400" dirty="0">
+                <a:sym typeface="Wingdings" pitchFamily="2" charset="2"/>
+              </a:rPr>
+              <a:t>Q is true anytime P is false?</a:t>
             </a:r>
             <a:endParaRPr lang="en-US" sz="2400" dirty="0"/>
-          </a:p>
-          <a:p>
-            <a:pPr marL="342900" indent="-342900">
-              <a:buFont typeface="Arial" panose="020B0604020202020204" pitchFamily="34" charset="0"/>
-              <a:buChar char="•"/>
-            </a:pPr>
-            <a:r>
-              <a:rPr lang="en-US" sz="2400" i="1" dirty="0"/>
-              <a:t>Does it always? </a:t>
-            </a:r>
-          </a:p>
-          <a:p>
-            <a:pPr marL="342900" indent="-342900">
-              <a:buFont typeface="Arial" panose="020B0604020202020204" pitchFamily="34" charset="0"/>
-              <a:buChar char="•"/>
-            </a:pPr>
-            <a:r>
-              <a:rPr lang="en-US" sz="2400" i="1" dirty="0"/>
-              <a:t>Never? </a:t>
-            </a:r>
-          </a:p>
-          <a:p>
-            <a:pPr marL="342900" indent="-342900">
-              <a:buFont typeface="Arial" panose="020B0604020202020204" pitchFamily="34" charset="0"/>
-              <a:buChar char="•"/>
-            </a:pPr>
-            <a:r>
-              <a:rPr lang="en-US" sz="2400" i="1" dirty="0"/>
-              <a:t>Sometimes?</a:t>
-            </a:r>
-          </a:p>
-          <a:p>
-            <a:pPr marL="342900" indent="-342900">
-              <a:buFont typeface="Arial" panose="020B0604020202020204" pitchFamily="34" charset="0"/>
-              <a:buChar char="•"/>
-            </a:pPr>
-            <a:endParaRPr lang="en-US" sz="2400" dirty="0"/>
-          </a:p>
-          <a:p>
-            <a:r>
-              <a:rPr lang="en-US" sz="2400" dirty="0"/>
-              <a:t>In other words, they’re about the </a:t>
-            </a:r>
-            <a:r>
-              <a:rPr lang="en-US" sz="2400" b="1" dirty="0"/>
-              <a:t>overall pattern</a:t>
-            </a:r>
-            <a:r>
-              <a:rPr lang="en-US" sz="2400" dirty="0"/>
-              <a:t> of truth values across the table, not just one critical row.</a:t>
-            </a:r>
           </a:p>
         </p:txBody>
       </p:sp>
@@ -6279,6 +9734,576 @@
     <p:extLst>
       <p:ext uri="{BB962C8B-B14F-4D97-AF65-F5344CB8AC3E}">
         <p14:creationId xmlns:p14="http://schemas.microsoft.com/office/powerpoint/2010/main" val="2106001220"/>
+      </p:ext>
+    </p:extLst>
+  </p:cSld>
+  <p:clrMapOvr>
+    <a:masterClrMapping/>
+  </p:clrMapOvr>
+  <p:timing>
+    <p:tnLst>
+      <p:par>
+        <p:cTn id="1" dur="indefinite" restart="never" nodeType="tmRoot">
+          <p:childTnLst>
+            <p:seq concurrent="1" nextAc="seek">
+              <p:cTn id="2" dur="indefinite" nodeType="mainSeq">
+                <p:childTnLst>
+                  <p:par>
+                    <p:cTn id="3" fill="hold">
+                      <p:stCondLst>
+                        <p:cond delay="indefinite"/>
+                      </p:stCondLst>
+                      <p:childTnLst>
+                        <p:par>
+                          <p:cTn id="4" fill="hold">
+                            <p:stCondLst>
+                              <p:cond delay="0"/>
+                            </p:stCondLst>
+                            <p:childTnLst>
+                              <p:par>
+                                <p:cTn id="5" presetID="1" presetClass="entr" presetSubtype="0" fill="hold" grpId="0" nodeType="clickEffect">
+                                  <p:stCondLst>
+                                    <p:cond delay="0"/>
+                                  </p:stCondLst>
+                                  <p:childTnLst>
+                                    <p:set>
+                                      <p:cBhvr>
+                                        <p:cTn id="6" dur="1" fill="hold">
+                                          <p:stCondLst>
+                                            <p:cond delay="0"/>
+                                          </p:stCondLst>
+                                        </p:cTn>
+                                        <p:tgtEl>
+                                          <p:spTgt spid="2">
+                                            <p:txEl>
+                                              <p:pRg st="0" end="0"/>
+                                            </p:txEl>
+                                          </p:spTgt>
+                                        </p:tgtEl>
+                                        <p:attrNameLst>
+                                          <p:attrName>style.visibility</p:attrName>
+                                        </p:attrNameLst>
+                                      </p:cBhvr>
+                                      <p:to>
+                                        <p:strVal val="visible"/>
+                                      </p:to>
+                                    </p:set>
+                                  </p:childTnLst>
+                                </p:cTn>
+                              </p:par>
+                            </p:childTnLst>
+                          </p:cTn>
+                        </p:par>
+                      </p:childTnLst>
+                    </p:cTn>
+                  </p:par>
+                  <p:par>
+                    <p:cTn id="7" fill="hold">
+                      <p:stCondLst>
+                        <p:cond delay="indefinite"/>
+                      </p:stCondLst>
+                      <p:childTnLst>
+                        <p:par>
+                          <p:cTn id="8" fill="hold">
+                            <p:stCondLst>
+                              <p:cond delay="0"/>
+                            </p:stCondLst>
+                            <p:childTnLst>
+                              <p:par>
+                                <p:cTn id="9" presetID="1" presetClass="entr" presetSubtype="0" fill="hold" grpId="0" nodeType="clickEffect">
+                                  <p:stCondLst>
+                                    <p:cond delay="0"/>
+                                  </p:stCondLst>
+                                  <p:childTnLst>
+                                    <p:set>
+                                      <p:cBhvr>
+                                        <p:cTn id="10" dur="1" fill="hold">
+                                          <p:stCondLst>
+                                            <p:cond delay="0"/>
+                                          </p:stCondLst>
+                                        </p:cTn>
+                                        <p:tgtEl>
+                                          <p:spTgt spid="2">
+                                            <p:txEl>
+                                              <p:pRg st="2" end="2"/>
+                                            </p:txEl>
+                                          </p:spTgt>
+                                        </p:tgtEl>
+                                        <p:attrNameLst>
+                                          <p:attrName>style.visibility</p:attrName>
+                                        </p:attrNameLst>
+                                      </p:cBhvr>
+                                      <p:to>
+                                        <p:strVal val="visible"/>
+                                      </p:to>
+                                    </p:set>
+                                  </p:childTnLst>
+                                </p:cTn>
+                              </p:par>
+                            </p:childTnLst>
+                          </p:cTn>
+                        </p:par>
+                      </p:childTnLst>
+                    </p:cTn>
+                  </p:par>
+                  <p:par>
+                    <p:cTn id="11" fill="hold">
+                      <p:stCondLst>
+                        <p:cond delay="indefinite"/>
+                      </p:stCondLst>
+                      <p:childTnLst>
+                        <p:par>
+                          <p:cTn id="12" fill="hold">
+                            <p:stCondLst>
+                              <p:cond delay="0"/>
+                            </p:stCondLst>
+                            <p:childTnLst>
+                              <p:par>
+                                <p:cTn id="13" presetID="1" presetClass="entr" presetSubtype="0" fill="hold" grpId="0" nodeType="clickEffect">
+                                  <p:stCondLst>
+                                    <p:cond delay="0"/>
+                                  </p:stCondLst>
+                                  <p:childTnLst>
+                                    <p:set>
+                                      <p:cBhvr>
+                                        <p:cTn id="14" dur="1" fill="hold">
+                                          <p:stCondLst>
+                                            <p:cond delay="0"/>
+                                          </p:stCondLst>
+                                        </p:cTn>
+                                        <p:tgtEl>
+                                          <p:spTgt spid="2">
+                                            <p:txEl>
+                                              <p:pRg st="4" end="4"/>
+                                            </p:txEl>
+                                          </p:spTgt>
+                                        </p:tgtEl>
+                                        <p:attrNameLst>
+                                          <p:attrName>style.visibility</p:attrName>
+                                        </p:attrNameLst>
+                                      </p:cBhvr>
+                                      <p:to>
+                                        <p:strVal val="visible"/>
+                                      </p:to>
+                                    </p:set>
+                                  </p:childTnLst>
+                                </p:cTn>
+                              </p:par>
+                            </p:childTnLst>
+                          </p:cTn>
+                        </p:par>
+                      </p:childTnLst>
+                    </p:cTn>
+                  </p:par>
+                </p:childTnLst>
+              </p:cTn>
+              <p:prevCondLst>
+                <p:cond evt="onPrev" delay="0">
+                  <p:tgtEl>
+                    <p:sldTgt/>
+                  </p:tgtEl>
+                </p:cond>
+              </p:prevCondLst>
+              <p:nextCondLst>
+                <p:cond evt="onNext" delay="0">
+                  <p:tgtEl>
+                    <p:sldTgt/>
+                  </p:tgtEl>
+                </p:cond>
+              </p:nextCondLst>
+            </p:seq>
+          </p:childTnLst>
+        </p:cTn>
+      </p:par>
+    </p:tnLst>
+    <p:bldLst>
+      <p:bldP spid="2" grpId="0" build="p"/>
+    </p:bldLst>
+  </p:timing>
+</p:sld>
+</file>
+
+<file path=ppt/slides/slide3.xml><?xml version="1.0" encoding="utf-8"?>
+<p:sld xmlns:a="http://schemas.openxmlformats.org/drawingml/2006/main" xmlns:r="http://schemas.openxmlformats.org/officeDocument/2006/relationships" xmlns:p="http://schemas.openxmlformats.org/presentationml/2006/main">
+  <p:cSld>
+    <p:spTree>
+      <p:nvGrpSpPr>
+        <p:cNvPr id="1" name="">
+          <a:extLst>
+            <a:ext uri="{FF2B5EF4-FFF2-40B4-BE49-F238E27FC236}">
+              <a16:creationId xmlns:a16="http://schemas.microsoft.com/office/drawing/2014/main" id="{C739E12A-B78D-6B95-333A-B82D9B6896FD}"/>
+            </a:ext>
+          </a:extLst>
+        </p:cNvPr>
+        <p:cNvGrpSpPr/>
+        <p:nvPr/>
+      </p:nvGrpSpPr>
+      <p:grpSpPr>
+        <a:xfrm>
+          <a:off x="0" y="0"/>
+          <a:ext cx="0" cy="0"/>
+          <a:chOff x="0" y="0"/>
+          <a:chExt cx="0" cy="0"/>
+        </a:xfrm>
+      </p:grpSpPr>
+      <p:sp>
+        <p:nvSpPr>
+          <p:cNvPr id="4" name="Title 6">
+            <a:extLst>
+              <a:ext uri="{FF2B5EF4-FFF2-40B4-BE49-F238E27FC236}">
+                <a16:creationId xmlns:a16="http://schemas.microsoft.com/office/drawing/2014/main" id="{23FADD81-CFAF-D38B-ED35-9E4C53FA0585}"/>
+              </a:ext>
+            </a:extLst>
+          </p:cNvPr>
+          <p:cNvSpPr txBox="1">
+            <a:spLocks/>
+          </p:cNvSpPr>
+          <p:nvPr/>
+        </p:nvSpPr>
+        <p:spPr>
+          <a:xfrm>
+            <a:off x="0" y="0"/>
+            <a:ext cx="11482251" cy="735162"/>
+          </a:xfrm>
+          <a:prstGeom prst="rect">
+            <a:avLst/>
+          </a:prstGeom>
+        </p:spPr>
+        <p:txBody>
+          <a:bodyPr vert="horz" lIns="91440" tIns="45720" rIns="91440" bIns="45720" rtlCol="0" anchor="ctr">
+            <a:normAutofit fontScale="97500"/>
+          </a:bodyPr>
+          <a:lstStyle>
+            <a:lvl1pPr algn="l" defTabSz="914400" rtl="0" eaLnBrk="1" latinLnBrk="0" hangingPunct="1">
+              <a:lnSpc>
+                <a:spcPct val="90000"/>
+              </a:lnSpc>
+              <a:spcBef>
+                <a:spcPct val="0"/>
+              </a:spcBef>
+              <a:buNone/>
+              <a:defRPr sz="4400" b="1" i="0" kern="1200">
+                <a:solidFill>
+                  <a:srgbClr val="E84A27"/>
+                </a:solidFill>
+                <a:latin typeface="Georgia" panose="02040502050405020303" pitchFamily="18" charset="0"/>
+                <a:ea typeface="+mj-ea"/>
+                <a:cs typeface="+mj-cs"/>
+              </a:defRPr>
+            </a:lvl1pPr>
+          </a:lstStyle>
+          <a:p>
+            <a:r>
+              <a:rPr lang="en-US" dirty="0">
+                <a:latin typeface="Calibri"/>
+                <a:cs typeface="Calibri"/>
+              </a:rPr>
+              <a:t>Evaluating Logical Structure</a:t>
+            </a:r>
+            <a:endParaRPr lang="en-US" dirty="0"/>
+          </a:p>
+        </p:txBody>
+      </p:sp>
+      <p:sp>
+        <p:nvSpPr>
+          <p:cNvPr id="2" name="TextBox 1">
+            <a:extLst>
+              <a:ext uri="{FF2B5EF4-FFF2-40B4-BE49-F238E27FC236}">
+                <a16:creationId xmlns:a16="http://schemas.microsoft.com/office/drawing/2014/main" id="{A0C72FAB-C31A-5951-D1B5-BE1B506BF041}"/>
+              </a:ext>
+            </a:extLst>
+          </p:cNvPr>
+          <p:cNvSpPr txBox="1"/>
+          <p:nvPr/>
+        </p:nvSpPr>
+        <p:spPr>
+          <a:xfrm>
+            <a:off x="2142078" y="957750"/>
+            <a:ext cx="9639104" cy="4893647"/>
+          </a:xfrm>
+          <a:prstGeom prst="rect">
+            <a:avLst/>
+          </a:prstGeom>
+          <a:noFill/>
+        </p:spPr>
+        <p:txBody>
+          <a:bodyPr wrap="square" rtlCol="0">
+            <a:spAutoFit/>
+          </a:bodyPr>
+          <a:lstStyle/>
+          <a:p>
+            <a:r>
+              <a:rPr lang="en-US" sz="2400" dirty="0"/>
+              <a:t>We’ve used truth tables to check whether an argument is valid.</a:t>
+            </a:r>
+          </a:p>
+          <a:p>
+            <a:endParaRPr lang="en-US" sz="2400" dirty="0"/>
+          </a:p>
+          <a:p>
+            <a:r>
+              <a:rPr lang="en-US" sz="2400" dirty="0"/>
+              <a:t>But truth tables can also tell us something about single statements or sets of statements themselves — how they behave across all possible situations.</a:t>
+            </a:r>
+          </a:p>
+          <a:p>
+            <a:endParaRPr lang="en-US" sz="2400" dirty="0"/>
+          </a:p>
+          <a:p>
+            <a:r>
+              <a:rPr lang="en-US" sz="2400" dirty="0"/>
+              <a:t>The following things we’ll look at ask questions like:</a:t>
+            </a:r>
+          </a:p>
+          <a:p>
+            <a:pPr marL="342900" indent="-342900">
+              <a:buFont typeface="Arial" panose="020B0604020202020204" pitchFamily="34" charset="0"/>
+              <a:buChar char="•"/>
+            </a:pPr>
+            <a:r>
+              <a:rPr lang="en-US" sz="2400" i="1" dirty="0"/>
+              <a:t>Does this formula (or set of formulas) ever come out true?</a:t>
+            </a:r>
+            <a:endParaRPr lang="en-US" sz="2400" dirty="0"/>
+          </a:p>
+          <a:p>
+            <a:pPr marL="342900" indent="-342900">
+              <a:buFont typeface="Arial" panose="020B0604020202020204" pitchFamily="34" charset="0"/>
+              <a:buChar char="•"/>
+            </a:pPr>
+            <a:r>
+              <a:rPr lang="en-US" sz="2400" i="1" dirty="0"/>
+              <a:t>Does it always? </a:t>
+            </a:r>
+          </a:p>
+          <a:p>
+            <a:pPr marL="342900" indent="-342900">
+              <a:buFont typeface="Arial" panose="020B0604020202020204" pitchFamily="34" charset="0"/>
+              <a:buChar char="•"/>
+            </a:pPr>
+            <a:r>
+              <a:rPr lang="en-US" sz="2400" i="1" dirty="0"/>
+              <a:t>Never? </a:t>
+            </a:r>
+          </a:p>
+          <a:p>
+            <a:pPr marL="342900" indent="-342900">
+              <a:buFont typeface="Arial" panose="020B0604020202020204" pitchFamily="34" charset="0"/>
+              <a:buChar char="•"/>
+            </a:pPr>
+            <a:r>
+              <a:rPr lang="en-US" sz="2400" i="1" dirty="0"/>
+              <a:t>Sometimes?</a:t>
+            </a:r>
+          </a:p>
+          <a:p>
+            <a:pPr marL="342900" indent="-342900">
+              <a:buFont typeface="Arial" panose="020B0604020202020204" pitchFamily="34" charset="0"/>
+              <a:buChar char="•"/>
+            </a:pPr>
+            <a:endParaRPr lang="en-US" sz="2400" dirty="0"/>
+          </a:p>
+          <a:p>
+            <a:r>
+              <a:rPr lang="en-US" sz="2400" dirty="0"/>
+              <a:t>In other words, they’re about the </a:t>
+            </a:r>
+            <a:r>
+              <a:rPr lang="en-US" sz="2400" b="1" dirty="0"/>
+              <a:t>overall pattern</a:t>
+            </a:r>
+            <a:r>
+              <a:rPr lang="en-US" sz="2400" dirty="0"/>
+              <a:t> of truth values across the table, not just one critical row.</a:t>
+            </a:r>
+          </a:p>
+        </p:txBody>
+      </p:sp>
+      <p:cxnSp>
+        <p:nvCxnSpPr>
+          <p:cNvPr id="10" name="Straight Arrow Connector 9">
+            <a:extLst>
+              <a:ext uri="{FF2B5EF4-FFF2-40B4-BE49-F238E27FC236}">
+                <a16:creationId xmlns:a16="http://schemas.microsoft.com/office/drawing/2014/main" id="{B1F14E58-5994-3BB7-A38C-64C8A046D73B}"/>
+              </a:ext>
+            </a:extLst>
+          </p:cNvPr>
+          <p:cNvCxnSpPr>
+            <a:cxnSpLocks/>
+          </p:cNvCxnSpPr>
+          <p:nvPr/>
+        </p:nvCxnSpPr>
+        <p:spPr>
+          <a:xfrm flipV="1">
+            <a:off x="802662" y="3540020"/>
+            <a:ext cx="0" cy="1377777"/>
+          </a:xfrm>
+          <a:prstGeom prst="straightConnector1">
+            <a:avLst/>
+          </a:prstGeom>
+          <a:ln w="63500">
+            <a:tailEnd type="triangle"/>
+          </a:ln>
+        </p:spPr>
+        <p:style>
+          <a:lnRef idx="1">
+            <a:schemeClr val="accent1"/>
+          </a:lnRef>
+          <a:fillRef idx="0">
+            <a:schemeClr val="accent1"/>
+          </a:fillRef>
+          <a:effectRef idx="0">
+            <a:schemeClr val="accent1"/>
+          </a:effectRef>
+          <a:fontRef idx="minor">
+            <a:schemeClr val="tx1"/>
+          </a:fontRef>
+        </p:style>
+      </p:cxnSp>
+      <p:cxnSp>
+        <p:nvCxnSpPr>
+          <p:cNvPr id="14" name="Straight Arrow Connector 13">
+            <a:extLst>
+              <a:ext uri="{FF2B5EF4-FFF2-40B4-BE49-F238E27FC236}">
+                <a16:creationId xmlns:a16="http://schemas.microsoft.com/office/drawing/2014/main" id="{B4218DC6-EB51-A71C-DCB4-F6D172A6ECE6}"/>
+              </a:ext>
+            </a:extLst>
+          </p:cNvPr>
+          <p:cNvCxnSpPr>
+            <a:cxnSpLocks/>
+          </p:cNvCxnSpPr>
+          <p:nvPr/>
+        </p:nvCxnSpPr>
+        <p:spPr>
+          <a:xfrm flipV="1">
+            <a:off x="1445392" y="3540020"/>
+            <a:ext cx="0" cy="1377777"/>
+          </a:xfrm>
+          <a:prstGeom prst="straightConnector1">
+            <a:avLst/>
+          </a:prstGeom>
+          <a:ln w="63500">
+            <a:tailEnd type="triangle"/>
+          </a:ln>
+        </p:spPr>
+        <p:style>
+          <a:lnRef idx="1">
+            <a:schemeClr val="accent1"/>
+          </a:lnRef>
+          <a:fillRef idx="0">
+            <a:schemeClr val="accent1"/>
+          </a:fillRef>
+          <a:effectRef idx="0">
+            <a:schemeClr val="accent1"/>
+          </a:effectRef>
+          <a:fontRef idx="minor">
+            <a:schemeClr val="tx1"/>
+          </a:fontRef>
+        </p:style>
+      </p:cxnSp>
+      <p:cxnSp>
+        <p:nvCxnSpPr>
+          <p:cNvPr id="15" name="Straight Arrow Connector 14">
+            <a:extLst>
+              <a:ext uri="{FF2B5EF4-FFF2-40B4-BE49-F238E27FC236}">
+                <a16:creationId xmlns:a16="http://schemas.microsoft.com/office/drawing/2014/main" id="{1524F1BA-4003-FE0B-4C49-C38BFA7F7068}"/>
+              </a:ext>
+            </a:extLst>
+          </p:cNvPr>
+          <p:cNvCxnSpPr>
+            <a:cxnSpLocks/>
+          </p:cNvCxnSpPr>
+          <p:nvPr/>
+        </p:nvCxnSpPr>
+        <p:spPr>
+          <a:xfrm flipV="1">
+            <a:off x="1166192" y="1288133"/>
+            <a:ext cx="0" cy="1377777"/>
+          </a:xfrm>
+          <a:prstGeom prst="straightConnector1">
+            <a:avLst/>
+          </a:prstGeom>
+          <a:ln w="63500">
+            <a:tailEnd type="triangle"/>
+          </a:ln>
+        </p:spPr>
+        <p:style>
+          <a:lnRef idx="1">
+            <a:schemeClr val="accent1"/>
+          </a:lnRef>
+          <a:fillRef idx="0">
+            <a:schemeClr val="accent1"/>
+          </a:fillRef>
+          <a:effectRef idx="0">
+            <a:schemeClr val="accent1"/>
+          </a:effectRef>
+          <a:fontRef idx="minor">
+            <a:schemeClr val="tx1"/>
+          </a:fontRef>
+        </p:style>
+      </p:cxnSp>
+      <p:sp>
+        <p:nvSpPr>
+          <p:cNvPr id="7" name="Triangle 6">
+            <a:extLst>
+              <a:ext uri="{FF2B5EF4-FFF2-40B4-BE49-F238E27FC236}">
+                <a16:creationId xmlns:a16="http://schemas.microsoft.com/office/drawing/2014/main" id="{16A4CE71-6845-9C89-2A17-0FAD962CFFF3}"/>
+              </a:ext>
+            </a:extLst>
+          </p:cNvPr>
+          <p:cNvSpPr/>
+          <p:nvPr/>
+        </p:nvSpPr>
+        <p:spPr>
+          <a:xfrm>
+            <a:off x="410818" y="2257872"/>
+            <a:ext cx="1510748" cy="1282148"/>
+          </a:xfrm>
+          <a:prstGeom prst="triangle">
+            <a:avLst/>
+          </a:prstGeom>
+        </p:spPr>
+        <p:style>
+          <a:lnRef idx="2">
+            <a:schemeClr val="accent1">
+              <a:shade val="50000"/>
+            </a:schemeClr>
+          </a:lnRef>
+          <a:fillRef idx="1">
+            <a:schemeClr val="accent1"/>
+          </a:fillRef>
+          <a:effectRef idx="0">
+            <a:schemeClr val="accent1"/>
+          </a:effectRef>
+          <a:fontRef idx="minor">
+            <a:schemeClr val="lt1"/>
+          </a:fontRef>
+        </p:style>
+        <p:txBody>
+          <a:bodyPr rtlCol="0" anchor="ctr"/>
+          <a:lstStyle/>
+          <a:p>
+            <a:pPr algn="ctr"/>
+            <a:endParaRPr lang="en-US" sz="3600" dirty="0">
+              <a:solidFill>
+                <a:schemeClr val="tx1"/>
+              </a:solidFill>
+            </a:endParaRPr>
+          </a:p>
+          <a:p>
+            <a:pPr algn="ctr"/>
+            <a:endParaRPr lang="en-US" sz="3200" dirty="0">
+              <a:solidFill>
+                <a:schemeClr val="tx1"/>
+              </a:solidFill>
+            </a:endParaRPr>
+          </a:p>
+        </p:txBody>
+      </p:sp>
+    </p:spTree>
+    <p:extLst>
+      <p:ext uri="{BB962C8B-B14F-4D97-AF65-F5344CB8AC3E}">
+        <p14:creationId xmlns:p14="http://schemas.microsoft.com/office/powerpoint/2010/main" val="122595438"/>
       </p:ext>
     </p:extLst>
   </p:cSld>
@@ -6713,7 +10738,7 @@
 </p:sld>
 </file>
 
-<file path=ppt/slides/slide3.xml><?xml version="1.0" encoding="utf-8"?>
+<file path=ppt/slides/slide4.xml><?xml version="1.0" encoding="utf-8"?>
 <p:sld xmlns:a="http://schemas.openxmlformats.org/drawingml/2006/main" xmlns:r="http://schemas.openxmlformats.org/officeDocument/2006/relationships" xmlns:p="http://schemas.openxmlformats.org/presentationml/2006/main">
   <p:cSld>
     <p:spTree>
@@ -8126,7 +12151,7 @@
 </p:sld>
 </file>
 
-<file path=ppt/slides/slide4.xml><?xml version="1.0" encoding="utf-8"?>
+<file path=ppt/slides/slide5.xml><?xml version="1.0" encoding="utf-8"?>
 <p:sld xmlns:a="http://schemas.openxmlformats.org/drawingml/2006/main" xmlns:r="http://schemas.openxmlformats.org/officeDocument/2006/relationships" xmlns:p="http://schemas.openxmlformats.org/presentationml/2006/main">
   <p:cSld>
     <p:spTree>
@@ -8662,7 +12687,7 @@
 </p:sld>
 </file>
 
-<file path=ppt/slides/slide5.xml><?xml version="1.0" encoding="utf-8"?>
+<file path=ppt/slides/slide6.xml><?xml version="1.0" encoding="utf-8"?>
 <p:sld xmlns:a="http://schemas.openxmlformats.org/drawingml/2006/main" xmlns:r="http://schemas.openxmlformats.org/officeDocument/2006/relationships" xmlns:p="http://schemas.openxmlformats.org/presentationml/2006/main">
   <p:cSld>
     <p:spTree>
@@ -10084,7 +14109,7 @@
 </p:sld>
 </file>
 
-<file path=ppt/slides/slide6.xml><?xml version="1.0" encoding="utf-8"?>
+<file path=ppt/slides/slide7.xml><?xml version="1.0" encoding="utf-8"?>
 <p:sld xmlns:a="http://schemas.openxmlformats.org/drawingml/2006/main" xmlns:r="http://schemas.openxmlformats.org/officeDocument/2006/relationships" xmlns:p="http://schemas.openxmlformats.org/presentationml/2006/main">
   <p:cSld>
     <p:spTree>
@@ -10611,7 +14636,7 @@
 </p:sld>
 </file>
 
-<file path=ppt/slides/slide7.xml><?xml version="1.0" encoding="utf-8"?>
+<file path=ppt/slides/slide8.xml><?xml version="1.0" encoding="utf-8"?>
 <p:sld xmlns:a="http://schemas.openxmlformats.org/drawingml/2006/main" xmlns:r="http://schemas.openxmlformats.org/officeDocument/2006/relationships" xmlns:p="http://schemas.openxmlformats.org/presentationml/2006/main">
   <p:cSld>
     <p:spTree>
@@ -12405,7 +16430,7 @@
 </p:sld>
 </file>
 
-<file path=ppt/slides/slide8.xml><?xml version="1.0" encoding="utf-8"?>
+<file path=ppt/slides/slide9.xml><?xml version="1.0" encoding="utf-8"?>
 <p:sld xmlns:a="http://schemas.openxmlformats.org/drawingml/2006/main" xmlns:r="http://schemas.openxmlformats.org/officeDocument/2006/relationships" xmlns:p="http://schemas.openxmlformats.org/presentationml/2006/main">
   <p:cSld>
     <p:spTree>
@@ -13092,1473 +17117,6 @@
     </p:tnLst>
     <p:bldLst>
       <p:bldP spid="2" grpId="0" uiExpand="1" build="p"/>
-    </p:bldLst>
-  </p:timing>
-</p:sld>
-</file>
-
-<file path=ppt/slides/slide9.xml><?xml version="1.0" encoding="utf-8"?>
-<p:sld xmlns:a="http://schemas.openxmlformats.org/drawingml/2006/main" xmlns:r="http://schemas.openxmlformats.org/officeDocument/2006/relationships" xmlns:p="http://schemas.openxmlformats.org/presentationml/2006/main">
-  <p:cSld>
-    <p:spTree>
-      <p:nvGrpSpPr>
-        <p:cNvPr id="1" name="">
-          <a:extLst>
-            <a:ext uri="{FF2B5EF4-FFF2-40B4-BE49-F238E27FC236}">
-              <a16:creationId xmlns:a16="http://schemas.microsoft.com/office/drawing/2014/main" id="{406FA326-7B4C-5459-C4FC-12CD0E9B7450}"/>
-            </a:ext>
-          </a:extLst>
-        </p:cNvPr>
-        <p:cNvGrpSpPr/>
-        <p:nvPr/>
-      </p:nvGrpSpPr>
-      <p:grpSpPr>
-        <a:xfrm>
-          <a:off x="0" y="0"/>
-          <a:ext cx="0" cy="0"/>
-          <a:chOff x="0" y="0"/>
-          <a:chExt cx="0" cy="0"/>
-        </a:xfrm>
-      </p:grpSpPr>
-      <p:sp>
-        <p:nvSpPr>
-          <p:cNvPr id="2" name="TextBox 1">
-            <a:extLst>
-              <a:ext uri="{FF2B5EF4-FFF2-40B4-BE49-F238E27FC236}">
-                <a16:creationId xmlns:a16="http://schemas.microsoft.com/office/drawing/2014/main" id="{3E17C3B8-C30A-E49D-BD25-82BFC236BD43}"/>
-              </a:ext>
-            </a:extLst>
-          </p:cNvPr>
-          <p:cNvSpPr txBox="1"/>
-          <p:nvPr/>
-        </p:nvSpPr>
-        <p:spPr>
-          <a:xfrm>
-            <a:off x="2142078" y="957750"/>
-            <a:ext cx="9639104" cy="2000548"/>
-          </a:xfrm>
-          <a:prstGeom prst="rect">
-            <a:avLst/>
-          </a:prstGeom>
-          <a:noFill/>
-        </p:spPr>
-        <p:txBody>
-          <a:bodyPr wrap="square" rtlCol="0">
-            <a:spAutoFit/>
-          </a:bodyPr>
-          <a:lstStyle/>
-          <a:p>
-            <a:r>
-              <a:rPr lang="en-US" sz="2800" b="1" dirty="0"/>
-              <a:t>Implication and Equivalence</a:t>
-            </a:r>
-          </a:p>
-          <a:p>
-            <a:endParaRPr lang="en-US" sz="1200" b="1" dirty="0"/>
-          </a:p>
-          <a:p>
-            <a:r>
-              <a:rPr lang="en-US" sz="2400" dirty="0"/>
-              <a:t>If you’re hungry, you should eat.</a:t>
-            </a:r>
-          </a:p>
-          <a:p>
-            <a:r>
-              <a:rPr lang="en-US" sz="2400" dirty="0"/>
-              <a:t>Either you’re not hungry, or you should eat.</a:t>
-            </a:r>
-          </a:p>
-          <a:p>
-            <a:endParaRPr lang="en-US" sz="1200" dirty="0"/>
-          </a:p>
-          <a:p>
-            <a:r>
-              <a:rPr lang="en-US" sz="2400" dirty="0"/>
-              <a:t>P → Q and ¬P OR Q </a:t>
-            </a:r>
-          </a:p>
-        </p:txBody>
-      </p:sp>
-      <p:cxnSp>
-        <p:nvCxnSpPr>
-          <p:cNvPr id="10" name="Straight Arrow Connector 9">
-            <a:extLst>
-              <a:ext uri="{FF2B5EF4-FFF2-40B4-BE49-F238E27FC236}">
-                <a16:creationId xmlns:a16="http://schemas.microsoft.com/office/drawing/2014/main" id="{F6AC9C3E-E39D-F276-0FB1-F58D00FA2CF9}"/>
-              </a:ext>
-            </a:extLst>
-          </p:cNvPr>
-          <p:cNvCxnSpPr>
-            <a:cxnSpLocks/>
-          </p:cNvCxnSpPr>
-          <p:nvPr/>
-        </p:nvCxnSpPr>
-        <p:spPr>
-          <a:xfrm flipV="1">
-            <a:off x="802662" y="3540020"/>
-            <a:ext cx="0" cy="1377777"/>
-          </a:xfrm>
-          <a:prstGeom prst="straightConnector1">
-            <a:avLst/>
-          </a:prstGeom>
-          <a:ln w="63500">
-            <a:tailEnd type="triangle"/>
-          </a:ln>
-        </p:spPr>
-        <p:style>
-          <a:lnRef idx="1">
-            <a:schemeClr val="accent1"/>
-          </a:lnRef>
-          <a:fillRef idx="0">
-            <a:schemeClr val="accent1"/>
-          </a:fillRef>
-          <a:effectRef idx="0">
-            <a:schemeClr val="accent1"/>
-          </a:effectRef>
-          <a:fontRef idx="minor">
-            <a:schemeClr val="tx1"/>
-          </a:fontRef>
-        </p:style>
-      </p:cxnSp>
-      <p:cxnSp>
-        <p:nvCxnSpPr>
-          <p:cNvPr id="14" name="Straight Arrow Connector 13">
-            <a:extLst>
-              <a:ext uri="{FF2B5EF4-FFF2-40B4-BE49-F238E27FC236}">
-                <a16:creationId xmlns:a16="http://schemas.microsoft.com/office/drawing/2014/main" id="{21BD0356-876C-1A1F-C79E-B56A133F3429}"/>
-              </a:ext>
-            </a:extLst>
-          </p:cNvPr>
-          <p:cNvCxnSpPr>
-            <a:cxnSpLocks/>
-          </p:cNvCxnSpPr>
-          <p:nvPr/>
-        </p:nvCxnSpPr>
-        <p:spPr>
-          <a:xfrm flipV="1">
-            <a:off x="1445392" y="3540020"/>
-            <a:ext cx="0" cy="1377777"/>
-          </a:xfrm>
-          <a:prstGeom prst="straightConnector1">
-            <a:avLst/>
-          </a:prstGeom>
-          <a:ln w="63500">
-            <a:tailEnd type="triangle"/>
-          </a:ln>
-        </p:spPr>
-        <p:style>
-          <a:lnRef idx="1">
-            <a:schemeClr val="accent1"/>
-          </a:lnRef>
-          <a:fillRef idx="0">
-            <a:schemeClr val="accent1"/>
-          </a:fillRef>
-          <a:effectRef idx="0">
-            <a:schemeClr val="accent1"/>
-          </a:effectRef>
-          <a:fontRef idx="minor">
-            <a:schemeClr val="tx1"/>
-          </a:fontRef>
-        </p:style>
-      </p:cxnSp>
-      <p:cxnSp>
-        <p:nvCxnSpPr>
-          <p:cNvPr id="15" name="Straight Arrow Connector 14">
-            <a:extLst>
-              <a:ext uri="{FF2B5EF4-FFF2-40B4-BE49-F238E27FC236}">
-                <a16:creationId xmlns:a16="http://schemas.microsoft.com/office/drawing/2014/main" id="{401E2D91-D22E-801D-5D05-1D0A1F1779A3}"/>
-              </a:ext>
-            </a:extLst>
-          </p:cNvPr>
-          <p:cNvCxnSpPr>
-            <a:cxnSpLocks/>
-          </p:cNvCxnSpPr>
-          <p:nvPr/>
-        </p:nvCxnSpPr>
-        <p:spPr>
-          <a:xfrm flipV="1">
-            <a:off x="1166192" y="1288133"/>
-            <a:ext cx="0" cy="1377777"/>
-          </a:xfrm>
-          <a:prstGeom prst="straightConnector1">
-            <a:avLst/>
-          </a:prstGeom>
-          <a:ln w="63500">
-            <a:tailEnd type="triangle"/>
-          </a:ln>
-        </p:spPr>
-        <p:style>
-          <a:lnRef idx="1">
-            <a:schemeClr val="accent1"/>
-          </a:lnRef>
-          <a:fillRef idx="0">
-            <a:schemeClr val="accent1"/>
-          </a:fillRef>
-          <a:effectRef idx="0">
-            <a:schemeClr val="accent1"/>
-          </a:effectRef>
-          <a:fontRef idx="minor">
-            <a:schemeClr val="tx1"/>
-          </a:fontRef>
-        </p:style>
-      </p:cxnSp>
-      <p:sp>
-        <p:nvSpPr>
-          <p:cNvPr id="7" name="Triangle 6">
-            <a:extLst>
-              <a:ext uri="{FF2B5EF4-FFF2-40B4-BE49-F238E27FC236}">
-                <a16:creationId xmlns:a16="http://schemas.microsoft.com/office/drawing/2014/main" id="{3462DC31-861A-D7AC-60D2-99D432EE9300}"/>
-              </a:ext>
-            </a:extLst>
-          </p:cNvPr>
-          <p:cNvSpPr/>
-          <p:nvPr/>
-        </p:nvSpPr>
-        <p:spPr>
-          <a:xfrm>
-            <a:off x="410818" y="2257872"/>
-            <a:ext cx="1510748" cy="1282148"/>
-          </a:xfrm>
-          <a:prstGeom prst="triangle">
-            <a:avLst/>
-          </a:prstGeom>
-        </p:spPr>
-        <p:style>
-          <a:lnRef idx="2">
-            <a:schemeClr val="accent1">
-              <a:shade val="50000"/>
-            </a:schemeClr>
-          </a:lnRef>
-          <a:fillRef idx="1">
-            <a:schemeClr val="accent1"/>
-          </a:fillRef>
-          <a:effectRef idx="0">
-            <a:schemeClr val="accent1"/>
-          </a:effectRef>
-          <a:fontRef idx="minor">
-            <a:schemeClr val="lt1"/>
-          </a:fontRef>
-        </p:style>
-        <p:txBody>
-          <a:bodyPr rtlCol="0" anchor="ctr"/>
-          <a:lstStyle/>
-          <a:p>
-            <a:pPr algn="ctr"/>
-            <a:endParaRPr lang="en-US" sz="3600" dirty="0">
-              <a:solidFill>
-                <a:schemeClr val="tx1"/>
-              </a:solidFill>
-            </a:endParaRPr>
-          </a:p>
-          <a:p>
-            <a:pPr algn="ctr"/>
-            <a:endParaRPr lang="en-US" sz="3200" dirty="0">
-              <a:solidFill>
-                <a:schemeClr val="tx1"/>
-              </a:solidFill>
-            </a:endParaRPr>
-          </a:p>
-        </p:txBody>
-      </p:sp>
-      <p:sp>
-        <p:nvSpPr>
-          <p:cNvPr id="3" name="Title 6">
-            <a:extLst>
-              <a:ext uri="{FF2B5EF4-FFF2-40B4-BE49-F238E27FC236}">
-                <a16:creationId xmlns:a16="http://schemas.microsoft.com/office/drawing/2014/main" id="{59FB328D-F18C-BECE-3BD2-F0FF76724C9F}"/>
-              </a:ext>
-            </a:extLst>
-          </p:cNvPr>
-          <p:cNvSpPr txBox="1">
-            <a:spLocks/>
-          </p:cNvSpPr>
-          <p:nvPr/>
-        </p:nvSpPr>
-        <p:spPr>
-          <a:xfrm>
-            <a:off x="0" y="0"/>
-            <a:ext cx="11482251" cy="735162"/>
-          </a:xfrm>
-          <a:prstGeom prst="rect">
-            <a:avLst/>
-          </a:prstGeom>
-        </p:spPr>
-        <p:txBody>
-          <a:bodyPr vert="horz" lIns="91440" tIns="45720" rIns="91440" bIns="45720" rtlCol="0" anchor="ctr">
-            <a:normAutofit fontScale="97500"/>
-          </a:bodyPr>
-          <a:lstStyle>
-            <a:lvl1pPr algn="l" defTabSz="914400" rtl="0" eaLnBrk="1" latinLnBrk="0" hangingPunct="1">
-              <a:lnSpc>
-                <a:spcPct val="90000"/>
-              </a:lnSpc>
-              <a:spcBef>
-                <a:spcPct val="0"/>
-              </a:spcBef>
-              <a:buNone/>
-              <a:defRPr sz="4400" b="1" i="0" kern="1200">
-                <a:solidFill>
-                  <a:srgbClr val="E84A27"/>
-                </a:solidFill>
-                <a:latin typeface="Georgia" panose="02040502050405020303" pitchFamily="18" charset="0"/>
-                <a:ea typeface="+mj-ea"/>
-                <a:cs typeface="+mj-cs"/>
-              </a:defRPr>
-            </a:lvl1pPr>
-          </a:lstStyle>
-          <a:p>
-            <a:r>
-              <a:rPr lang="en-US" dirty="0">
-                <a:latin typeface="Calibri"/>
-                <a:cs typeface="Calibri"/>
-              </a:rPr>
-              <a:t>Evaluating Logical Structure</a:t>
-            </a:r>
-            <a:endParaRPr lang="en-US" dirty="0"/>
-          </a:p>
-        </p:txBody>
-      </p:sp>
-      <p:graphicFrame>
-        <p:nvGraphicFramePr>
-          <p:cNvPr id="4" name="Table 3">
-            <a:extLst>
-              <a:ext uri="{FF2B5EF4-FFF2-40B4-BE49-F238E27FC236}">
-                <a16:creationId xmlns:a16="http://schemas.microsoft.com/office/drawing/2014/main" id="{6DB6FB88-A1B3-04D7-A99E-3622CF30CA2D}"/>
-              </a:ext>
-            </a:extLst>
-          </p:cNvPr>
-          <p:cNvGraphicFramePr>
-            <a:graphicFrameLocks noGrp="1"/>
-          </p:cNvGraphicFramePr>
-          <p:nvPr>
-            <p:extLst>
-              <p:ext uri="{D42A27DB-BD31-4B8C-83A1-F6EECF244321}">
-                <p14:modId xmlns:p14="http://schemas.microsoft.com/office/powerpoint/2010/main" val="2378840644"/>
-              </p:ext>
-            </p:extLst>
-          </p:nvPr>
-        </p:nvGraphicFramePr>
-        <p:xfrm>
-          <a:off x="2564295" y="3187997"/>
-          <a:ext cx="8789505" cy="2286000"/>
-        </p:xfrm>
-        <a:graphic>
-          <a:graphicData uri="http://schemas.openxmlformats.org/drawingml/2006/table">
-            <a:tbl>
-              <a:tblPr/>
-              <a:tblGrid>
-                <a:gridCol w="1757901">
-                  <a:extLst>
-                    <a:ext uri="{9D8B030D-6E8A-4147-A177-3AD203B41FA5}">
-                      <a16:colId xmlns:a16="http://schemas.microsoft.com/office/drawing/2014/main" val="3948716425"/>
-                    </a:ext>
-                  </a:extLst>
-                </a:gridCol>
-                <a:gridCol w="1757901">
-                  <a:extLst>
-                    <a:ext uri="{9D8B030D-6E8A-4147-A177-3AD203B41FA5}">
-                      <a16:colId xmlns:a16="http://schemas.microsoft.com/office/drawing/2014/main" val="2991463580"/>
-                    </a:ext>
-                  </a:extLst>
-                </a:gridCol>
-                <a:gridCol w="1757901">
-                  <a:extLst>
-                    <a:ext uri="{9D8B030D-6E8A-4147-A177-3AD203B41FA5}">
-                      <a16:colId xmlns:a16="http://schemas.microsoft.com/office/drawing/2014/main" val="1639207444"/>
-                    </a:ext>
-                  </a:extLst>
-                </a:gridCol>
-                <a:gridCol w="1757901">
-                  <a:extLst>
-                    <a:ext uri="{9D8B030D-6E8A-4147-A177-3AD203B41FA5}">
-                      <a16:colId xmlns:a16="http://schemas.microsoft.com/office/drawing/2014/main" val="234702329"/>
-                    </a:ext>
-                  </a:extLst>
-                </a:gridCol>
-                <a:gridCol w="1757901">
-                  <a:extLst>
-                    <a:ext uri="{9D8B030D-6E8A-4147-A177-3AD203B41FA5}">
-                      <a16:colId xmlns:a16="http://schemas.microsoft.com/office/drawing/2014/main" val="1838420735"/>
-                    </a:ext>
-                  </a:extLst>
-                </a:gridCol>
-              </a:tblGrid>
-              <a:tr h="0">
-                <a:tc>
-                  <a:txBody>
-                    <a:bodyPr/>
-                    <a:lstStyle/>
-                    <a:p>
-                      <a:pPr>
-                        <a:buNone/>
-                      </a:pPr>
-                      <a:r>
-                        <a:rPr lang="en-US" sz="2400" b="1"/>
-                        <a:t>P</a:t>
-                      </a:r>
-                      <a:endParaRPr lang="en-US" sz="2400"/>
-                    </a:p>
-                  </a:txBody>
-                  <a:tcPr anchor="ctr">
-                    <a:lnL>
-                      <a:noFill/>
-                    </a:lnL>
-                    <a:lnR>
-                      <a:noFill/>
-                    </a:lnR>
-                    <a:lnT>
-                      <a:noFill/>
-                    </a:lnT>
-                    <a:lnB>
-                      <a:noFill/>
-                    </a:lnB>
-                    <a:noFill/>
-                  </a:tcPr>
-                </a:tc>
-                <a:tc>
-                  <a:txBody>
-                    <a:bodyPr/>
-                    <a:lstStyle/>
-                    <a:p>
-                      <a:pPr>
-                        <a:buNone/>
-                      </a:pPr>
-                      <a:r>
-                        <a:rPr lang="en-US" sz="2400" b="1"/>
-                        <a:t>Q</a:t>
-                      </a:r>
-                      <a:endParaRPr lang="en-US" sz="2400"/>
-                    </a:p>
-                  </a:txBody>
-                  <a:tcPr anchor="ctr">
-                    <a:lnL>
-                      <a:noFill/>
-                    </a:lnL>
-                    <a:lnR>
-                      <a:noFill/>
-                    </a:lnR>
-                    <a:lnT>
-                      <a:noFill/>
-                    </a:lnT>
-                    <a:lnB>
-                      <a:noFill/>
-                    </a:lnB>
-                    <a:noFill/>
-                  </a:tcPr>
-                </a:tc>
-                <a:tc>
-                  <a:txBody>
-                    <a:bodyPr/>
-                    <a:lstStyle/>
-                    <a:p>
-                      <a:pPr>
-                        <a:buNone/>
-                      </a:pPr>
-                      <a:r>
-                        <a:rPr lang="en-US" sz="2400" b="1"/>
-                        <a:t>¬P</a:t>
-                      </a:r>
-                      <a:endParaRPr lang="en-US" sz="2400"/>
-                    </a:p>
-                  </a:txBody>
-                  <a:tcPr anchor="ctr">
-                    <a:lnL>
-                      <a:noFill/>
-                    </a:lnL>
-                    <a:lnR>
-                      <a:noFill/>
-                    </a:lnR>
-                    <a:lnT>
-                      <a:noFill/>
-                    </a:lnT>
-                    <a:lnB>
-                      <a:noFill/>
-                    </a:lnB>
-                    <a:noFill/>
-                  </a:tcPr>
-                </a:tc>
-                <a:tc>
-                  <a:txBody>
-                    <a:bodyPr/>
-                    <a:lstStyle/>
-                    <a:p>
-                      <a:pPr>
-                        <a:buNone/>
-                      </a:pPr>
-                      <a:r>
-                        <a:rPr lang="en-US" sz="2400" b="1"/>
-                        <a:t>P → Q</a:t>
-                      </a:r>
-                      <a:endParaRPr lang="en-US" sz="2400"/>
-                    </a:p>
-                  </a:txBody>
-                  <a:tcPr anchor="ctr">
-                    <a:lnL>
-                      <a:noFill/>
-                    </a:lnL>
-                    <a:lnR>
-                      <a:noFill/>
-                    </a:lnR>
-                    <a:lnT>
-                      <a:noFill/>
-                    </a:lnT>
-                    <a:lnB>
-                      <a:noFill/>
-                    </a:lnB>
-                    <a:noFill/>
-                  </a:tcPr>
-                </a:tc>
-                <a:tc>
-                  <a:txBody>
-                    <a:bodyPr/>
-                    <a:lstStyle/>
-                    <a:p>
-                      <a:pPr>
-                        <a:buNone/>
-                      </a:pPr>
-                      <a:r>
-                        <a:rPr lang="en-US" sz="2400" b="1"/>
-                        <a:t>¬P ∨ Q</a:t>
-                      </a:r>
-                      <a:endParaRPr lang="en-US" sz="2400"/>
-                    </a:p>
-                  </a:txBody>
-                  <a:tcPr anchor="ctr">
-                    <a:lnL>
-                      <a:noFill/>
-                    </a:lnL>
-                    <a:lnR>
-                      <a:noFill/>
-                    </a:lnR>
-                    <a:lnT>
-                      <a:noFill/>
-                    </a:lnT>
-                    <a:lnB>
-                      <a:noFill/>
-                    </a:lnB>
-                    <a:noFill/>
-                  </a:tcPr>
-                </a:tc>
-                <a:extLst>
-                  <a:ext uri="{0D108BD9-81ED-4DB2-BD59-A6C34878D82A}">
-                    <a16:rowId xmlns:a16="http://schemas.microsoft.com/office/drawing/2014/main" val="1587230241"/>
-                  </a:ext>
-                </a:extLst>
-              </a:tr>
-              <a:tr h="0">
-                <a:tc>
-                  <a:txBody>
-                    <a:bodyPr/>
-                    <a:lstStyle/>
-                    <a:p>
-                      <a:pPr>
-                        <a:buNone/>
-                      </a:pPr>
-                      <a:r>
-                        <a:rPr lang="en-US" sz="2400"/>
-                        <a:t>T</a:t>
-                      </a:r>
-                    </a:p>
-                  </a:txBody>
-                  <a:tcPr anchor="ctr">
-                    <a:lnL>
-                      <a:noFill/>
-                    </a:lnL>
-                    <a:lnR>
-                      <a:noFill/>
-                    </a:lnR>
-                    <a:lnT>
-                      <a:noFill/>
-                    </a:lnT>
-                    <a:lnB>
-                      <a:noFill/>
-                    </a:lnB>
-                    <a:noFill/>
-                  </a:tcPr>
-                </a:tc>
-                <a:tc>
-                  <a:txBody>
-                    <a:bodyPr/>
-                    <a:lstStyle/>
-                    <a:p>
-                      <a:pPr>
-                        <a:buNone/>
-                      </a:pPr>
-                      <a:r>
-                        <a:rPr lang="en-US" sz="2400"/>
-                        <a:t>T</a:t>
-                      </a:r>
-                    </a:p>
-                  </a:txBody>
-                  <a:tcPr anchor="ctr">
-                    <a:lnL>
-                      <a:noFill/>
-                    </a:lnL>
-                    <a:lnR>
-                      <a:noFill/>
-                    </a:lnR>
-                    <a:lnT>
-                      <a:noFill/>
-                    </a:lnT>
-                    <a:lnB>
-                      <a:noFill/>
-                    </a:lnB>
-                    <a:noFill/>
-                  </a:tcPr>
-                </a:tc>
-                <a:tc>
-                  <a:txBody>
-                    <a:bodyPr/>
-                    <a:lstStyle/>
-                    <a:p>
-                      <a:pPr>
-                        <a:buNone/>
-                      </a:pPr>
-                      <a:r>
-                        <a:rPr lang="en-US" sz="2400"/>
-                        <a:t>F</a:t>
-                      </a:r>
-                    </a:p>
-                  </a:txBody>
-                  <a:tcPr anchor="ctr">
-                    <a:lnL>
-                      <a:noFill/>
-                    </a:lnL>
-                    <a:lnR>
-                      <a:noFill/>
-                    </a:lnR>
-                    <a:lnT>
-                      <a:noFill/>
-                    </a:lnT>
-                    <a:lnB>
-                      <a:noFill/>
-                    </a:lnB>
-                    <a:noFill/>
-                  </a:tcPr>
-                </a:tc>
-                <a:tc>
-                  <a:txBody>
-                    <a:bodyPr/>
-                    <a:lstStyle/>
-                    <a:p>
-                      <a:pPr>
-                        <a:buNone/>
-                      </a:pPr>
-                      <a:r>
-                        <a:rPr lang="en-US" sz="2400"/>
-                        <a:t>T</a:t>
-                      </a:r>
-                    </a:p>
-                  </a:txBody>
-                  <a:tcPr anchor="ctr">
-                    <a:lnL>
-                      <a:noFill/>
-                    </a:lnL>
-                    <a:lnR>
-                      <a:noFill/>
-                    </a:lnR>
-                    <a:lnT>
-                      <a:noFill/>
-                    </a:lnT>
-                    <a:lnB>
-                      <a:noFill/>
-                    </a:lnB>
-                    <a:noFill/>
-                  </a:tcPr>
-                </a:tc>
-                <a:tc>
-                  <a:txBody>
-                    <a:bodyPr/>
-                    <a:lstStyle/>
-                    <a:p>
-                      <a:pPr>
-                        <a:buNone/>
-                      </a:pPr>
-                      <a:r>
-                        <a:rPr lang="en-US" sz="2400"/>
-                        <a:t>T</a:t>
-                      </a:r>
-                    </a:p>
-                  </a:txBody>
-                  <a:tcPr anchor="ctr">
-                    <a:lnL>
-                      <a:noFill/>
-                    </a:lnL>
-                    <a:lnR>
-                      <a:noFill/>
-                    </a:lnR>
-                    <a:lnT>
-                      <a:noFill/>
-                    </a:lnT>
-                    <a:lnB>
-                      <a:noFill/>
-                    </a:lnB>
-                    <a:noFill/>
-                  </a:tcPr>
-                </a:tc>
-                <a:extLst>
-                  <a:ext uri="{0D108BD9-81ED-4DB2-BD59-A6C34878D82A}">
-                    <a16:rowId xmlns:a16="http://schemas.microsoft.com/office/drawing/2014/main" val="402268148"/>
-                  </a:ext>
-                </a:extLst>
-              </a:tr>
-              <a:tr h="0">
-                <a:tc>
-                  <a:txBody>
-                    <a:bodyPr/>
-                    <a:lstStyle/>
-                    <a:p>
-                      <a:pPr>
-                        <a:buNone/>
-                      </a:pPr>
-                      <a:r>
-                        <a:rPr lang="en-US" sz="2400"/>
-                        <a:t>T</a:t>
-                      </a:r>
-                    </a:p>
-                  </a:txBody>
-                  <a:tcPr anchor="ctr">
-                    <a:lnL>
-                      <a:noFill/>
-                    </a:lnL>
-                    <a:lnR>
-                      <a:noFill/>
-                    </a:lnR>
-                    <a:lnT>
-                      <a:noFill/>
-                    </a:lnT>
-                    <a:lnB>
-                      <a:noFill/>
-                    </a:lnB>
-                    <a:noFill/>
-                  </a:tcPr>
-                </a:tc>
-                <a:tc>
-                  <a:txBody>
-                    <a:bodyPr/>
-                    <a:lstStyle/>
-                    <a:p>
-                      <a:pPr>
-                        <a:buNone/>
-                      </a:pPr>
-                      <a:r>
-                        <a:rPr lang="en-US" sz="2400"/>
-                        <a:t>F</a:t>
-                      </a:r>
-                    </a:p>
-                  </a:txBody>
-                  <a:tcPr anchor="ctr">
-                    <a:lnL>
-                      <a:noFill/>
-                    </a:lnL>
-                    <a:lnR>
-                      <a:noFill/>
-                    </a:lnR>
-                    <a:lnT>
-                      <a:noFill/>
-                    </a:lnT>
-                    <a:lnB>
-                      <a:noFill/>
-                    </a:lnB>
-                    <a:noFill/>
-                  </a:tcPr>
-                </a:tc>
-                <a:tc>
-                  <a:txBody>
-                    <a:bodyPr/>
-                    <a:lstStyle/>
-                    <a:p>
-                      <a:pPr>
-                        <a:buNone/>
-                      </a:pPr>
-                      <a:r>
-                        <a:rPr lang="en-US" sz="2400"/>
-                        <a:t>F</a:t>
-                      </a:r>
-                    </a:p>
-                  </a:txBody>
-                  <a:tcPr anchor="ctr">
-                    <a:lnL>
-                      <a:noFill/>
-                    </a:lnL>
-                    <a:lnR>
-                      <a:noFill/>
-                    </a:lnR>
-                    <a:lnT>
-                      <a:noFill/>
-                    </a:lnT>
-                    <a:lnB>
-                      <a:noFill/>
-                    </a:lnB>
-                    <a:noFill/>
-                  </a:tcPr>
-                </a:tc>
-                <a:tc>
-                  <a:txBody>
-                    <a:bodyPr/>
-                    <a:lstStyle/>
-                    <a:p>
-                      <a:pPr>
-                        <a:buNone/>
-                      </a:pPr>
-                      <a:r>
-                        <a:rPr lang="en-US" sz="2400" dirty="0"/>
-                        <a:t>F</a:t>
-                      </a:r>
-                    </a:p>
-                  </a:txBody>
-                  <a:tcPr anchor="ctr">
-                    <a:lnL>
-                      <a:noFill/>
-                    </a:lnL>
-                    <a:lnR>
-                      <a:noFill/>
-                    </a:lnR>
-                    <a:lnT>
-                      <a:noFill/>
-                    </a:lnT>
-                    <a:lnB>
-                      <a:noFill/>
-                    </a:lnB>
-                    <a:noFill/>
-                  </a:tcPr>
-                </a:tc>
-                <a:tc>
-                  <a:txBody>
-                    <a:bodyPr/>
-                    <a:lstStyle/>
-                    <a:p>
-                      <a:pPr>
-                        <a:buNone/>
-                      </a:pPr>
-                      <a:r>
-                        <a:rPr lang="en-US" sz="2400"/>
-                        <a:t>F</a:t>
-                      </a:r>
-                    </a:p>
-                  </a:txBody>
-                  <a:tcPr anchor="ctr">
-                    <a:lnL>
-                      <a:noFill/>
-                    </a:lnL>
-                    <a:lnR>
-                      <a:noFill/>
-                    </a:lnR>
-                    <a:lnT>
-                      <a:noFill/>
-                    </a:lnT>
-                    <a:lnB>
-                      <a:noFill/>
-                    </a:lnB>
-                    <a:noFill/>
-                  </a:tcPr>
-                </a:tc>
-                <a:extLst>
-                  <a:ext uri="{0D108BD9-81ED-4DB2-BD59-A6C34878D82A}">
-                    <a16:rowId xmlns:a16="http://schemas.microsoft.com/office/drawing/2014/main" val="3500705408"/>
-                  </a:ext>
-                </a:extLst>
-              </a:tr>
-              <a:tr h="0">
-                <a:tc>
-                  <a:txBody>
-                    <a:bodyPr/>
-                    <a:lstStyle/>
-                    <a:p>
-                      <a:pPr>
-                        <a:buNone/>
-                      </a:pPr>
-                      <a:r>
-                        <a:rPr lang="en-US" sz="2400"/>
-                        <a:t>F</a:t>
-                      </a:r>
-                    </a:p>
-                  </a:txBody>
-                  <a:tcPr anchor="ctr">
-                    <a:lnL>
-                      <a:noFill/>
-                    </a:lnL>
-                    <a:lnR>
-                      <a:noFill/>
-                    </a:lnR>
-                    <a:lnT>
-                      <a:noFill/>
-                    </a:lnT>
-                    <a:lnB>
-                      <a:noFill/>
-                    </a:lnB>
-                    <a:noFill/>
-                  </a:tcPr>
-                </a:tc>
-                <a:tc>
-                  <a:txBody>
-                    <a:bodyPr/>
-                    <a:lstStyle/>
-                    <a:p>
-                      <a:pPr>
-                        <a:buNone/>
-                      </a:pPr>
-                      <a:r>
-                        <a:rPr lang="en-US" sz="2400"/>
-                        <a:t>T</a:t>
-                      </a:r>
-                    </a:p>
-                  </a:txBody>
-                  <a:tcPr anchor="ctr">
-                    <a:lnL>
-                      <a:noFill/>
-                    </a:lnL>
-                    <a:lnR>
-                      <a:noFill/>
-                    </a:lnR>
-                    <a:lnT>
-                      <a:noFill/>
-                    </a:lnT>
-                    <a:lnB>
-                      <a:noFill/>
-                    </a:lnB>
-                    <a:noFill/>
-                  </a:tcPr>
-                </a:tc>
-                <a:tc>
-                  <a:txBody>
-                    <a:bodyPr/>
-                    <a:lstStyle/>
-                    <a:p>
-                      <a:pPr>
-                        <a:buNone/>
-                      </a:pPr>
-                      <a:r>
-                        <a:rPr lang="en-US" sz="2400"/>
-                        <a:t>T</a:t>
-                      </a:r>
-                    </a:p>
-                  </a:txBody>
-                  <a:tcPr anchor="ctr">
-                    <a:lnL>
-                      <a:noFill/>
-                    </a:lnL>
-                    <a:lnR>
-                      <a:noFill/>
-                    </a:lnR>
-                    <a:lnT>
-                      <a:noFill/>
-                    </a:lnT>
-                    <a:lnB>
-                      <a:noFill/>
-                    </a:lnB>
-                    <a:noFill/>
-                  </a:tcPr>
-                </a:tc>
-                <a:tc>
-                  <a:txBody>
-                    <a:bodyPr/>
-                    <a:lstStyle/>
-                    <a:p>
-                      <a:pPr>
-                        <a:buNone/>
-                      </a:pPr>
-                      <a:r>
-                        <a:rPr lang="en-US" sz="2400"/>
-                        <a:t>T</a:t>
-                      </a:r>
-                    </a:p>
-                  </a:txBody>
-                  <a:tcPr anchor="ctr">
-                    <a:lnL>
-                      <a:noFill/>
-                    </a:lnL>
-                    <a:lnR>
-                      <a:noFill/>
-                    </a:lnR>
-                    <a:lnT>
-                      <a:noFill/>
-                    </a:lnT>
-                    <a:lnB>
-                      <a:noFill/>
-                    </a:lnB>
-                    <a:noFill/>
-                  </a:tcPr>
-                </a:tc>
-                <a:tc>
-                  <a:txBody>
-                    <a:bodyPr/>
-                    <a:lstStyle/>
-                    <a:p>
-                      <a:pPr>
-                        <a:buNone/>
-                      </a:pPr>
-                      <a:r>
-                        <a:rPr lang="en-US" sz="2400"/>
-                        <a:t>T</a:t>
-                      </a:r>
-                    </a:p>
-                  </a:txBody>
-                  <a:tcPr anchor="ctr">
-                    <a:lnL>
-                      <a:noFill/>
-                    </a:lnL>
-                    <a:lnR>
-                      <a:noFill/>
-                    </a:lnR>
-                    <a:lnT>
-                      <a:noFill/>
-                    </a:lnT>
-                    <a:lnB>
-                      <a:noFill/>
-                    </a:lnB>
-                    <a:noFill/>
-                  </a:tcPr>
-                </a:tc>
-                <a:extLst>
-                  <a:ext uri="{0D108BD9-81ED-4DB2-BD59-A6C34878D82A}">
-                    <a16:rowId xmlns:a16="http://schemas.microsoft.com/office/drawing/2014/main" val="3288004242"/>
-                  </a:ext>
-                </a:extLst>
-              </a:tr>
-              <a:tr h="0">
-                <a:tc>
-                  <a:txBody>
-                    <a:bodyPr/>
-                    <a:lstStyle/>
-                    <a:p>
-                      <a:pPr>
-                        <a:buNone/>
-                      </a:pPr>
-                      <a:r>
-                        <a:rPr lang="en-US" sz="2400"/>
-                        <a:t>F</a:t>
-                      </a:r>
-                    </a:p>
-                  </a:txBody>
-                  <a:tcPr anchor="ctr">
-                    <a:lnL>
-                      <a:noFill/>
-                    </a:lnL>
-                    <a:lnR>
-                      <a:noFill/>
-                    </a:lnR>
-                    <a:lnT>
-                      <a:noFill/>
-                    </a:lnT>
-                    <a:lnB>
-                      <a:noFill/>
-                    </a:lnB>
-                    <a:noFill/>
-                  </a:tcPr>
-                </a:tc>
-                <a:tc>
-                  <a:txBody>
-                    <a:bodyPr/>
-                    <a:lstStyle/>
-                    <a:p>
-                      <a:pPr>
-                        <a:buNone/>
-                      </a:pPr>
-                      <a:r>
-                        <a:rPr lang="en-US" sz="2400"/>
-                        <a:t>F</a:t>
-                      </a:r>
-                    </a:p>
-                  </a:txBody>
-                  <a:tcPr anchor="ctr">
-                    <a:lnL>
-                      <a:noFill/>
-                    </a:lnL>
-                    <a:lnR>
-                      <a:noFill/>
-                    </a:lnR>
-                    <a:lnT>
-                      <a:noFill/>
-                    </a:lnT>
-                    <a:lnB>
-                      <a:noFill/>
-                    </a:lnB>
-                    <a:noFill/>
-                  </a:tcPr>
-                </a:tc>
-                <a:tc>
-                  <a:txBody>
-                    <a:bodyPr/>
-                    <a:lstStyle/>
-                    <a:p>
-                      <a:pPr>
-                        <a:buNone/>
-                      </a:pPr>
-                      <a:r>
-                        <a:rPr lang="en-US" sz="2400"/>
-                        <a:t>T</a:t>
-                      </a:r>
-                    </a:p>
-                  </a:txBody>
-                  <a:tcPr anchor="ctr">
-                    <a:lnL>
-                      <a:noFill/>
-                    </a:lnL>
-                    <a:lnR>
-                      <a:noFill/>
-                    </a:lnR>
-                    <a:lnT>
-                      <a:noFill/>
-                    </a:lnT>
-                    <a:lnB>
-                      <a:noFill/>
-                    </a:lnB>
-                    <a:noFill/>
-                  </a:tcPr>
-                </a:tc>
-                <a:tc>
-                  <a:txBody>
-                    <a:bodyPr/>
-                    <a:lstStyle/>
-                    <a:p>
-                      <a:pPr>
-                        <a:buNone/>
-                      </a:pPr>
-                      <a:r>
-                        <a:rPr lang="en-US" sz="2400"/>
-                        <a:t>T</a:t>
-                      </a:r>
-                    </a:p>
-                  </a:txBody>
-                  <a:tcPr anchor="ctr">
-                    <a:lnL>
-                      <a:noFill/>
-                    </a:lnL>
-                    <a:lnR>
-                      <a:noFill/>
-                    </a:lnR>
-                    <a:lnT>
-                      <a:noFill/>
-                    </a:lnT>
-                    <a:lnB>
-                      <a:noFill/>
-                    </a:lnB>
-                    <a:noFill/>
-                  </a:tcPr>
-                </a:tc>
-                <a:tc>
-                  <a:txBody>
-                    <a:bodyPr/>
-                    <a:lstStyle/>
-                    <a:p>
-                      <a:pPr>
-                        <a:buNone/>
-                      </a:pPr>
-                      <a:r>
-                        <a:rPr lang="en-US" sz="2400" dirty="0"/>
-                        <a:t>T</a:t>
-                      </a:r>
-                    </a:p>
-                  </a:txBody>
-                  <a:tcPr anchor="ctr">
-                    <a:lnL>
-                      <a:noFill/>
-                    </a:lnL>
-                    <a:lnR>
-                      <a:noFill/>
-                    </a:lnR>
-                    <a:lnT>
-                      <a:noFill/>
-                    </a:lnT>
-                    <a:lnB>
-                      <a:noFill/>
-                    </a:lnB>
-                    <a:noFill/>
-                  </a:tcPr>
-                </a:tc>
-                <a:extLst>
-                  <a:ext uri="{0D108BD9-81ED-4DB2-BD59-A6C34878D82A}">
-                    <a16:rowId xmlns:a16="http://schemas.microsoft.com/office/drawing/2014/main" val="59756198"/>
-                  </a:ext>
-                </a:extLst>
-              </a:tr>
-            </a:tbl>
-          </a:graphicData>
-        </a:graphic>
-      </p:graphicFrame>
-    </p:spTree>
-    <p:extLst>
-      <p:ext uri="{BB962C8B-B14F-4D97-AF65-F5344CB8AC3E}">
-        <p14:creationId xmlns:p14="http://schemas.microsoft.com/office/powerpoint/2010/main" val="882016605"/>
-      </p:ext>
-    </p:extLst>
-  </p:cSld>
-  <p:clrMapOvr>
-    <a:masterClrMapping/>
-  </p:clrMapOvr>
-  <p:timing>
-    <p:tnLst>
-      <p:par>
-        <p:cTn id="1" dur="indefinite" restart="never" nodeType="tmRoot">
-          <p:childTnLst>
-            <p:seq concurrent="1" nextAc="seek">
-              <p:cTn id="2" dur="indefinite" nodeType="mainSeq">
-                <p:childTnLst>
-                  <p:par>
-                    <p:cTn id="3" fill="hold">
-                      <p:stCondLst>
-                        <p:cond delay="indefinite"/>
-                      </p:stCondLst>
-                      <p:childTnLst>
-                        <p:par>
-                          <p:cTn id="4" fill="hold">
-                            <p:stCondLst>
-                              <p:cond delay="0"/>
-                            </p:stCondLst>
-                            <p:childTnLst>
-                              <p:par>
-                                <p:cTn id="5" presetID="1" presetClass="entr" presetSubtype="0" fill="hold" grpId="0" nodeType="clickEffect">
-                                  <p:stCondLst>
-                                    <p:cond delay="0"/>
-                                  </p:stCondLst>
-                                  <p:childTnLst>
-                                    <p:set>
-                                      <p:cBhvr>
-                                        <p:cTn id="6" dur="1" fill="hold">
-                                          <p:stCondLst>
-                                            <p:cond delay="0"/>
-                                          </p:stCondLst>
-                                        </p:cTn>
-                                        <p:tgtEl>
-                                          <p:spTgt spid="2">
-                                            <p:txEl>
-                                              <p:pRg st="0" end="0"/>
-                                            </p:txEl>
-                                          </p:spTgt>
-                                        </p:tgtEl>
-                                        <p:attrNameLst>
-                                          <p:attrName>style.visibility</p:attrName>
-                                        </p:attrNameLst>
-                                      </p:cBhvr>
-                                      <p:to>
-                                        <p:strVal val="visible"/>
-                                      </p:to>
-                                    </p:set>
-                                  </p:childTnLst>
-                                </p:cTn>
-                              </p:par>
-                            </p:childTnLst>
-                          </p:cTn>
-                        </p:par>
-                      </p:childTnLst>
-                    </p:cTn>
-                  </p:par>
-                  <p:par>
-                    <p:cTn id="7" fill="hold">
-                      <p:stCondLst>
-                        <p:cond delay="indefinite"/>
-                      </p:stCondLst>
-                      <p:childTnLst>
-                        <p:par>
-                          <p:cTn id="8" fill="hold">
-                            <p:stCondLst>
-                              <p:cond delay="0"/>
-                            </p:stCondLst>
-                            <p:childTnLst>
-                              <p:par>
-                                <p:cTn id="9" presetID="1" presetClass="entr" presetSubtype="0" fill="hold" grpId="0" nodeType="clickEffect">
-                                  <p:stCondLst>
-                                    <p:cond delay="0"/>
-                                  </p:stCondLst>
-                                  <p:childTnLst>
-                                    <p:set>
-                                      <p:cBhvr>
-                                        <p:cTn id="10" dur="1" fill="hold">
-                                          <p:stCondLst>
-                                            <p:cond delay="0"/>
-                                          </p:stCondLst>
-                                        </p:cTn>
-                                        <p:tgtEl>
-                                          <p:spTgt spid="2">
-                                            <p:txEl>
-                                              <p:pRg st="2" end="2"/>
-                                            </p:txEl>
-                                          </p:spTgt>
-                                        </p:tgtEl>
-                                        <p:attrNameLst>
-                                          <p:attrName>style.visibility</p:attrName>
-                                        </p:attrNameLst>
-                                      </p:cBhvr>
-                                      <p:to>
-                                        <p:strVal val="visible"/>
-                                      </p:to>
-                                    </p:set>
-                                  </p:childTnLst>
-                                </p:cTn>
-                              </p:par>
-                            </p:childTnLst>
-                          </p:cTn>
-                        </p:par>
-                      </p:childTnLst>
-                    </p:cTn>
-                  </p:par>
-                  <p:par>
-                    <p:cTn id="11" fill="hold">
-                      <p:stCondLst>
-                        <p:cond delay="indefinite"/>
-                      </p:stCondLst>
-                      <p:childTnLst>
-                        <p:par>
-                          <p:cTn id="12" fill="hold">
-                            <p:stCondLst>
-                              <p:cond delay="0"/>
-                            </p:stCondLst>
-                            <p:childTnLst>
-                              <p:par>
-                                <p:cTn id="13" presetID="1" presetClass="entr" presetSubtype="0" fill="hold" grpId="0" nodeType="clickEffect">
-                                  <p:stCondLst>
-                                    <p:cond delay="0"/>
-                                  </p:stCondLst>
-                                  <p:childTnLst>
-                                    <p:set>
-                                      <p:cBhvr>
-                                        <p:cTn id="14" dur="1" fill="hold">
-                                          <p:stCondLst>
-                                            <p:cond delay="0"/>
-                                          </p:stCondLst>
-                                        </p:cTn>
-                                        <p:tgtEl>
-                                          <p:spTgt spid="2">
-                                            <p:txEl>
-                                              <p:pRg st="3" end="3"/>
-                                            </p:txEl>
-                                          </p:spTgt>
-                                        </p:tgtEl>
-                                        <p:attrNameLst>
-                                          <p:attrName>style.visibility</p:attrName>
-                                        </p:attrNameLst>
-                                      </p:cBhvr>
-                                      <p:to>
-                                        <p:strVal val="visible"/>
-                                      </p:to>
-                                    </p:set>
-                                  </p:childTnLst>
-                                </p:cTn>
-                              </p:par>
-                            </p:childTnLst>
-                          </p:cTn>
-                        </p:par>
-                      </p:childTnLst>
-                    </p:cTn>
-                  </p:par>
-                  <p:par>
-                    <p:cTn id="15" fill="hold">
-                      <p:stCondLst>
-                        <p:cond delay="indefinite"/>
-                      </p:stCondLst>
-                      <p:childTnLst>
-                        <p:par>
-                          <p:cTn id="16" fill="hold">
-                            <p:stCondLst>
-                              <p:cond delay="0"/>
-                            </p:stCondLst>
-                            <p:childTnLst>
-                              <p:par>
-                                <p:cTn id="17" presetID="1" presetClass="entr" presetSubtype="0" fill="hold" grpId="0" nodeType="clickEffect">
-                                  <p:stCondLst>
-                                    <p:cond delay="0"/>
-                                  </p:stCondLst>
-                                  <p:childTnLst>
-                                    <p:set>
-                                      <p:cBhvr>
-                                        <p:cTn id="18" dur="1" fill="hold">
-                                          <p:stCondLst>
-                                            <p:cond delay="0"/>
-                                          </p:stCondLst>
-                                        </p:cTn>
-                                        <p:tgtEl>
-                                          <p:spTgt spid="2">
-                                            <p:txEl>
-                                              <p:pRg st="5" end="5"/>
-                                            </p:txEl>
-                                          </p:spTgt>
-                                        </p:tgtEl>
-                                        <p:attrNameLst>
-                                          <p:attrName>style.visibility</p:attrName>
-                                        </p:attrNameLst>
-                                      </p:cBhvr>
-                                      <p:to>
-                                        <p:strVal val="visible"/>
-                                      </p:to>
-                                    </p:set>
-                                  </p:childTnLst>
-                                </p:cTn>
-                              </p:par>
-                            </p:childTnLst>
-                          </p:cTn>
-                        </p:par>
-                      </p:childTnLst>
-                    </p:cTn>
-                  </p:par>
-                  <p:par>
-                    <p:cTn id="19" fill="hold">
-                      <p:stCondLst>
-                        <p:cond delay="indefinite"/>
-                      </p:stCondLst>
-                      <p:childTnLst>
-                        <p:par>
-                          <p:cTn id="20" fill="hold">
-                            <p:stCondLst>
-                              <p:cond delay="0"/>
-                            </p:stCondLst>
-                            <p:childTnLst>
-                              <p:par>
-                                <p:cTn id="21" presetID="1" presetClass="entr" presetSubtype="0" fill="hold" nodeType="clickEffect">
-                                  <p:stCondLst>
-                                    <p:cond delay="0"/>
-                                  </p:stCondLst>
-                                  <p:childTnLst>
-                                    <p:set>
-                                      <p:cBhvr>
-                                        <p:cTn id="22" dur="1" fill="hold">
-                                          <p:stCondLst>
-                                            <p:cond delay="0"/>
-                                          </p:stCondLst>
-                                        </p:cTn>
-                                        <p:tgtEl>
-                                          <p:spTgt spid="4"/>
-                                        </p:tgtEl>
-                                        <p:attrNameLst>
-                                          <p:attrName>style.visibility</p:attrName>
-                                        </p:attrNameLst>
-                                      </p:cBhvr>
-                                      <p:to>
-                                        <p:strVal val="visible"/>
-                                      </p:to>
-                                    </p:set>
-                                  </p:childTnLst>
-                                </p:cTn>
-                              </p:par>
-                            </p:childTnLst>
-                          </p:cTn>
-                        </p:par>
-                      </p:childTnLst>
-                    </p:cTn>
-                  </p:par>
-                </p:childTnLst>
-              </p:cTn>
-              <p:prevCondLst>
-                <p:cond evt="onPrev" delay="0">
-                  <p:tgtEl>
-                    <p:sldTgt/>
-                  </p:tgtEl>
-                </p:cond>
-              </p:prevCondLst>
-              <p:nextCondLst>
-                <p:cond evt="onNext" delay="0">
-                  <p:tgtEl>
-                    <p:sldTgt/>
-                  </p:tgtEl>
-                </p:cond>
-              </p:nextCondLst>
-            </p:seq>
-          </p:childTnLst>
-        </p:cTn>
-      </p:par>
-    </p:tnLst>
-    <p:bldLst>
-      <p:bldP spid="2" grpId="0" build="p"/>
     </p:bldLst>
   </p:timing>
 </p:sld>
